--- a/docs/Apresentação/US9002_Apresentação.pptx
+++ b/docs/Apresentação/US9002_Apresentação.pptx
@@ -16,6 +16,7 @@
     <p:sldId id="268" r:id="rId10"/>
     <p:sldId id="261" r:id="rId11"/>
     <p:sldId id="262" r:id="rId12"/>
+    <p:sldId id="269" r:id="rId13"/>
   </p:sldIdLst>
   <p:sldSz cx="12192000" cy="6858000"/>
   <p:notesSz cx="6858000" cy="9144000"/>
@@ -3495,15 +3496,17 @@
 </file>
 
 <file path=ppt/diagrams/colors5.xml><?xml version="1.0" encoding="utf-8"?>
-<dgm:colorsDef xmlns:dgm="http://schemas.openxmlformats.org/drawingml/2006/diagram" xmlns:a="http://schemas.openxmlformats.org/drawingml/2006/main" uniqueId="urn:microsoft.com/office/officeart/2005/8/colors/accent1_2">
+<dgm:colorsDef xmlns:dgm="http://schemas.openxmlformats.org/drawingml/2006/diagram" xmlns:a="http://schemas.openxmlformats.org/drawingml/2006/main" uniqueId="urn:microsoft.com/office/officeart/2005/8/colors/accent1_5">
   <dgm:title val=""/>
   <dgm:desc val=""/>
   <dgm:catLst>
-    <dgm:cat type="accent1" pri="11200"/>
+    <dgm:cat type="accent1" pri="11500"/>
   </dgm:catLst>
   <dgm:styleLbl name="node0">
-    <dgm:fillClrLst meth="repeat">
-      <a:schemeClr val="accent1"/>
+    <dgm:fillClrLst meth="cycle">
+      <a:schemeClr val="accent1">
+        <a:alpha val="80000"/>
+      </a:schemeClr>
     </dgm:fillClrLst>
     <dgm:linClrLst meth="repeat">
       <a:schemeClr val="lt1"/>
@@ -3513,21 +3516,14 @@
     <dgm:txFillClrLst/>
     <dgm:txEffectClrLst/>
   </dgm:styleLbl>
-  <dgm:styleLbl name="alignNode1">
-    <dgm:fillClrLst meth="repeat">
-      <a:schemeClr val="accent1"/>
-    </dgm:fillClrLst>
-    <dgm:linClrLst meth="repeat">
-      <a:schemeClr val="accent1"/>
-    </dgm:linClrLst>
-    <dgm:effectClrLst/>
-    <dgm:txLinClrLst/>
-    <dgm:txFillClrLst/>
-    <dgm:txEffectClrLst/>
-  </dgm:styleLbl>
   <dgm:styleLbl name="node1">
-    <dgm:fillClrLst meth="repeat">
-      <a:schemeClr val="accent1"/>
+    <dgm:fillClrLst>
+      <a:schemeClr val="accent1">
+        <a:alpha val="90000"/>
+      </a:schemeClr>
+      <a:schemeClr val="accent1">
+        <a:alpha val="50000"/>
+      </a:schemeClr>
     </dgm:fillClrLst>
     <dgm:linClrLst meth="repeat">
       <a:schemeClr val="lt1"/>
@@ -3537,9 +3533,37 @@
     <dgm:txFillClrLst/>
     <dgm:txEffectClrLst/>
   </dgm:styleLbl>
+  <dgm:styleLbl name="alignNode1">
+    <dgm:fillClrLst>
+      <a:schemeClr val="accent1">
+        <a:alpha val="90000"/>
+      </a:schemeClr>
+      <a:schemeClr val="accent1">
+        <a:alpha val="50000"/>
+      </a:schemeClr>
+    </dgm:fillClrLst>
+    <dgm:linClrLst>
+      <a:schemeClr val="accent1">
+        <a:alpha val="90000"/>
+      </a:schemeClr>
+      <a:schemeClr val="accent1">
+        <a:alpha val="50000"/>
+      </a:schemeClr>
+    </dgm:linClrLst>
+    <dgm:effectClrLst/>
+    <dgm:txLinClrLst/>
+    <dgm:txFillClrLst/>
+    <dgm:txEffectClrLst/>
+  </dgm:styleLbl>
   <dgm:styleLbl name="lnNode1">
-    <dgm:fillClrLst meth="repeat">
-      <a:schemeClr val="accent1"/>
+    <dgm:fillClrLst>
+      <a:schemeClr val="accent1">
+        <a:shade val="90000"/>
+      </a:schemeClr>
+      <a:schemeClr val="accent1">
+        <a:alpha val="50000"/>
+        <a:tint val="50000"/>
+      </a:schemeClr>
     </dgm:fillClrLst>
     <dgm:linClrLst meth="repeat">
       <a:schemeClr val="lt1"/>
@@ -3550,9 +3574,13 @@
     <dgm:txEffectClrLst/>
   </dgm:styleLbl>
   <dgm:styleLbl name="vennNode1">
-    <dgm:fillClrLst meth="repeat">
-      <a:schemeClr val="accent1">
+    <dgm:fillClrLst>
+      <a:schemeClr val="accent1">
+        <a:shade val="80000"/>
         <a:alpha val="50000"/>
+      </a:schemeClr>
+      <a:schemeClr val="accent1">
+        <a:alpha val="80000"/>
       </a:schemeClr>
     </dgm:fillClrLst>
     <dgm:linClrLst meth="repeat">
@@ -3564,8 +3592,10 @@
     <dgm:txEffectClrLst/>
   </dgm:styleLbl>
   <dgm:styleLbl name="node2">
-    <dgm:fillClrLst meth="repeat">
-      <a:schemeClr val="accent1"/>
+    <dgm:fillClrLst>
+      <a:schemeClr val="accent1">
+        <a:alpha val="70000"/>
+      </a:schemeClr>
     </dgm:fillClrLst>
     <dgm:linClrLst meth="repeat">
       <a:schemeClr val="lt1"/>
@@ -3576,8 +3606,10 @@
     <dgm:txEffectClrLst/>
   </dgm:styleLbl>
   <dgm:styleLbl name="node3">
-    <dgm:fillClrLst meth="repeat">
-      <a:schemeClr val="accent1"/>
+    <dgm:fillClrLst>
+      <a:schemeClr val="accent1">
+        <a:alpha val="50000"/>
+      </a:schemeClr>
     </dgm:fillClrLst>
     <dgm:linClrLst meth="repeat">
       <a:schemeClr val="lt1"/>
@@ -3588,8 +3620,10 @@
     <dgm:txEffectClrLst/>
   </dgm:styleLbl>
   <dgm:styleLbl name="node4">
-    <dgm:fillClrLst meth="repeat">
-      <a:schemeClr val="accent1"/>
+    <dgm:fillClrLst>
+      <a:schemeClr val="accent1">
+        <a:alpha val="30000"/>
+      </a:schemeClr>
     </dgm:fillClrLst>
     <dgm:linClrLst meth="repeat">
       <a:schemeClr val="lt1"/>
@@ -3600,9 +3634,14 @@
     <dgm:txEffectClrLst/>
   </dgm:styleLbl>
   <dgm:styleLbl name="fgImgPlace1">
-    <dgm:fillClrLst meth="repeat">
+    <dgm:fillClrLst>
       <a:schemeClr val="accent1">
         <a:tint val="50000"/>
+        <a:alpha val="90000"/>
+      </a:schemeClr>
+      <a:schemeClr val="accent1">
+        <a:tint val="20000"/>
+        <a:alpha val="50000"/>
       </a:schemeClr>
     </dgm:fillClrLst>
     <dgm:linClrLst meth="repeat">
@@ -3616,9 +3655,12 @@
     <dgm:txEffectClrLst/>
   </dgm:styleLbl>
   <dgm:styleLbl name="alignImgPlace1">
-    <dgm:fillClrLst meth="repeat">
+    <dgm:fillClrLst>
       <a:schemeClr val="accent1">
         <a:tint val="50000"/>
+      </a:schemeClr>
+      <a:schemeClr val="accent1">
+        <a:tint val="20000"/>
       </a:schemeClr>
     </dgm:fillClrLst>
     <dgm:linClrLst meth="repeat">
@@ -3632,9 +3674,12 @@
     <dgm:txEffectClrLst/>
   </dgm:styleLbl>
   <dgm:styleLbl name="bgImgPlace1">
-    <dgm:fillClrLst meth="repeat">
+    <dgm:fillClrLst>
       <a:schemeClr val="accent1">
         <a:tint val="50000"/>
+      </a:schemeClr>
+      <a:schemeClr val="accent1">
+        <a:tint val="20000"/>
       </a:schemeClr>
     </dgm:fillClrLst>
     <dgm:linClrLst meth="repeat">
@@ -3648,14 +3693,20 @@
     <dgm:txEffectClrLst/>
   </dgm:styleLbl>
   <dgm:styleLbl name="sibTrans2D1">
-    <dgm:fillClrLst meth="repeat">
-      <a:schemeClr val="accent1">
-        <a:tint val="60000"/>
+    <dgm:fillClrLst>
+      <a:schemeClr val="accent1">
+        <a:shade val="90000"/>
+      </a:schemeClr>
+      <a:schemeClr val="accent1">
+        <a:tint val="50000"/>
       </a:schemeClr>
     </dgm:fillClrLst>
-    <dgm:linClrLst meth="repeat">
-      <a:schemeClr val="accent1">
-        <a:tint val="60000"/>
+    <dgm:linClrLst>
+      <a:schemeClr val="accent1">
+        <a:shade val="90000"/>
+      </a:schemeClr>
+      <a:schemeClr val="accent1">
+        <a:tint val="50000"/>
       </a:schemeClr>
     </dgm:linClrLst>
     <dgm:effectClrLst/>
@@ -3664,14 +3715,20 @@
     <dgm:txEffectClrLst/>
   </dgm:styleLbl>
   <dgm:styleLbl name="fgSibTrans2D1">
-    <dgm:fillClrLst meth="repeat">
-      <a:schemeClr val="accent1">
-        <a:tint val="60000"/>
+    <dgm:fillClrLst>
+      <a:schemeClr val="accent1">
+        <a:shade val="90000"/>
+      </a:schemeClr>
+      <a:schemeClr val="accent1">
+        <a:tint val="50000"/>
       </a:schemeClr>
     </dgm:fillClrLst>
-    <dgm:linClrLst meth="repeat">
-      <a:schemeClr val="accent1">
-        <a:tint val="60000"/>
+    <dgm:linClrLst>
+      <a:schemeClr val="accent1">
+        <a:shade val="90000"/>
+      </a:schemeClr>
+      <a:schemeClr val="accent1">
+        <a:tint val="50000"/>
       </a:schemeClr>
     </dgm:linClrLst>
     <dgm:effectClrLst/>
@@ -3680,14 +3737,20 @@
     <dgm:txEffectClrLst/>
   </dgm:styleLbl>
   <dgm:styleLbl name="bgSibTrans2D1">
-    <dgm:fillClrLst meth="repeat">
-      <a:schemeClr val="accent1">
-        <a:tint val="60000"/>
+    <dgm:fillClrLst>
+      <a:schemeClr val="accent1">
+        <a:shade val="90000"/>
+      </a:schemeClr>
+      <a:schemeClr val="accent1">
+        <a:tint val="50000"/>
       </a:schemeClr>
     </dgm:fillClrLst>
-    <dgm:linClrLst meth="repeat">
-      <a:schemeClr val="accent1">
-        <a:tint val="60000"/>
+    <dgm:linClrLst>
+      <a:schemeClr val="accent1">
+        <a:shade val="90000"/>
+      </a:schemeClr>
+      <a:schemeClr val="accent1">
+        <a:tint val="50000"/>
       </a:schemeClr>
     </dgm:linClrLst>
     <dgm:effectClrLst/>
@@ -3696,6 +3759,30 @@
     <dgm:txEffectClrLst/>
   </dgm:styleLbl>
   <dgm:styleLbl name="sibTrans1D1">
+    <dgm:fillClrLst>
+      <a:schemeClr val="accent1">
+        <a:shade val="90000"/>
+      </a:schemeClr>
+      <a:schemeClr val="accent1">
+        <a:tint val="50000"/>
+      </a:schemeClr>
+    </dgm:fillClrLst>
+    <dgm:linClrLst>
+      <a:schemeClr val="accent1">
+        <a:shade val="90000"/>
+      </a:schemeClr>
+      <a:schemeClr val="accent1">
+        <a:tint val="50000"/>
+      </a:schemeClr>
+    </dgm:linClrLst>
+    <dgm:effectClrLst/>
+    <dgm:txLinClrLst/>
+    <dgm:txFillClrLst meth="repeat">
+      <a:schemeClr val="tx1"/>
+    </dgm:txFillClrLst>
+    <dgm:txEffectClrLst/>
+  </dgm:styleLbl>
+  <dgm:styleLbl name="callout">
     <dgm:fillClrLst meth="repeat">
       <a:schemeClr val="accent1"/>
     </dgm:fillClrLst>
@@ -3709,25 +3796,11 @@
     </dgm:txFillClrLst>
     <dgm:txEffectClrLst/>
   </dgm:styleLbl>
-  <dgm:styleLbl name="callout">
-    <dgm:fillClrLst meth="repeat">
-      <a:schemeClr val="accent1"/>
-    </dgm:fillClrLst>
-    <dgm:linClrLst meth="repeat">
-      <a:schemeClr val="accent1">
-        <a:tint val="50000"/>
-      </a:schemeClr>
-    </dgm:linClrLst>
-    <dgm:effectClrLst/>
-    <dgm:txLinClrLst/>
-    <dgm:txFillClrLst meth="repeat">
-      <a:schemeClr val="tx1"/>
-    </dgm:txFillClrLst>
-    <dgm:txEffectClrLst/>
-  </dgm:styleLbl>
   <dgm:styleLbl name="asst0">
     <dgm:fillClrLst meth="repeat">
-      <a:schemeClr val="accent1"/>
+      <a:schemeClr val="accent1">
+        <a:alpha val="90000"/>
+      </a:schemeClr>
     </dgm:fillClrLst>
     <dgm:linClrLst meth="repeat">
       <a:schemeClr val="lt1"/>
@@ -3739,7 +3812,9 @@
   </dgm:styleLbl>
   <dgm:styleLbl name="asst1">
     <dgm:fillClrLst meth="repeat">
-      <a:schemeClr val="accent1"/>
+      <a:schemeClr val="accent1">
+        <a:alpha val="90000"/>
+      </a:schemeClr>
     </dgm:fillClrLst>
     <dgm:linClrLst meth="repeat">
       <a:schemeClr val="lt1"/>
@@ -3750,8 +3825,10 @@
     <dgm:txEffectClrLst/>
   </dgm:styleLbl>
   <dgm:styleLbl name="asst2">
-    <dgm:fillClrLst meth="repeat">
-      <a:schemeClr val="accent1"/>
+    <dgm:fillClrLst>
+      <a:schemeClr val="accent1">
+        <a:alpha val="90000"/>
+      </a:schemeClr>
     </dgm:fillClrLst>
     <dgm:linClrLst meth="repeat">
       <a:schemeClr val="lt1"/>
@@ -3762,8 +3839,10 @@
     <dgm:txEffectClrLst/>
   </dgm:styleLbl>
   <dgm:styleLbl name="asst3">
-    <dgm:fillClrLst meth="repeat">
-      <a:schemeClr val="accent1"/>
+    <dgm:fillClrLst>
+      <a:schemeClr val="accent1">
+        <a:alpha val="70000"/>
+      </a:schemeClr>
     </dgm:fillClrLst>
     <dgm:linClrLst meth="repeat">
       <a:schemeClr val="lt1"/>
@@ -3774,8 +3853,10 @@
     <dgm:txEffectClrLst/>
   </dgm:styleLbl>
   <dgm:styleLbl name="asst4">
-    <dgm:fillClrLst meth="repeat">
-      <a:schemeClr val="accent1"/>
+    <dgm:fillClrLst>
+      <a:schemeClr val="accent1">
+        <a:alpha val="50000"/>
+      </a:schemeClr>
     </dgm:fillClrLst>
     <dgm:linClrLst meth="repeat">
       <a:schemeClr val="lt1"/>
@@ -3788,70 +3869,78 @@
   <dgm:styleLbl name="parChTrans2D1">
     <dgm:fillClrLst meth="repeat">
       <a:schemeClr val="accent1">
-        <a:tint val="60000"/>
+        <a:shade val="80000"/>
       </a:schemeClr>
     </dgm:fillClrLst>
     <dgm:linClrLst meth="repeat">
       <a:schemeClr val="accent1">
-        <a:tint val="60000"/>
+        <a:shade val="80000"/>
+      </a:schemeClr>
+    </dgm:linClrLst>
+    <dgm:effectClrLst/>
+    <dgm:txLinClrLst/>
+    <dgm:txFillClrLst/>
+    <dgm:txEffectClrLst/>
+  </dgm:styleLbl>
+  <dgm:styleLbl name="parChTrans2D2">
+    <dgm:fillClrLst meth="repeat">
+      <a:schemeClr val="accent1">
+        <a:tint val="90000"/>
+      </a:schemeClr>
+    </dgm:fillClrLst>
+    <dgm:linClrLst meth="repeat">
+      <a:schemeClr val="accent1">
+        <a:tint val="90000"/>
+      </a:schemeClr>
+    </dgm:linClrLst>
+    <dgm:effectClrLst/>
+    <dgm:txLinClrLst/>
+    <dgm:txFillClrLst/>
+    <dgm:txEffectClrLst/>
+  </dgm:styleLbl>
+  <dgm:styleLbl name="parChTrans2D3">
+    <dgm:fillClrLst meth="repeat">
+      <a:schemeClr val="accent1">
+        <a:tint val="70000"/>
+      </a:schemeClr>
+    </dgm:fillClrLst>
+    <dgm:linClrLst meth="repeat">
+      <a:schemeClr val="accent1">
+        <a:tint val="70000"/>
+      </a:schemeClr>
+    </dgm:linClrLst>
+    <dgm:effectClrLst/>
+    <dgm:txLinClrLst/>
+    <dgm:txFillClrLst/>
+    <dgm:txEffectClrLst/>
+  </dgm:styleLbl>
+  <dgm:styleLbl name="parChTrans2D4">
+    <dgm:fillClrLst meth="repeat">
+      <a:schemeClr val="accent1">
+        <a:tint val="50000"/>
+      </a:schemeClr>
+    </dgm:fillClrLst>
+    <dgm:linClrLst meth="repeat">
+      <a:schemeClr val="accent1">
+        <a:tint val="50000"/>
       </a:schemeClr>
     </dgm:linClrLst>
     <dgm:effectClrLst/>
     <dgm:txLinClrLst/>
     <dgm:txFillClrLst meth="repeat">
-      <a:schemeClr val="lt1"/>
+      <a:schemeClr val="dk1"/>
     </dgm:txFillClrLst>
     <dgm:txEffectClrLst/>
   </dgm:styleLbl>
-  <dgm:styleLbl name="parChTrans2D2">
+  <dgm:styleLbl name="parChTrans1D1">
     <dgm:fillClrLst meth="repeat">
-      <a:schemeClr val="accent1"/>
+      <a:schemeClr val="accent1">
+        <a:shade val="80000"/>
+      </a:schemeClr>
     </dgm:fillClrLst>
     <dgm:linClrLst meth="repeat">
-      <a:schemeClr val="accent1"/>
-    </dgm:linClrLst>
-    <dgm:effectClrLst/>
-    <dgm:txLinClrLst/>
-    <dgm:txFillClrLst meth="repeat">
-      <a:schemeClr val="lt1"/>
-    </dgm:txFillClrLst>
-    <dgm:txEffectClrLst/>
-  </dgm:styleLbl>
-  <dgm:styleLbl name="parChTrans2D3">
-    <dgm:fillClrLst meth="repeat">
-      <a:schemeClr val="accent1"/>
-    </dgm:fillClrLst>
-    <dgm:linClrLst meth="repeat">
-      <a:schemeClr val="accent1"/>
-    </dgm:linClrLst>
-    <dgm:effectClrLst/>
-    <dgm:txLinClrLst/>
-    <dgm:txFillClrLst meth="repeat">
-      <a:schemeClr val="lt1"/>
-    </dgm:txFillClrLst>
-    <dgm:txEffectClrLst/>
-  </dgm:styleLbl>
-  <dgm:styleLbl name="parChTrans2D4">
-    <dgm:fillClrLst meth="repeat">
-      <a:schemeClr val="accent1"/>
-    </dgm:fillClrLst>
-    <dgm:linClrLst meth="repeat">
-      <a:schemeClr val="accent1"/>
-    </dgm:linClrLst>
-    <dgm:effectClrLst/>
-    <dgm:txLinClrLst/>
-    <dgm:txFillClrLst meth="repeat">
-      <a:schemeClr val="lt1"/>
-    </dgm:txFillClrLst>
-    <dgm:txEffectClrLst/>
-  </dgm:styleLbl>
-  <dgm:styleLbl name="parChTrans1D1">
-    <dgm:fillClrLst meth="repeat">
-      <a:schemeClr val="accent1"/>
-    </dgm:fillClrLst>
-    <dgm:linClrLst meth="repeat">
-      <a:schemeClr val="accent1">
-        <a:shade val="60000"/>
+      <a:schemeClr val="accent1">
+        <a:shade val="80000"/>
       </a:schemeClr>
     </dgm:linClrLst>
     <dgm:effectClrLst/>
@@ -3863,11 +3952,13 @@
   </dgm:styleLbl>
   <dgm:styleLbl name="parChTrans1D2">
     <dgm:fillClrLst meth="repeat">
-      <a:schemeClr val="accent1"/>
+      <a:schemeClr val="accent1">
+        <a:tint val="90000"/>
+      </a:schemeClr>
     </dgm:fillClrLst>
     <dgm:linClrLst meth="repeat">
       <a:schemeClr val="accent1">
-        <a:shade val="60000"/>
+        <a:tint val="90000"/>
       </a:schemeClr>
     </dgm:linClrLst>
     <dgm:effectClrLst/>
@@ -3879,11 +3970,13 @@
   </dgm:styleLbl>
   <dgm:styleLbl name="parChTrans1D3">
     <dgm:fillClrLst meth="repeat">
-      <a:schemeClr val="accent1"/>
+      <a:schemeClr val="accent1">
+        <a:tint val="70000"/>
+      </a:schemeClr>
     </dgm:fillClrLst>
     <dgm:linClrLst meth="repeat">
       <a:schemeClr val="accent1">
-        <a:shade val="80000"/>
+        <a:tint val="70000"/>
       </a:schemeClr>
     </dgm:linClrLst>
     <dgm:effectClrLst/>
@@ -3895,11 +3988,13 @@
   </dgm:styleLbl>
   <dgm:styleLbl name="parChTrans1D4">
     <dgm:fillClrLst meth="repeat">
-      <a:schemeClr val="accent1"/>
+      <a:schemeClr val="accent1">
+        <a:tint val="50000"/>
+      </a:schemeClr>
     </dgm:fillClrLst>
     <dgm:linClrLst meth="repeat">
       <a:schemeClr val="accent1">
-        <a:shade val="80000"/>
+        <a:tint val="50000"/>
       </a:schemeClr>
     </dgm:linClrLst>
     <dgm:effectClrLst/>
@@ -3915,8 +4010,13 @@
         <a:alpha val="90000"/>
       </a:schemeClr>
     </dgm:fillClrLst>
-    <dgm:linClrLst meth="repeat">
-      <a:schemeClr val="accent1"/>
+    <dgm:linClrLst>
+      <a:schemeClr val="accent1">
+        <a:alpha val="90000"/>
+      </a:schemeClr>
+      <a:schemeClr val="accent1">
+        <a:alpha val="50000"/>
+      </a:schemeClr>
     </dgm:linClrLst>
     <dgm:effectClrLst/>
     <dgm:txLinClrLst/>
@@ -3931,8 +4031,13 @@
         <a:alpha val="90000"/>
       </a:schemeClr>
     </dgm:fillClrLst>
-    <dgm:linClrLst meth="repeat">
-      <a:schemeClr val="accent1"/>
+    <dgm:linClrLst>
+      <a:schemeClr val="accent1">
+        <a:alpha val="90000"/>
+      </a:schemeClr>
+      <a:schemeClr val="accent1">
+        <a:alpha val="50000"/>
+      </a:schemeClr>
     </dgm:linClrLst>
     <dgm:effectClrLst/>
     <dgm:txLinClrLst/>
@@ -3947,8 +4052,13 @@
         <a:alpha val="90000"/>
       </a:schemeClr>
     </dgm:fillClrLst>
-    <dgm:linClrLst meth="repeat">
-      <a:schemeClr val="accent1"/>
+    <dgm:linClrLst>
+      <a:schemeClr val="accent1">
+        <a:alpha val="90000"/>
+      </a:schemeClr>
+      <a:schemeClr val="accent1">
+        <a:alpha val="50000"/>
+      </a:schemeClr>
     </dgm:linClrLst>
     <dgm:effectClrLst/>
     <dgm:txLinClrLst/>
@@ -3963,8 +4073,13 @@
         <a:alpha val="40000"/>
       </a:schemeClr>
     </dgm:fillClrLst>
-    <dgm:linClrLst meth="repeat">
-      <a:schemeClr val="accent1"/>
+    <dgm:linClrLst>
+      <a:schemeClr val="accent1">
+        <a:alpha val="90000"/>
+      </a:schemeClr>
+      <a:schemeClr val="accent1">
+        <a:alpha val="50000"/>
+      </a:schemeClr>
     </dgm:linClrLst>
     <dgm:effectClrLst/>
     <dgm:txLinClrLst/>
@@ -3979,8 +4094,13 @@
         <a:alpha val="90000"/>
       </a:schemeClr>
     </dgm:fillClrLst>
-    <dgm:linClrLst meth="repeat">
-      <a:schemeClr val="accent1"/>
+    <dgm:linClrLst>
+      <a:schemeClr val="accent1">
+        <a:alpha val="90000"/>
+      </a:schemeClr>
+      <a:schemeClr val="accent1">
+        <a:alpha val="50000"/>
+      </a:schemeClr>
     </dgm:linClrLst>
     <dgm:effectClrLst/>
     <dgm:txLinClrLst/>
@@ -3993,8 +4113,13 @@
     <dgm:fillClrLst meth="repeat">
       <a:schemeClr val="lt1"/>
     </dgm:fillClrLst>
-    <dgm:linClrLst meth="repeat">
-      <a:schemeClr val="accent1"/>
+    <dgm:linClrLst>
+      <a:schemeClr val="accent1">
+        <a:alpha val="90000"/>
+      </a:schemeClr>
+      <a:schemeClr val="accent1">
+        <a:alpha val="50000"/>
+      </a:schemeClr>
     </dgm:linClrLst>
     <dgm:effectClrLst/>
     <dgm:txLinClrLst/>
@@ -4032,9 +4157,13 @@
     <dgm:txEffectClrLst/>
   </dgm:styleLbl>
   <dgm:styleLbl name="fgAccFollowNode1">
-    <dgm:fillClrLst meth="repeat">
+    <dgm:fillClrLst>
       <a:schemeClr val="accent1">
         <a:alpha val="90000"/>
+        <a:tint val="40000"/>
+      </a:schemeClr>
+      <a:schemeClr val="accent1">
+        <a:alpha val="50000"/>
         <a:tint val="40000"/>
       </a:schemeClr>
     </dgm:fillClrLst>
@@ -4079,10 +4208,7 @@
       </a:schemeClr>
     </dgm:fillClrLst>
     <dgm:linClrLst meth="repeat">
-      <a:schemeClr val="accent1">
-        <a:alpha val="90000"/>
-        <a:tint val="40000"/>
-      </a:schemeClr>
+      <a:schemeClr val="lt1"/>
     </dgm:linClrLst>
     <dgm:effectClrLst/>
     <dgm:txLinClrLst/>
@@ -4098,7 +4224,9 @@
       </a:schemeClr>
     </dgm:fillClrLst>
     <dgm:linClrLst meth="repeat">
-      <a:schemeClr val="accent1"/>
+      <a:schemeClr val="accent1">
+        <a:shade val="80000"/>
+      </a:schemeClr>
     </dgm:linClrLst>
     <dgm:effectClrLst/>
     <dgm:txLinClrLst/>
@@ -4114,7 +4242,9 @@
       </a:schemeClr>
     </dgm:fillClrLst>
     <dgm:linClrLst meth="repeat">
-      <a:schemeClr val="accent1"/>
+      <a:schemeClr val="accent1">
+        <a:tint val="90000"/>
+      </a:schemeClr>
     </dgm:linClrLst>
     <dgm:effectClrLst/>
     <dgm:txLinClrLst/>
@@ -4130,7 +4260,9 @@
       </a:schemeClr>
     </dgm:fillClrLst>
     <dgm:linClrLst meth="repeat">
-      <a:schemeClr val="accent1"/>
+      <a:schemeClr val="accent1">
+        <a:tint val="70000"/>
+      </a:schemeClr>
     </dgm:linClrLst>
     <dgm:effectClrLst/>
     <dgm:txLinClrLst/>
@@ -4146,7 +4278,9 @@
       </a:schemeClr>
     </dgm:fillClrLst>
     <dgm:linClrLst meth="repeat">
-      <a:schemeClr val="accent1"/>
+      <a:schemeClr val="accent1">
+        <a:tint val="50000"/>
+      </a:schemeClr>
     </dgm:linClrLst>
     <dgm:effectClrLst/>
     <dgm:txLinClrLst/>
@@ -4162,7 +4296,7 @@
       </a:schemeClr>
     </dgm:fillClrLst>
     <dgm:linClrLst meth="repeat">
-      <a:schemeClr val="accent1"/>
+      <a:schemeClr val="dk1"/>
     </dgm:linClrLst>
     <dgm:effectClrLst/>
     <dgm:txLinClrLst/>
@@ -4174,7 +4308,24 @@
   <dgm:styleLbl name="dkBgShp">
     <dgm:fillClrLst meth="repeat">
       <a:schemeClr val="accent1">
-        <a:shade val="80000"/>
+        <a:shade val="90000"/>
+      </a:schemeClr>
+    </dgm:fillClrLst>
+    <dgm:linClrLst meth="repeat">
+      <a:schemeClr val="dk1"/>
+    </dgm:linClrLst>
+    <dgm:effectClrLst/>
+    <dgm:txLinClrLst/>
+    <dgm:txFillClrLst meth="repeat">
+      <a:schemeClr val="lt1"/>
+    </dgm:txFillClrLst>
+    <dgm:txEffectClrLst/>
+  </dgm:styleLbl>
+  <dgm:styleLbl name="trBgShp">
+    <dgm:fillClrLst meth="repeat">
+      <a:schemeClr val="accent1">
+        <a:tint val="50000"/>
+        <a:alpha val="40000"/>
       </a:schemeClr>
     </dgm:fillClrLst>
     <dgm:linClrLst meth="repeat">
@@ -4187,27 +4338,10 @@
     </dgm:txFillClrLst>
     <dgm:txEffectClrLst/>
   </dgm:styleLbl>
-  <dgm:styleLbl name="trBgShp">
-    <dgm:fillClrLst meth="repeat">
-      <a:schemeClr val="accent1">
-        <a:tint val="50000"/>
-        <a:alpha val="40000"/>
-      </a:schemeClr>
-    </dgm:fillClrLst>
-    <dgm:linClrLst meth="repeat">
-      <a:schemeClr val="accent1"/>
-    </dgm:linClrLst>
-    <dgm:effectClrLst/>
-    <dgm:txLinClrLst/>
-    <dgm:txFillClrLst meth="repeat">
-      <a:schemeClr val="lt1"/>
-    </dgm:txFillClrLst>
-    <dgm:txEffectClrLst/>
-  </dgm:styleLbl>
   <dgm:styleLbl name="fgShp">
     <dgm:fillClrLst meth="repeat">
       <a:schemeClr val="accent1">
-        <a:tint val="60000"/>
+        <a:tint val="40000"/>
       </a:schemeClr>
     </dgm:fillClrLst>
     <dgm:linClrLst meth="repeat">
@@ -4992,6 +5126,886 @@
 </dgm:colorsDef>
 </file>
 
+<file path=ppt/diagrams/colors7.xml><?xml version="1.0" encoding="utf-8"?>
+<dgm:colorsDef xmlns:dgm="http://schemas.openxmlformats.org/drawingml/2006/diagram" xmlns:a="http://schemas.openxmlformats.org/drawingml/2006/main" uniqueId="urn:microsoft.com/office/officeart/2005/8/colors/accent1_5">
+  <dgm:title val=""/>
+  <dgm:desc val=""/>
+  <dgm:catLst>
+    <dgm:cat type="accent1" pri="11500"/>
+  </dgm:catLst>
+  <dgm:styleLbl name="node0">
+    <dgm:fillClrLst meth="cycle">
+      <a:schemeClr val="accent1">
+        <a:alpha val="80000"/>
+      </a:schemeClr>
+    </dgm:fillClrLst>
+    <dgm:linClrLst meth="repeat">
+      <a:schemeClr val="lt1"/>
+    </dgm:linClrLst>
+    <dgm:effectClrLst/>
+    <dgm:txLinClrLst/>
+    <dgm:txFillClrLst/>
+    <dgm:txEffectClrLst/>
+  </dgm:styleLbl>
+  <dgm:styleLbl name="node1">
+    <dgm:fillClrLst>
+      <a:schemeClr val="accent1">
+        <a:alpha val="90000"/>
+      </a:schemeClr>
+      <a:schemeClr val="accent1">
+        <a:alpha val="50000"/>
+      </a:schemeClr>
+    </dgm:fillClrLst>
+    <dgm:linClrLst meth="repeat">
+      <a:schemeClr val="lt1"/>
+    </dgm:linClrLst>
+    <dgm:effectClrLst/>
+    <dgm:txLinClrLst/>
+    <dgm:txFillClrLst/>
+    <dgm:txEffectClrLst/>
+  </dgm:styleLbl>
+  <dgm:styleLbl name="alignNode1">
+    <dgm:fillClrLst>
+      <a:schemeClr val="accent1">
+        <a:alpha val="90000"/>
+      </a:schemeClr>
+      <a:schemeClr val="accent1">
+        <a:alpha val="50000"/>
+      </a:schemeClr>
+    </dgm:fillClrLst>
+    <dgm:linClrLst>
+      <a:schemeClr val="accent1">
+        <a:alpha val="90000"/>
+      </a:schemeClr>
+      <a:schemeClr val="accent1">
+        <a:alpha val="50000"/>
+      </a:schemeClr>
+    </dgm:linClrLst>
+    <dgm:effectClrLst/>
+    <dgm:txLinClrLst/>
+    <dgm:txFillClrLst/>
+    <dgm:txEffectClrLst/>
+  </dgm:styleLbl>
+  <dgm:styleLbl name="lnNode1">
+    <dgm:fillClrLst>
+      <a:schemeClr val="accent1">
+        <a:shade val="90000"/>
+      </a:schemeClr>
+      <a:schemeClr val="accent1">
+        <a:alpha val="50000"/>
+        <a:tint val="50000"/>
+      </a:schemeClr>
+    </dgm:fillClrLst>
+    <dgm:linClrLst meth="repeat">
+      <a:schemeClr val="lt1"/>
+    </dgm:linClrLst>
+    <dgm:effectClrLst/>
+    <dgm:txLinClrLst/>
+    <dgm:txFillClrLst/>
+    <dgm:txEffectClrLst/>
+  </dgm:styleLbl>
+  <dgm:styleLbl name="vennNode1">
+    <dgm:fillClrLst>
+      <a:schemeClr val="accent1">
+        <a:shade val="80000"/>
+        <a:alpha val="50000"/>
+      </a:schemeClr>
+      <a:schemeClr val="accent1">
+        <a:alpha val="80000"/>
+      </a:schemeClr>
+    </dgm:fillClrLst>
+    <dgm:linClrLst meth="repeat">
+      <a:schemeClr val="lt1"/>
+    </dgm:linClrLst>
+    <dgm:effectClrLst/>
+    <dgm:txLinClrLst/>
+    <dgm:txFillClrLst/>
+    <dgm:txEffectClrLst/>
+  </dgm:styleLbl>
+  <dgm:styleLbl name="node2">
+    <dgm:fillClrLst>
+      <a:schemeClr val="accent1">
+        <a:alpha val="70000"/>
+      </a:schemeClr>
+    </dgm:fillClrLst>
+    <dgm:linClrLst meth="repeat">
+      <a:schemeClr val="lt1"/>
+    </dgm:linClrLst>
+    <dgm:effectClrLst/>
+    <dgm:txLinClrLst/>
+    <dgm:txFillClrLst/>
+    <dgm:txEffectClrLst/>
+  </dgm:styleLbl>
+  <dgm:styleLbl name="node3">
+    <dgm:fillClrLst>
+      <a:schemeClr val="accent1">
+        <a:alpha val="50000"/>
+      </a:schemeClr>
+    </dgm:fillClrLst>
+    <dgm:linClrLst meth="repeat">
+      <a:schemeClr val="lt1"/>
+    </dgm:linClrLst>
+    <dgm:effectClrLst/>
+    <dgm:txLinClrLst/>
+    <dgm:txFillClrLst/>
+    <dgm:txEffectClrLst/>
+  </dgm:styleLbl>
+  <dgm:styleLbl name="node4">
+    <dgm:fillClrLst>
+      <a:schemeClr val="accent1">
+        <a:alpha val="30000"/>
+      </a:schemeClr>
+    </dgm:fillClrLst>
+    <dgm:linClrLst meth="repeat">
+      <a:schemeClr val="lt1"/>
+    </dgm:linClrLst>
+    <dgm:effectClrLst/>
+    <dgm:txLinClrLst/>
+    <dgm:txFillClrLst/>
+    <dgm:txEffectClrLst/>
+  </dgm:styleLbl>
+  <dgm:styleLbl name="fgImgPlace1">
+    <dgm:fillClrLst>
+      <a:schemeClr val="accent1">
+        <a:tint val="50000"/>
+        <a:alpha val="90000"/>
+      </a:schemeClr>
+      <a:schemeClr val="accent1">
+        <a:tint val="20000"/>
+        <a:alpha val="50000"/>
+      </a:schemeClr>
+    </dgm:fillClrLst>
+    <dgm:linClrLst meth="repeat">
+      <a:schemeClr val="lt1"/>
+    </dgm:linClrLst>
+    <dgm:effectClrLst/>
+    <dgm:txLinClrLst/>
+    <dgm:txFillClrLst meth="repeat">
+      <a:schemeClr val="lt1"/>
+    </dgm:txFillClrLst>
+    <dgm:txEffectClrLst/>
+  </dgm:styleLbl>
+  <dgm:styleLbl name="alignImgPlace1">
+    <dgm:fillClrLst>
+      <a:schemeClr val="accent1">
+        <a:tint val="50000"/>
+      </a:schemeClr>
+      <a:schemeClr val="accent1">
+        <a:tint val="20000"/>
+      </a:schemeClr>
+    </dgm:fillClrLst>
+    <dgm:linClrLst meth="repeat">
+      <a:schemeClr val="lt1"/>
+    </dgm:linClrLst>
+    <dgm:effectClrLst/>
+    <dgm:txLinClrLst/>
+    <dgm:txFillClrLst meth="repeat">
+      <a:schemeClr val="lt1"/>
+    </dgm:txFillClrLst>
+    <dgm:txEffectClrLst/>
+  </dgm:styleLbl>
+  <dgm:styleLbl name="bgImgPlace1">
+    <dgm:fillClrLst>
+      <a:schemeClr val="accent1">
+        <a:tint val="50000"/>
+      </a:schemeClr>
+      <a:schemeClr val="accent1">
+        <a:tint val="20000"/>
+      </a:schemeClr>
+    </dgm:fillClrLst>
+    <dgm:linClrLst meth="repeat">
+      <a:schemeClr val="lt1"/>
+    </dgm:linClrLst>
+    <dgm:effectClrLst/>
+    <dgm:txLinClrLst/>
+    <dgm:txFillClrLst meth="repeat">
+      <a:schemeClr val="lt1"/>
+    </dgm:txFillClrLst>
+    <dgm:txEffectClrLst/>
+  </dgm:styleLbl>
+  <dgm:styleLbl name="sibTrans2D1">
+    <dgm:fillClrLst>
+      <a:schemeClr val="accent1">
+        <a:shade val="90000"/>
+      </a:schemeClr>
+      <a:schemeClr val="accent1">
+        <a:tint val="50000"/>
+      </a:schemeClr>
+    </dgm:fillClrLst>
+    <dgm:linClrLst>
+      <a:schemeClr val="accent1">
+        <a:shade val="90000"/>
+      </a:schemeClr>
+      <a:schemeClr val="accent1">
+        <a:tint val="50000"/>
+      </a:schemeClr>
+    </dgm:linClrLst>
+    <dgm:effectClrLst/>
+    <dgm:txLinClrLst/>
+    <dgm:txFillClrLst/>
+    <dgm:txEffectClrLst/>
+  </dgm:styleLbl>
+  <dgm:styleLbl name="fgSibTrans2D1">
+    <dgm:fillClrLst>
+      <a:schemeClr val="accent1">
+        <a:shade val="90000"/>
+      </a:schemeClr>
+      <a:schemeClr val="accent1">
+        <a:tint val="50000"/>
+      </a:schemeClr>
+    </dgm:fillClrLst>
+    <dgm:linClrLst>
+      <a:schemeClr val="accent1">
+        <a:shade val="90000"/>
+      </a:schemeClr>
+      <a:schemeClr val="accent1">
+        <a:tint val="50000"/>
+      </a:schemeClr>
+    </dgm:linClrLst>
+    <dgm:effectClrLst/>
+    <dgm:txLinClrLst/>
+    <dgm:txFillClrLst/>
+    <dgm:txEffectClrLst/>
+  </dgm:styleLbl>
+  <dgm:styleLbl name="bgSibTrans2D1">
+    <dgm:fillClrLst>
+      <a:schemeClr val="accent1">
+        <a:shade val="90000"/>
+      </a:schemeClr>
+      <a:schemeClr val="accent1">
+        <a:tint val="50000"/>
+      </a:schemeClr>
+    </dgm:fillClrLst>
+    <dgm:linClrLst>
+      <a:schemeClr val="accent1">
+        <a:shade val="90000"/>
+      </a:schemeClr>
+      <a:schemeClr val="accent1">
+        <a:tint val="50000"/>
+      </a:schemeClr>
+    </dgm:linClrLst>
+    <dgm:effectClrLst/>
+    <dgm:txLinClrLst/>
+    <dgm:txFillClrLst/>
+    <dgm:txEffectClrLst/>
+  </dgm:styleLbl>
+  <dgm:styleLbl name="sibTrans1D1">
+    <dgm:fillClrLst>
+      <a:schemeClr val="accent1">
+        <a:shade val="90000"/>
+      </a:schemeClr>
+      <a:schemeClr val="accent1">
+        <a:tint val="50000"/>
+      </a:schemeClr>
+    </dgm:fillClrLst>
+    <dgm:linClrLst>
+      <a:schemeClr val="accent1">
+        <a:shade val="90000"/>
+      </a:schemeClr>
+      <a:schemeClr val="accent1">
+        <a:tint val="50000"/>
+      </a:schemeClr>
+    </dgm:linClrLst>
+    <dgm:effectClrLst/>
+    <dgm:txLinClrLst/>
+    <dgm:txFillClrLst meth="repeat">
+      <a:schemeClr val="tx1"/>
+    </dgm:txFillClrLst>
+    <dgm:txEffectClrLst/>
+  </dgm:styleLbl>
+  <dgm:styleLbl name="callout">
+    <dgm:fillClrLst meth="repeat">
+      <a:schemeClr val="accent1"/>
+    </dgm:fillClrLst>
+    <dgm:linClrLst meth="repeat">
+      <a:schemeClr val="accent1"/>
+    </dgm:linClrLst>
+    <dgm:effectClrLst/>
+    <dgm:txLinClrLst/>
+    <dgm:txFillClrLst meth="repeat">
+      <a:schemeClr val="tx1"/>
+    </dgm:txFillClrLst>
+    <dgm:txEffectClrLst/>
+  </dgm:styleLbl>
+  <dgm:styleLbl name="asst0">
+    <dgm:fillClrLst meth="repeat">
+      <a:schemeClr val="accent1">
+        <a:alpha val="90000"/>
+      </a:schemeClr>
+    </dgm:fillClrLst>
+    <dgm:linClrLst meth="repeat">
+      <a:schemeClr val="lt1"/>
+    </dgm:linClrLst>
+    <dgm:effectClrLst/>
+    <dgm:txLinClrLst/>
+    <dgm:txFillClrLst/>
+    <dgm:txEffectClrLst/>
+  </dgm:styleLbl>
+  <dgm:styleLbl name="asst1">
+    <dgm:fillClrLst meth="repeat">
+      <a:schemeClr val="accent1">
+        <a:alpha val="90000"/>
+      </a:schemeClr>
+    </dgm:fillClrLst>
+    <dgm:linClrLst meth="repeat">
+      <a:schemeClr val="lt1"/>
+    </dgm:linClrLst>
+    <dgm:effectClrLst/>
+    <dgm:txLinClrLst/>
+    <dgm:txFillClrLst/>
+    <dgm:txEffectClrLst/>
+  </dgm:styleLbl>
+  <dgm:styleLbl name="asst2">
+    <dgm:fillClrLst>
+      <a:schemeClr val="accent1">
+        <a:alpha val="90000"/>
+      </a:schemeClr>
+    </dgm:fillClrLst>
+    <dgm:linClrLst meth="repeat">
+      <a:schemeClr val="lt1"/>
+    </dgm:linClrLst>
+    <dgm:effectClrLst/>
+    <dgm:txLinClrLst/>
+    <dgm:txFillClrLst/>
+    <dgm:txEffectClrLst/>
+  </dgm:styleLbl>
+  <dgm:styleLbl name="asst3">
+    <dgm:fillClrLst>
+      <a:schemeClr val="accent1">
+        <a:alpha val="70000"/>
+      </a:schemeClr>
+    </dgm:fillClrLst>
+    <dgm:linClrLst meth="repeat">
+      <a:schemeClr val="lt1"/>
+    </dgm:linClrLst>
+    <dgm:effectClrLst/>
+    <dgm:txLinClrLst/>
+    <dgm:txFillClrLst/>
+    <dgm:txEffectClrLst/>
+  </dgm:styleLbl>
+  <dgm:styleLbl name="asst4">
+    <dgm:fillClrLst>
+      <a:schemeClr val="accent1">
+        <a:alpha val="50000"/>
+      </a:schemeClr>
+    </dgm:fillClrLst>
+    <dgm:linClrLst meth="repeat">
+      <a:schemeClr val="lt1"/>
+    </dgm:linClrLst>
+    <dgm:effectClrLst/>
+    <dgm:txLinClrLst/>
+    <dgm:txFillClrLst/>
+    <dgm:txEffectClrLst/>
+  </dgm:styleLbl>
+  <dgm:styleLbl name="parChTrans2D1">
+    <dgm:fillClrLst meth="repeat">
+      <a:schemeClr val="accent1">
+        <a:shade val="80000"/>
+      </a:schemeClr>
+    </dgm:fillClrLst>
+    <dgm:linClrLst meth="repeat">
+      <a:schemeClr val="accent1">
+        <a:shade val="80000"/>
+      </a:schemeClr>
+    </dgm:linClrLst>
+    <dgm:effectClrLst/>
+    <dgm:txLinClrLst/>
+    <dgm:txFillClrLst/>
+    <dgm:txEffectClrLst/>
+  </dgm:styleLbl>
+  <dgm:styleLbl name="parChTrans2D2">
+    <dgm:fillClrLst meth="repeat">
+      <a:schemeClr val="accent1">
+        <a:tint val="90000"/>
+      </a:schemeClr>
+    </dgm:fillClrLst>
+    <dgm:linClrLst meth="repeat">
+      <a:schemeClr val="accent1">
+        <a:tint val="90000"/>
+      </a:schemeClr>
+    </dgm:linClrLst>
+    <dgm:effectClrLst/>
+    <dgm:txLinClrLst/>
+    <dgm:txFillClrLst/>
+    <dgm:txEffectClrLst/>
+  </dgm:styleLbl>
+  <dgm:styleLbl name="parChTrans2D3">
+    <dgm:fillClrLst meth="repeat">
+      <a:schemeClr val="accent1">
+        <a:tint val="70000"/>
+      </a:schemeClr>
+    </dgm:fillClrLst>
+    <dgm:linClrLst meth="repeat">
+      <a:schemeClr val="accent1">
+        <a:tint val="70000"/>
+      </a:schemeClr>
+    </dgm:linClrLst>
+    <dgm:effectClrLst/>
+    <dgm:txLinClrLst/>
+    <dgm:txFillClrLst/>
+    <dgm:txEffectClrLst/>
+  </dgm:styleLbl>
+  <dgm:styleLbl name="parChTrans2D4">
+    <dgm:fillClrLst meth="repeat">
+      <a:schemeClr val="accent1">
+        <a:tint val="50000"/>
+      </a:schemeClr>
+    </dgm:fillClrLst>
+    <dgm:linClrLst meth="repeat">
+      <a:schemeClr val="accent1">
+        <a:tint val="50000"/>
+      </a:schemeClr>
+    </dgm:linClrLst>
+    <dgm:effectClrLst/>
+    <dgm:txLinClrLst/>
+    <dgm:txFillClrLst meth="repeat">
+      <a:schemeClr val="dk1"/>
+    </dgm:txFillClrLst>
+    <dgm:txEffectClrLst/>
+  </dgm:styleLbl>
+  <dgm:styleLbl name="parChTrans1D1">
+    <dgm:fillClrLst meth="repeat">
+      <a:schemeClr val="accent1">
+        <a:shade val="80000"/>
+      </a:schemeClr>
+    </dgm:fillClrLst>
+    <dgm:linClrLst meth="repeat">
+      <a:schemeClr val="accent1">
+        <a:shade val="80000"/>
+      </a:schemeClr>
+    </dgm:linClrLst>
+    <dgm:effectClrLst/>
+    <dgm:txLinClrLst/>
+    <dgm:txFillClrLst meth="repeat">
+      <a:schemeClr val="tx1"/>
+    </dgm:txFillClrLst>
+    <dgm:txEffectClrLst/>
+  </dgm:styleLbl>
+  <dgm:styleLbl name="parChTrans1D2">
+    <dgm:fillClrLst meth="repeat">
+      <a:schemeClr val="accent1">
+        <a:tint val="90000"/>
+      </a:schemeClr>
+    </dgm:fillClrLst>
+    <dgm:linClrLst meth="repeat">
+      <a:schemeClr val="accent1">
+        <a:tint val="90000"/>
+      </a:schemeClr>
+    </dgm:linClrLst>
+    <dgm:effectClrLst/>
+    <dgm:txLinClrLst/>
+    <dgm:txFillClrLst meth="repeat">
+      <a:schemeClr val="tx1"/>
+    </dgm:txFillClrLst>
+    <dgm:txEffectClrLst/>
+  </dgm:styleLbl>
+  <dgm:styleLbl name="parChTrans1D3">
+    <dgm:fillClrLst meth="repeat">
+      <a:schemeClr val="accent1">
+        <a:tint val="70000"/>
+      </a:schemeClr>
+    </dgm:fillClrLst>
+    <dgm:linClrLst meth="repeat">
+      <a:schemeClr val="accent1">
+        <a:tint val="70000"/>
+      </a:schemeClr>
+    </dgm:linClrLst>
+    <dgm:effectClrLst/>
+    <dgm:txLinClrLst/>
+    <dgm:txFillClrLst meth="repeat">
+      <a:schemeClr val="tx1"/>
+    </dgm:txFillClrLst>
+    <dgm:txEffectClrLst/>
+  </dgm:styleLbl>
+  <dgm:styleLbl name="parChTrans1D4">
+    <dgm:fillClrLst meth="repeat">
+      <a:schemeClr val="accent1">
+        <a:tint val="50000"/>
+      </a:schemeClr>
+    </dgm:fillClrLst>
+    <dgm:linClrLst meth="repeat">
+      <a:schemeClr val="accent1">
+        <a:tint val="50000"/>
+      </a:schemeClr>
+    </dgm:linClrLst>
+    <dgm:effectClrLst/>
+    <dgm:txLinClrLst/>
+    <dgm:txFillClrLst meth="repeat">
+      <a:schemeClr val="tx1"/>
+    </dgm:txFillClrLst>
+    <dgm:txEffectClrLst/>
+  </dgm:styleLbl>
+  <dgm:styleLbl name="fgAcc1">
+    <dgm:fillClrLst meth="repeat">
+      <a:schemeClr val="lt1">
+        <a:alpha val="90000"/>
+      </a:schemeClr>
+    </dgm:fillClrLst>
+    <dgm:linClrLst>
+      <a:schemeClr val="accent1">
+        <a:alpha val="90000"/>
+      </a:schemeClr>
+      <a:schemeClr val="accent1">
+        <a:alpha val="50000"/>
+      </a:schemeClr>
+    </dgm:linClrLst>
+    <dgm:effectClrLst/>
+    <dgm:txLinClrLst/>
+    <dgm:txFillClrLst meth="repeat">
+      <a:schemeClr val="dk1"/>
+    </dgm:txFillClrLst>
+    <dgm:txEffectClrLst/>
+  </dgm:styleLbl>
+  <dgm:styleLbl name="conFgAcc1">
+    <dgm:fillClrLst meth="repeat">
+      <a:schemeClr val="lt1">
+        <a:alpha val="90000"/>
+      </a:schemeClr>
+    </dgm:fillClrLst>
+    <dgm:linClrLst>
+      <a:schemeClr val="accent1">
+        <a:alpha val="90000"/>
+      </a:schemeClr>
+      <a:schemeClr val="accent1">
+        <a:alpha val="50000"/>
+      </a:schemeClr>
+    </dgm:linClrLst>
+    <dgm:effectClrLst/>
+    <dgm:txLinClrLst/>
+    <dgm:txFillClrLst meth="repeat">
+      <a:schemeClr val="dk1"/>
+    </dgm:txFillClrLst>
+    <dgm:txEffectClrLst/>
+  </dgm:styleLbl>
+  <dgm:styleLbl name="alignAcc1">
+    <dgm:fillClrLst meth="repeat">
+      <a:schemeClr val="lt1">
+        <a:alpha val="90000"/>
+      </a:schemeClr>
+    </dgm:fillClrLst>
+    <dgm:linClrLst>
+      <a:schemeClr val="accent1">
+        <a:alpha val="90000"/>
+      </a:schemeClr>
+      <a:schemeClr val="accent1">
+        <a:alpha val="50000"/>
+      </a:schemeClr>
+    </dgm:linClrLst>
+    <dgm:effectClrLst/>
+    <dgm:txLinClrLst/>
+    <dgm:txFillClrLst meth="repeat">
+      <a:schemeClr val="dk1"/>
+    </dgm:txFillClrLst>
+    <dgm:txEffectClrLst/>
+  </dgm:styleLbl>
+  <dgm:styleLbl name="trAlignAcc1">
+    <dgm:fillClrLst meth="repeat">
+      <a:schemeClr val="lt1">
+        <a:alpha val="40000"/>
+      </a:schemeClr>
+    </dgm:fillClrLst>
+    <dgm:linClrLst>
+      <a:schemeClr val="accent1">
+        <a:alpha val="90000"/>
+      </a:schemeClr>
+      <a:schemeClr val="accent1">
+        <a:alpha val="50000"/>
+      </a:schemeClr>
+    </dgm:linClrLst>
+    <dgm:effectClrLst/>
+    <dgm:txLinClrLst/>
+    <dgm:txFillClrLst meth="repeat">
+      <a:schemeClr val="dk1"/>
+    </dgm:txFillClrLst>
+    <dgm:txEffectClrLst/>
+  </dgm:styleLbl>
+  <dgm:styleLbl name="bgAcc1">
+    <dgm:fillClrLst meth="repeat">
+      <a:schemeClr val="lt1">
+        <a:alpha val="90000"/>
+      </a:schemeClr>
+    </dgm:fillClrLst>
+    <dgm:linClrLst>
+      <a:schemeClr val="accent1">
+        <a:alpha val="90000"/>
+      </a:schemeClr>
+      <a:schemeClr val="accent1">
+        <a:alpha val="50000"/>
+      </a:schemeClr>
+    </dgm:linClrLst>
+    <dgm:effectClrLst/>
+    <dgm:txLinClrLst/>
+    <dgm:txFillClrLst meth="repeat">
+      <a:schemeClr val="dk1"/>
+    </dgm:txFillClrLst>
+    <dgm:txEffectClrLst/>
+  </dgm:styleLbl>
+  <dgm:styleLbl name="solidFgAcc1">
+    <dgm:fillClrLst meth="repeat">
+      <a:schemeClr val="lt1"/>
+    </dgm:fillClrLst>
+    <dgm:linClrLst>
+      <a:schemeClr val="accent1">
+        <a:alpha val="90000"/>
+      </a:schemeClr>
+      <a:schemeClr val="accent1">
+        <a:alpha val="50000"/>
+      </a:schemeClr>
+    </dgm:linClrLst>
+    <dgm:effectClrLst/>
+    <dgm:txLinClrLst/>
+    <dgm:txFillClrLst meth="repeat">
+      <a:schemeClr val="dk1"/>
+    </dgm:txFillClrLst>
+    <dgm:txEffectClrLst/>
+  </dgm:styleLbl>
+  <dgm:styleLbl name="solidAlignAcc1">
+    <dgm:fillClrLst meth="repeat">
+      <a:schemeClr val="lt1"/>
+    </dgm:fillClrLst>
+    <dgm:linClrLst meth="repeat">
+      <a:schemeClr val="accent1"/>
+    </dgm:linClrLst>
+    <dgm:effectClrLst/>
+    <dgm:txLinClrLst/>
+    <dgm:txFillClrLst meth="repeat">
+      <a:schemeClr val="dk1"/>
+    </dgm:txFillClrLst>
+    <dgm:txEffectClrLst/>
+  </dgm:styleLbl>
+  <dgm:styleLbl name="solidBgAcc1">
+    <dgm:fillClrLst meth="repeat">
+      <a:schemeClr val="lt1"/>
+    </dgm:fillClrLst>
+    <dgm:linClrLst meth="repeat">
+      <a:schemeClr val="accent1"/>
+    </dgm:linClrLst>
+    <dgm:effectClrLst/>
+    <dgm:txLinClrLst/>
+    <dgm:txFillClrLst meth="repeat">
+      <a:schemeClr val="dk1"/>
+    </dgm:txFillClrLst>
+    <dgm:txEffectClrLst/>
+  </dgm:styleLbl>
+  <dgm:styleLbl name="fgAccFollowNode1">
+    <dgm:fillClrLst>
+      <a:schemeClr val="accent1">
+        <a:alpha val="90000"/>
+        <a:tint val="40000"/>
+      </a:schemeClr>
+      <a:schemeClr val="accent1">
+        <a:alpha val="50000"/>
+        <a:tint val="40000"/>
+      </a:schemeClr>
+    </dgm:fillClrLst>
+    <dgm:linClrLst meth="repeat">
+      <a:schemeClr val="accent1">
+        <a:alpha val="90000"/>
+        <a:tint val="40000"/>
+      </a:schemeClr>
+    </dgm:linClrLst>
+    <dgm:effectClrLst/>
+    <dgm:txLinClrLst/>
+    <dgm:txFillClrLst meth="repeat">
+      <a:schemeClr val="dk1"/>
+    </dgm:txFillClrLst>
+    <dgm:txEffectClrLst/>
+  </dgm:styleLbl>
+  <dgm:styleLbl name="alignAccFollowNode1">
+    <dgm:fillClrLst meth="repeat">
+      <a:schemeClr val="accent1">
+        <a:alpha val="90000"/>
+        <a:tint val="40000"/>
+      </a:schemeClr>
+    </dgm:fillClrLst>
+    <dgm:linClrLst meth="repeat">
+      <a:schemeClr val="accent1">
+        <a:alpha val="90000"/>
+        <a:tint val="40000"/>
+      </a:schemeClr>
+    </dgm:linClrLst>
+    <dgm:effectClrLst/>
+    <dgm:txLinClrLst/>
+    <dgm:txFillClrLst meth="repeat">
+      <a:schemeClr val="dk1"/>
+    </dgm:txFillClrLst>
+    <dgm:txEffectClrLst/>
+  </dgm:styleLbl>
+  <dgm:styleLbl name="bgAccFollowNode1">
+    <dgm:fillClrLst meth="repeat">
+      <a:schemeClr val="accent1">
+        <a:alpha val="90000"/>
+        <a:tint val="40000"/>
+      </a:schemeClr>
+    </dgm:fillClrLst>
+    <dgm:linClrLst meth="repeat">
+      <a:schemeClr val="lt1"/>
+    </dgm:linClrLst>
+    <dgm:effectClrLst/>
+    <dgm:txLinClrLst/>
+    <dgm:txFillClrLst meth="repeat">
+      <a:schemeClr val="dk1"/>
+    </dgm:txFillClrLst>
+    <dgm:txEffectClrLst/>
+  </dgm:styleLbl>
+  <dgm:styleLbl name="fgAcc0">
+    <dgm:fillClrLst meth="repeat">
+      <a:schemeClr val="lt1">
+        <a:alpha val="90000"/>
+      </a:schemeClr>
+    </dgm:fillClrLst>
+    <dgm:linClrLst meth="repeat">
+      <a:schemeClr val="accent1">
+        <a:shade val="80000"/>
+      </a:schemeClr>
+    </dgm:linClrLst>
+    <dgm:effectClrLst/>
+    <dgm:txLinClrLst/>
+    <dgm:txFillClrLst meth="repeat">
+      <a:schemeClr val="dk1"/>
+    </dgm:txFillClrLst>
+    <dgm:txEffectClrLst/>
+  </dgm:styleLbl>
+  <dgm:styleLbl name="fgAcc2">
+    <dgm:fillClrLst meth="repeat">
+      <a:schemeClr val="lt1">
+        <a:alpha val="90000"/>
+      </a:schemeClr>
+    </dgm:fillClrLst>
+    <dgm:linClrLst meth="repeat">
+      <a:schemeClr val="accent1">
+        <a:tint val="90000"/>
+      </a:schemeClr>
+    </dgm:linClrLst>
+    <dgm:effectClrLst/>
+    <dgm:txLinClrLst/>
+    <dgm:txFillClrLst meth="repeat">
+      <a:schemeClr val="dk1"/>
+    </dgm:txFillClrLst>
+    <dgm:txEffectClrLst/>
+  </dgm:styleLbl>
+  <dgm:styleLbl name="fgAcc3">
+    <dgm:fillClrLst meth="repeat">
+      <a:schemeClr val="lt1">
+        <a:alpha val="90000"/>
+      </a:schemeClr>
+    </dgm:fillClrLst>
+    <dgm:linClrLst meth="repeat">
+      <a:schemeClr val="accent1">
+        <a:tint val="70000"/>
+      </a:schemeClr>
+    </dgm:linClrLst>
+    <dgm:effectClrLst/>
+    <dgm:txLinClrLst/>
+    <dgm:txFillClrLst meth="repeat">
+      <a:schemeClr val="dk1"/>
+    </dgm:txFillClrLst>
+    <dgm:txEffectClrLst/>
+  </dgm:styleLbl>
+  <dgm:styleLbl name="fgAcc4">
+    <dgm:fillClrLst meth="repeat">
+      <a:schemeClr val="lt1">
+        <a:alpha val="90000"/>
+      </a:schemeClr>
+    </dgm:fillClrLst>
+    <dgm:linClrLst meth="repeat">
+      <a:schemeClr val="accent1">
+        <a:tint val="50000"/>
+      </a:schemeClr>
+    </dgm:linClrLst>
+    <dgm:effectClrLst/>
+    <dgm:txLinClrLst/>
+    <dgm:txFillClrLst meth="repeat">
+      <a:schemeClr val="dk1"/>
+    </dgm:txFillClrLst>
+    <dgm:txEffectClrLst/>
+  </dgm:styleLbl>
+  <dgm:styleLbl name="bgShp">
+    <dgm:fillClrLst meth="repeat">
+      <a:schemeClr val="accent1">
+        <a:tint val="40000"/>
+      </a:schemeClr>
+    </dgm:fillClrLst>
+    <dgm:linClrLst meth="repeat">
+      <a:schemeClr val="dk1"/>
+    </dgm:linClrLst>
+    <dgm:effectClrLst/>
+    <dgm:txLinClrLst/>
+    <dgm:txFillClrLst meth="repeat">
+      <a:schemeClr val="dk1"/>
+    </dgm:txFillClrLst>
+    <dgm:txEffectClrLst/>
+  </dgm:styleLbl>
+  <dgm:styleLbl name="dkBgShp">
+    <dgm:fillClrLst meth="repeat">
+      <a:schemeClr val="accent1">
+        <a:shade val="90000"/>
+      </a:schemeClr>
+    </dgm:fillClrLst>
+    <dgm:linClrLst meth="repeat">
+      <a:schemeClr val="dk1"/>
+    </dgm:linClrLst>
+    <dgm:effectClrLst/>
+    <dgm:txLinClrLst/>
+    <dgm:txFillClrLst meth="repeat">
+      <a:schemeClr val="lt1"/>
+    </dgm:txFillClrLst>
+    <dgm:txEffectClrLst/>
+  </dgm:styleLbl>
+  <dgm:styleLbl name="trBgShp">
+    <dgm:fillClrLst meth="repeat">
+      <a:schemeClr val="accent1">
+        <a:tint val="50000"/>
+        <a:alpha val="40000"/>
+      </a:schemeClr>
+    </dgm:fillClrLst>
+    <dgm:linClrLst meth="repeat">
+      <a:schemeClr val="accent1"/>
+    </dgm:linClrLst>
+    <dgm:effectClrLst/>
+    <dgm:txLinClrLst/>
+    <dgm:txFillClrLst meth="repeat">
+      <a:schemeClr val="lt1"/>
+    </dgm:txFillClrLst>
+    <dgm:txEffectClrLst/>
+  </dgm:styleLbl>
+  <dgm:styleLbl name="fgShp">
+    <dgm:fillClrLst meth="repeat">
+      <a:schemeClr val="accent1">
+        <a:tint val="40000"/>
+      </a:schemeClr>
+    </dgm:fillClrLst>
+    <dgm:linClrLst meth="repeat">
+      <a:schemeClr val="lt1"/>
+    </dgm:linClrLst>
+    <dgm:effectClrLst/>
+    <dgm:txLinClrLst/>
+    <dgm:txFillClrLst meth="repeat">
+      <a:schemeClr val="dk1"/>
+    </dgm:txFillClrLst>
+    <dgm:txEffectClrLst/>
+  </dgm:styleLbl>
+  <dgm:styleLbl name="revTx">
+    <dgm:fillClrLst meth="repeat">
+      <a:schemeClr val="lt1">
+        <a:alpha val="0"/>
+      </a:schemeClr>
+    </dgm:fillClrLst>
+    <dgm:linClrLst meth="repeat">
+      <a:schemeClr val="dk1">
+        <a:alpha val="0"/>
+      </a:schemeClr>
+    </dgm:linClrLst>
+    <dgm:effectClrLst/>
+    <dgm:txLinClrLst/>
+    <dgm:txFillClrLst meth="repeat">
+      <a:schemeClr val="tx1"/>
+    </dgm:txFillClrLst>
+    <dgm:txEffectClrLst/>
+  </dgm:styleLbl>
+</dgm:colorsDef>
+</file>
+
 <file path=ppt/diagrams/data1.xml><?xml version="1.0" encoding="utf-8"?>
 <dgm:dataModel xmlns:dgm="http://schemas.openxmlformats.org/drawingml/2006/diagram" xmlns:a="http://schemas.openxmlformats.org/drawingml/2006/main">
   <dgm:ptLst>
@@ -5007,17 +6021,23 @@
       </dgm:t>
     </dgm:pt>
     <dgm:pt modelId="{63AF3FCF-603E-4D6E-B56D-A1CC11D2ED23}">
-      <dgm:prSet/>
+      <dgm:prSet custT="1"/>
       <dgm:spPr/>
       <dgm:t>
         <a:bodyPr/>
         <a:lstStyle/>
         <a:p>
           <a:r>
-            <a:rPr lang="pt-PT" dirty="0"/>
+            <a:rPr lang="pt-PT" sz="1600" dirty="0">
+              <a:latin typeface="Verdana" panose="020B0604030504040204" pitchFamily="34" charset="0"/>
+              <a:ea typeface="Verdana" panose="020B0604030504040204" pitchFamily="34" charset="0"/>
+            </a:rPr>
             <a:t>Objetivos</a:t>
           </a:r>
-          <a:endParaRPr lang="en-US" dirty="0"/>
+          <a:endParaRPr lang="en-US" sz="1700" dirty="0">
+            <a:latin typeface="Verdana" panose="020B0604030504040204" pitchFamily="34" charset="0"/>
+            <a:ea typeface="Verdana" panose="020B0604030504040204" pitchFamily="34" charset="0"/>
+          </a:endParaRPr>
         </a:p>
       </dgm:t>
     </dgm:pt>
@@ -5051,10 +6071,16 @@
         <a:lstStyle/>
         <a:p>
           <a:r>
-            <a:rPr lang="pt-PT"/>
+            <a:rPr lang="pt-PT" dirty="0">
+              <a:latin typeface="Verdana" panose="020B0604030504040204" pitchFamily="34" charset="0"/>
+              <a:ea typeface="Verdana" panose="020B0604030504040204" pitchFamily="34" charset="0"/>
+            </a:rPr>
             <a:t>Planeamento</a:t>
           </a:r>
-          <a:endParaRPr lang="en-US"/>
+          <a:endParaRPr lang="en-US" dirty="0">
+            <a:latin typeface="Verdana" panose="020B0604030504040204" pitchFamily="34" charset="0"/>
+            <a:ea typeface="Verdana" panose="020B0604030504040204" pitchFamily="34" charset="0"/>
+          </a:endParaRPr>
         </a:p>
       </dgm:t>
     </dgm:pt>
@@ -5088,10 +6114,16 @@
         <a:lstStyle/>
         <a:p>
           <a:r>
-            <a:rPr lang="pt-PT" dirty="0"/>
+            <a:rPr lang="pt-PT" dirty="0">
+              <a:latin typeface="Verdana" panose="020B0604030504040204" pitchFamily="34" charset="0"/>
+              <a:ea typeface="Verdana" panose="020B0604030504040204" pitchFamily="34" charset="0"/>
+            </a:rPr>
             <a:t>Metodologia de Trabalho em Equipa</a:t>
           </a:r>
-          <a:endParaRPr lang="en-US" dirty="0"/>
+          <a:endParaRPr lang="en-US" dirty="0">
+            <a:latin typeface="Verdana" panose="020B0604030504040204" pitchFamily="34" charset="0"/>
+            <a:ea typeface="Verdana" panose="020B0604030504040204" pitchFamily="34" charset="0"/>
+          </a:endParaRPr>
         </a:p>
       </dgm:t>
     </dgm:pt>
@@ -5125,10 +6157,16 @@
         <a:lstStyle/>
         <a:p>
           <a:r>
-            <a:rPr lang="pt-PT"/>
+            <a:rPr lang="pt-PT" dirty="0">
+              <a:latin typeface="Verdana" panose="020B0604030504040204" pitchFamily="34" charset="0"/>
+              <a:ea typeface="Verdana" panose="020B0604030504040204" pitchFamily="34" charset="0"/>
+            </a:rPr>
             <a:t>Resultados Esperados</a:t>
           </a:r>
-          <a:endParaRPr lang="en-US"/>
+          <a:endParaRPr lang="en-US" dirty="0">
+            <a:latin typeface="Verdana" panose="020B0604030504040204" pitchFamily="34" charset="0"/>
+            <a:ea typeface="Verdana" panose="020B0604030504040204" pitchFamily="34" charset="0"/>
+          </a:endParaRPr>
         </a:p>
       </dgm:t>
     </dgm:pt>
@@ -5162,10 +6200,16 @@
         <a:lstStyle/>
         <a:p>
           <a:r>
-            <a:rPr lang="pt-PT"/>
+            <a:rPr lang="pt-PT" dirty="0">
+              <a:latin typeface="Verdana" panose="020B0604030504040204" pitchFamily="34" charset="0"/>
+              <a:ea typeface="Verdana" panose="020B0604030504040204" pitchFamily="34" charset="0"/>
+            </a:rPr>
             <a:t>Qualidade do Produto</a:t>
           </a:r>
-          <a:endParaRPr lang="en-US"/>
+          <a:endParaRPr lang="en-US" dirty="0">
+            <a:latin typeface="Verdana" panose="020B0604030504040204" pitchFamily="34" charset="0"/>
+            <a:ea typeface="Verdana" panose="020B0604030504040204" pitchFamily="34" charset="0"/>
+          </a:endParaRPr>
         </a:p>
       </dgm:t>
     </dgm:pt>
@@ -5199,10 +6243,16 @@
         <a:lstStyle/>
         <a:p>
           <a:r>
-            <a:rPr lang="pt-PT"/>
+            <a:rPr lang="pt-PT" dirty="0">
+              <a:latin typeface="Verdana" panose="020B0604030504040204" pitchFamily="34" charset="0"/>
+              <a:ea typeface="Verdana" panose="020B0604030504040204" pitchFamily="34" charset="0"/>
+            </a:rPr>
             <a:t>Entrega ao Cliente</a:t>
           </a:r>
-          <a:endParaRPr lang="en-US"/>
+          <a:endParaRPr lang="en-US" dirty="0">
+            <a:latin typeface="Verdana" panose="020B0604030504040204" pitchFamily="34" charset="0"/>
+            <a:ea typeface="Verdana" panose="020B0604030504040204" pitchFamily="34" charset="0"/>
+          </a:endParaRPr>
         </a:p>
       </dgm:t>
     </dgm:pt>
@@ -5236,10 +6286,16 @@
         <a:lstStyle/>
         <a:p>
           <a:r>
-            <a:rPr lang="pt-PT"/>
+            <a:rPr lang="pt-PT" dirty="0">
+              <a:latin typeface="Verdana" panose="020B0604030504040204" pitchFamily="34" charset="0"/>
+              <a:ea typeface="Verdana" panose="020B0604030504040204" pitchFamily="34" charset="0"/>
+            </a:rPr>
             <a:t>Conclusões</a:t>
           </a:r>
-          <a:endParaRPr lang="en-US"/>
+          <a:endParaRPr lang="en-US" dirty="0">
+            <a:latin typeface="Verdana" panose="020B0604030504040204" pitchFamily="34" charset="0"/>
+            <a:ea typeface="Verdana" panose="020B0604030504040204" pitchFamily="34" charset="0"/>
+          </a:endParaRPr>
         </a:p>
       </dgm:t>
     </dgm:pt>
@@ -6680,13 +7736,13 @@
         <a:lstStyle/>
         <a:p>
           <a:r>
-            <a:rPr lang="pt-PT" sz="1900" dirty="0">
+            <a:rPr lang="pt-PT" sz="2000" dirty="0">
               <a:latin typeface="Verdana" panose="020B0604030504040204" pitchFamily="34" charset="0"/>
               <a:ea typeface="Verdana" panose="020B0604030504040204" pitchFamily="34" charset="0"/>
             </a:rPr>
             <a:t>Reuniões diárias</a:t>
           </a:r>
-          <a:endParaRPr lang="en-US" sz="1900" dirty="0">
+          <a:endParaRPr lang="en-US" sz="2000" dirty="0">
             <a:latin typeface="Verdana" panose="020B0604030504040204" pitchFamily="34" charset="0"/>
             <a:ea typeface="Verdana" panose="020B0604030504040204" pitchFamily="34" charset="0"/>
           </a:endParaRPr>
@@ -6723,13 +7779,13 @@
         <a:lstStyle/>
         <a:p>
           <a:r>
-            <a:rPr lang="pt-PT" sz="1900" dirty="0">
+            <a:rPr lang="pt-PT" sz="2000" dirty="0">
               <a:latin typeface="Verdana" panose="020B0604030504040204" pitchFamily="34" charset="0"/>
               <a:ea typeface="Verdana" panose="020B0604030504040204" pitchFamily="34" charset="0"/>
             </a:rPr>
             <a:t>Canais relativos à Comunicação:</a:t>
           </a:r>
-          <a:endParaRPr lang="en-US" sz="1900" dirty="0">
+          <a:endParaRPr lang="en-US" sz="2000" dirty="0">
             <a:latin typeface="Verdana" panose="020B0604030504040204" pitchFamily="34" charset="0"/>
             <a:ea typeface="Verdana" panose="020B0604030504040204" pitchFamily="34" charset="0"/>
           </a:endParaRPr>
@@ -6766,7 +7822,7 @@
         <a:lstStyle/>
         <a:p>
           <a:r>
-            <a:rPr lang="pt-PT" sz="1700" dirty="0" err="1">
+            <a:rPr lang="pt-PT" sz="1800" dirty="0" err="1">
               <a:latin typeface="Verdana" panose="020B0604030504040204" pitchFamily="34" charset="0"/>
               <a:ea typeface="Verdana" panose="020B0604030504040204" pitchFamily="34" charset="0"/>
             </a:rPr>
@@ -6809,13 +7865,13 @@
         <a:lstStyle/>
         <a:p>
           <a:r>
-            <a:rPr lang="pt-PT" sz="1700" dirty="0" err="1">
+            <a:rPr lang="pt-PT" sz="1800" dirty="0" err="1">
               <a:latin typeface="Verdana" panose="020B0604030504040204" pitchFamily="34" charset="0"/>
               <a:ea typeface="Verdana" panose="020B0604030504040204" pitchFamily="34" charset="0"/>
             </a:rPr>
             <a:t>Whatsapp</a:t>
           </a:r>
-          <a:endParaRPr lang="en-US" sz="1700" dirty="0">
+          <a:endParaRPr lang="en-US" sz="1800" dirty="0">
             <a:latin typeface="Verdana" panose="020B0604030504040204" pitchFamily="34" charset="0"/>
             <a:ea typeface="Verdana" panose="020B0604030504040204" pitchFamily="34" charset="0"/>
           </a:endParaRPr>
@@ -6852,13 +7908,13 @@
         <a:lstStyle/>
         <a:p>
           <a:r>
-            <a:rPr lang="pt-PT" sz="1900" dirty="0">
+            <a:rPr lang="pt-PT" sz="2000" dirty="0">
               <a:latin typeface="Verdana" panose="020B0604030504040204" pitchFamily="34" charset="0"/>
               <a:ea typeface="Verdana" panose="020B0604030504040204" pitchFamily="34" charset="0"/>
             </a:rPr>
             <a:t>Liderança Transformacional</a:t>
           </a:r>
-          <a:endParaRPr lang="en-US" sz="1900" dirty="0">
+          <a:endParaRPr lang="en-US" sz="2000" dirty="0">
             <a:latin typeface="Verdana" panose="020B0604030504040204" pitchFamily="34" charset="0"/>
             <a:ea typeface="Verdana" panose="020B0604030504040204" pitchFamily="34" charset="0"/>
           </a:endParaRPr>
@@ -7050,7 +8106,7 @@
 <dgm:dataModel xmlns:dgm="http://schemas.openxmlformats.org/drawingml/2006/diagram" xmlns:a="http://schemas.openxmlformats.org/drawingml/2006/main">
   <dgm:ptLst>
     <dgm:pt modelId="{051BB9CF-D522-4CDA-916F-0C95BFB278B2}" type="doc">
-      <dgm:prSet loTypeId="urn:microsoft.com/office/officeart/2005/8/layout/equation1" loCatId="process" qsTypeId="urn:microsoft.com/office/officeart/2005/8/quickstyle/simple1" qsCatId="simple" csTypeId="urn:microsoft.com/office/officeart/2005/8/colors/accent1_2" csCatId="accent1" phldr="1"/>
+      <dgm:prSet loTypeId="urn:microsoft.com/office/officeart/2005/8/layout/equation1" loCatId="process" qsTypeId="urn:microsoft.com/office/officeart/2005/8/quickstyle/simple1" qsCatId="simple" csTypeId="urn:microsoft.com/office/officeart/2005/8/colors/accent1_5" csCatId="accent1" phldr="1"/>
       <dgm:spPr/>
     </dgm:pt>
     <dgm:pt modelId="{693E6095-FA3E-48C1-9078-3807D4C62968}">
@@ -7061,7 +8117,10 @@
         <a:lstStyle/>
         <a:p>
           <a:r>
-            <a:rPr lang="pt-PT" dirty="0"/>
+            <a:rPr lang="pt-PT" dirty="0">
+              <a:latin typeface="Verdana" panose="020B0604030504040204" pitchFamily="34" charset="0"/>
+              <a:ea typeface="Verdana" panose="020B0604030504040204" pitchFamily="34" charset="0"/>
+            </a:rPr>
             <a:t>Eficácia</a:t>
           </a:r>
         </a:p>
@@ -7097,7 +8156,10 @@
         <a:lstStyle/>
         <a:p>
           <a:r>
-            <a:rPr lang="pt-PT" dirty="0"/>
+            <a:rPr lang="pt-PT" dirty="0">
+              <a:latin typeface="Verdana" panose="020B0604030504040204" pitchFamily="34" charset="0"/>
+              <a:ea typeface="Verdana" panose="020B0604030504040204" pitchFamily="34" charset="0"/>
+            </a:rPr>
             <a:t>Abrangência</a:t>
           </a:r>
         </a:p>
@@ -7133,7 +8195,10 @@
         <a:lstStyle/>
         <a:p>
           <a:r>
-            <a:rPr lang="pt-PT" dirty="0"/>
+            <a:rPr lang="pt-PT" dirty="0">
+              <a:latin typeface="Verdana" panose="020B0604030504040204" pitchFamily="34" charset="0"/>
+              <a:ea typeface="Verdana" panose="020B0604030504040204" pitchFamily="34" charset="0"/>
+            </a:rPr>
             <a:t>Satisfação</a:t>
           </a:r>
         </a:p>
@@ -7161,7 +8226,7 @@
         </a:p>
       </dgm:t>
     </dgm:pt>
-    <dgm:pt modelId="{0378A7D5-2D28-40B0-AFFD-6FA2F543CBF7}" type="pres">
+    <dgm:pt modelId="{8E53FB40-2B32-419C-8167-3927AE8E66B6}" type="pres">
       <dgm:prSet presAssocID="{051BB9CF-D522-4CDA-916F-0C95BFB278B2}" presName="linearFlow" presStyleCnt="0">
         <dgm:presLayoutVars>
           <dgm:dir/>
@@ -7170,7 +8235,7 @@
       </dgm:prSet>
       <dgm:spPr/>
     </dgm:pt>
-    <dgm:pt modelId="{F5D09C34-1C8F-4504-8DAA-2F79D2F6FBD5}" type="pres">
+    <dgm:pt modelId="{9B22A3ED-D452-4C10-94C2-8AE1E71CEC72}" type="pres">
       <dgm:prSet presAssocID="{693E6095-FA3E-48C1-9078-3807D4C62968}" presName="node" presStyleLbl="node1" presStyleIdx="0" presStyleCnt="3">
         <dgm:presLayoutVars>
           <dgm:bulletEnabled val="1"/>
@@ -7178,19 +8243,19 @@
       </dgm:prSet>
       <dgm:spPr/>
     </dgm:pt>
-    <dgm:pt modelId="{4E561509-A7B9-47A1-8BA3-CDFC2F9FA4DF}" type="pres">
+    <dgm:pt modelId="{95853461-2FB7-42BA-8919-17392AF9F9C9}" type="pres">
       <dgm:prSet presAssocID="{CC010BD1-0C7C-469E-B993-3EA4DC2F39DB}" presName="spacerL" presStyleCnt="0"/>
       <dgm:spPr/>
     </dgm:pt>
-    <dgm:pt modelId="{A416BB15-1C44-4515-BB84-A8ECFCE28759}" type="pres">
+    <dgm:pt modelId="{7CD5D733-E459-4838-B84E-95206A3B1818}" type="pres">
       <dgm:prSet presAssocID="{CC010BD1-0C7C-469E-B993-3EA4DC2F39DB}" presName="sibTrans" presStyleLbl="sibTrans2D1" presStyleIdx="0" presStyleCnt="2"/>
       <dgm:spPr/>
     </dgm:pt>
-    <dgm:pt modelId="{76A6976E-CC71-476C-85B4-57B7B2E1CE9A}" type="pres">
+    <dgm:pt modelId="{D9A7ECFA-D753-41ED-AB1A-88BA1A6B81C5}" type="pres">
       <dgm:prSet presAssocID="{CC010BD1-0C7C-469E-B993-3EA4DC2F39DB}" presName="spacerR" presStyleCnt="0"/>
       <dgm:spPr/>
     </dgm:pt>
-    <dgm:pt modelId="{595D9991-DAA3-454B-9F98-4B36773ECE37}" type="pres">
+    <dgm:pt modelId="{8F31CD66-595C-4735-917E-D5450915C6D3}" type="pres">
       <dgm:prSet presAssocID="{1FDA3DF6-736D-4974-A1FF-BB4E892D30E6}" presName="node" presStyleLbl="node1" presStyleIdx="1" presStyleCnt="3">
         <dgm:presLayoutVars>
           <dgm:bulletEnabled val="1"/>
@@ -7198,19 +8263,19 @@
       </dgm:prSet>
       <dgm:spPr/>
     </dgm:pt>
-    <dgm:pt modelId="{C6B66DE2-129F-4A80-80A6-9A83C9EFD110}" type="pres">
+    <dgm:pt modelId="{8A63C0A4-E2A5-4A96-B3A5-6741E13D8272}" type="pres">
       <dgm:prSet presAssocID="{DA3E647D-16CF-4F42-A242-20D139582632}" presName="spacerL" presStyleCnt="0"/>
       <dgm:spPr/>
     </dgm:pt>
-    <dgm:pt modelId="{807DA2D2-64E5-4E21-9CF4-1E4E706CA204}" type="pres">
+    <dgm:pt modelId="{193A6D16-D624-4F5D-B75C-640DD433F190}" type="pres">
       <dgm:prSet presAssocID="{DA3E647D-16CF-4F42-A242-20D139582632}" presName="sibTrans" presStyleLbl="sibTrans2D1" presStyleIdx="1" presStyleCnt="2"/>
       <dgm:spPr/>
     </dgm:pt>
-    <dgm:pt modelId="{BEC28EA5-99A9-42BD-8647-9AA0294BB77E}" type="pres">
+    <dgm:pt modelId="{D2C36458-1544-456B-BF95-976390F61614}" type="pres">
       <dgm:prSet presAssocID="{DA3E647D-16CF-4F42-A242-20D139582632}" presName="spacerR" presStyleCnt="0"/>
       <dgm:spPr/>
     </dgm:pt>
-    <dgm:pt modelId="{0C76DE13-6AC3-4B42-9C12-E760B45119C6}" type="pres">
+    <dgm:pt modelId="{CBFE7934-7882-4674-8CD3-DED0A4AE93DC}" type="pres">
       <dgm:prSet presAssocID="{CC88887E-EDA5-4434-AA8D-2073BB8EA897}" presName="node" presStyleLbl="node1" presStyleIdx="2" presStyleCnt="3">
         <dgm:presLayoutVars>
           <dgm:bulletEnabled val="1"/>
@@ -7220,24 +8285,24 @@
     </dgm:pt>
   </dgm:ptLst>
   <dgm:cxnLst>
-    <dgm:cxn modelId="{3E7F7B39-C53C-42D9-9BE7-E83820899D7F}" type="presOf" srcId="{693E6095-FA3E-48C1-9078-3807D4C62968}" destId="{F5D09C34-1C8F-4504-8DAA-2F79D2F6FBD5}" srcOrd="0" destOrd="0" presId="urn:microsoft.com/office/officeart/2005/8/layout/equation1"/>
-    <dgm:cxn modelId="{9EA16540-A813-4797-BF37-66A0FC4E6F20}" type="presOf" srcId="{CC010BD1-0C7C-469E-B993-3EA4DC2F39DB}" destId="{A416BB15-1C44-4515-BB84-A8ECFCE28759}" srcOrd="0" destOrd="0" presId="urn:microsoft.com/office/officeart/2005/8/layout/equation1"/>
-    <dgm:cxn modelId="{A4A63A42-F210-4257-A88C-28E79361892F}" type="presOf" srcId="{1FDA3DF6-736D-4974-A1FF-BB4E892D30E6}" destId="{595D9991-DAA3-454B-9F98-4B36773ECE37}" srcOrd="0" destOrd="0" presId="urn:microsoft.com/office/officeart/2005/8/layout/equation1"/>
+    <dgm:cxn modelId="{58DACC10-A9A9-4AAE-AD31-8A7188DF30C8}" type="presOf" srcId="{1FDA3DF6-736D-4974-A1FF-BB4E892D30E6}" destId="{8F31CD66-595C-4735-917E-D5450915C6D3}" srcOrd="0" destOrd="0" presId="urn:microsoft.com/office/officeart/2005/8/layout/equation1"/>
+    <dgm:cxn modelId="{14146D5D-33EA-4EF0-832E-5577635E1753}" type="presOf" srcId="{CC88887E-EDA5-4434-AA8D-2073BB8EA897}" destId="{CBFE7934-7882-4674-8CD3-DED0A4AE93DC}" srcOrd="0" destOrd="0" presId="urn:microsoft.com/office/officeart/2005/8/layout/equation1"/>
     <dgm:cxn modelId="{3267BF62-2EE1-4FF5-812F-4A7E38046261}" srcId="{051BB9CF-D522-4CDA-916F-0C95BFB278B2}" destId="{693E6095-FA3E-48C1-9078-3807D4C62968}" srcOrd="0" destOrd="0" parTransId="{A95913F5-FFA7-4081-B082-5826E0B59F98}" sibTransId="{CC010BD1-0C7C-469E-B993-3EA4DC2F39DB}"/>
     <dgm:cxn modelId="{E025B444-D328-4119-B724-2A2426C04588}" srcId="{051BB9CF-D522-4CDA-916F-0C95BFB278B2}" destId="{CC88887E-EDA5-4434-AA8D-2073BB8EA897}" srcOrd="2" destOrd="0" parTransId="{17D67D32-7BB5-4FA0-B248-94890517316B}" sibTransId="{84B5E325-2E53-4F28-8A6B-C65B9C8E1669}"/>
-    <dgm:cxn modelId="{52C23C65-72CE-45EF-86EF-0AFD85F6A071}" type="presOf" srcId="{DA3E647D-16CF-4F42-A242-20D139582632}" destId="{807DA2D2-64E5-4E21-9CF4-1E4E706CA204}" srcOrd="0" destOrd="0" presId="urn:microsoft.com/office/officeart/2005/8/layout/equation1"/>
-    <dgm:cxn modelId="{6DB79865-EE47-44D6-8DD2-96D740CE20E5}" type="presOf" srcId="{051BB9CF-D522-4CDA-916F-0C95BFB278B2}" destId="{0378A7D5-2D28-40B0-AFFD-6FA2F543CBF7}" srcOrd="0" destOrd="0" presId="urn:microsoft.com/office/officeart/2005/8/layout/equation1"/>
+    <dgm:cxn modelId="{07A5A18F-94AA-4107-9608-3FDB4DFC56AA}" type="presOf" srcId="{DA3E647D-16CF-4F42-A242-20D139582632}" destId="{193A6D16-D624-4F5D-B75C-640DD433F190}" srcOrd="0" destOrd="0" presId="urn:microsoft.com/office/officeart/2005/8/layout/equation1"/>
+    <dgm:cxn modelId="{9864849B-0369-4417-9F23-2D8E86F79687}" type="presOf" srcId="{051BB9CF-D522-4CDA-916F-0C95BFB278B2}" destId="{8E53FB40-2B32-419C-8167-3927AE8E66B6}" srcOrd="0" destOrd="0" presId="urn:microsoft.com/office/officeart/2005/8/layout/equation1"/>
+    <dgm:cxn modelId="{79D670A7-22C1-4FBE-BEB3-BB0F5B917BE8}" type="presOf" srcId="{CC010BD1-0C7C-469E-B993-3EA4DC2F39DB}" destId="{7CD5D733-E459-4838-B84E-95206A3B1818}" srcOrd="0" destOrd="0" presId="urn:microsoft.com/office/officeart/2005/8/layout/equation1"/>
     <dgm:cxn modelId="{2218F1BD-4EB9-4223-9939-B17367AAE30B}" srcId="{051BB9CF-D522-4CDA-916F-0C95BFB278B2}" destId="{1FDA3DF6-736D-4974-A1FF-BB4E892D30E6}" srcOrd="1" destOrd="0" parTransId="{66DD3F5A-D935-49DB-A136-FA1205596948}" sibTransId="{DA3E647D-16CF-4F42-A242-20D139582632}"/>
-    <dgm:cxn modelId="{FC938DD8-5813-4ACC-B57C-9CA009D7918C}" type="presOf" srcId="{CC88887E-EDA5-4434-AA8D-2073BB8EA897}" destId="{0C76DE13-6AC3-4B42-9C12-E760B45119C6}" srcOrd="0" destOrd="0" presId="urn:microsoft.com/office/officeart/2005/8/layout/equation1"/>
-    <dgm:cxn modelId="{1581F7DD-4470-4DC7-B62D-C1F0869FE180}" type="presParOf" srcId="{0378A7D5-2D28-40B0-AFFD-6FA2F543CBF7}" destId="{F5D09C34-1C8F-4504-8DAA-2F79D2F6FBD5}" srcOrd="0" destOrd="0" presId="urn:microsoft.com/office/officeart/2005/8/layout/equation1"/>
-    <dgm:cxn modelId="{89BB39C4-92D7-42EB-B747-6B883AFA4CAF}" type="presParOf" srcId="{0378A7D5-2D28-40B0-AFFD-6FA2F543CBF7}" destId="{4E561509-A7B9-47A1-8BA3-CDFC2F9FA4DF}" srcOrd="1" destOrd="0" presId="urn:microsoft.com/office/officeart/2005/8/layout/equation1"/>
-    <dgm:cxn modelId="{B438482D-4992-4C69-A477-CC1D92C2CDF1}" type="presParOf" srcId="{0378A7D5-2D28-40B0-AFFD-6FA2F543CBF7}" destId="{A416BB15-1C44-4515-BB84-A8ECFCE28759}" srcOrd="2" destOrd="0" presId="urn:microsoft.com/office/officeart/2005/8/layout/equation1"/>
-    <dgm:cxn modelId="{160A2822-3345-47C5-BA1B-DE8FE2AD64DA}" type="presParOf" srcId="{0378A7D5-2D28-40B0-AFFD-6FA2F543CBF7}" destId="{76A6976E-CC71-476C-85B4-57B7B2E1CE9A}" srcOrd="3" destOrd="0" presId="urn:microsoft.com/office/officeart/2005/8/layout/equation1"/>
-    <dgm:cxn modelId="{877A3130-C2D9-486C-B8FE-B399BB470918}" type="presParOf" srcId="{0378A7D5-2D28-40B0-AFFD-6FA2F543CBF7}" destId="{595D9991-DAA3-454B-9F98-4B36773ECE37}" srcOrd="4" destOrd="0" presId="urn:microsoft.com/office/officeart/2005/8/layout/equation1"/>
-    <dgm:cxn modelId="{67E8ABEC-5FC6-437A-A4C1-21B05F2A2055}" type="presParOf" srcId="{0378A7D5-2D28-40B0-AFFD-6FA2F543CBF7}" destId="{C6B66DE2-129F-4A80-80A6-9A83C9EFD110}" srcOrd="5" destOrd="0" presId="urn:microsoft.com/office/officeart/2005/8/layout/equation1"/>
-    <dgm:cxn modelId="{229939A5-A50E-4DDE-A2ED-837AAB96A707}" type="presParOf" srcId="{0378A7D5-2D28-40B0-AFFD-6FA2F543CBF7}" destId="{807DA2D2-64E5-4E21-9CF4-1E4E706CA204}" srcOrd="6" destOrd="0" presId="urn:microsoft.com/office/officeart/2005/8/layout/equation1"/>
-    <dgm:cxn modelId="{6F86199A-7965-4C59-B4B4-AA9031CD8124}" type="presParOf" srcId="{0378A7D5-2D28-40B0-AFFD-6FA2F543CBF7}" destId="{BEC28EA5-99A9-42BD-8647-9AA0294BB77E}" srcOrd="7" destOrd="0" presId="urn:microsoft.com/office/officeart/2005/8/layout/equation1"/>
-    <dgm:cxn modelId="{72130554-D7D0-4F7C-B354-9A709AD3E4D4}" type="presParOf" srcId="{0378A7D5-2D28-40B0-AFFD-6FA2F543CBF7}" destId="{0C76DE13-6AC3-4B42-9C12-E760B45119C6}" srcOrd="8" destOrd="0" presId="urn:microsoft.com/office/officeart/2005/8/layout/equation1"/>
+    <dgm:cxn modelId="{F4F6C8C7-26E5-4978-92B7-A7825F8813C0}" type="presOf" srcId="{693E6095-FA3E-48C1-9078-3807D4C62968}" destId="{9B22A3ED-D452-4C10-94C2-8AE1E71CEC72}" srcOrd="0" destOrd="0" presId="urn:microsoft.com/office/officeart/2005/8/layout/equation1"/>
+    <dgm:cxn modelId="{548FF99E-9DAE-4216-9F84-8C5033D07BCB}" type="presParOf" srcId="{8E53FB40-2B32-419C-8167-3927AE8E66B6}" destId="{9B22A3ED-D452-4C10-94C2-8AE1E71CEC72}" srcOrd="0" destOrd="0" presId="urn:microsoft.com/office/officeart/2005/8/layout/equation1"/>
+    <dgm:cxn modelId="{A9E4581F-28EF-4AE4-A3D1-46C2E65FA780}" type="presParOf" srcId="{8E53FB40-2B32-419C-8167-3927AE8E66B6}" destId="{95853461-2FB7-42BA-8919-17392AF9F9C9}" srcOrd="1" destOrd="0" presId="urn:microsoft.com/office/officeart/2005/8/layout/equation1"/>
+    <dgm:cxn modelId="{55910211-D345-476A-8DEA-865A37DD7324}" type="presParOf" srcId="{8E53FB40-2B32-419C-8167-3927AE8E66B6}" destId="{7CD5D733-E459-4838-B84E-95206A3B1818}" srcOrd="2" destOrd="0" presId="urn:microsoft.com/office/officeart/2005/8/layout/equation1"/>
+    <dgm:cxn modelId="{98C6CEAB-FB03-4F89-A964-673FA3F9CCCF}" type="presParOf" srcId="{8E53FB40-2B32-419C-8167-3927AE8E66B6}" destId="{D9A7ECFA-D753-41ED-AB1A-88BA1A6B81C5}" srcOrd="3" destOrd="0" presId="urn:microsoft.com/office/officeart/2005/8/layout/equation1"/>
+    <dgm:cxn modelId="{B7212D27-30D9-4A78-BF4D-B689DE0D263C}" type="presParOf" srcId="{8E53FB40-2B32-419C-8167-3927AE8E66B6}" destId="{8F31CD66-595C-4735-917E-D5450915C6D3}" srcOrd="4" destOrd="0" presId="urn:microsoft.com/office/officeart/2005/8/layout/equation1"/>
+    <dgm:cxn modelId="{B66ED65B-CE86-4318-9E45-3A174A797533}" type="presParOf" srcId="{8E53FB40-2B32-419C-8167-3927AE8E66B6}" destId="{8A63C0A4-E2A5-4A96-B3A5-6741E13D8272}" srcOrd="5" destOrd="0" presId="urn:microsoft.com/office/officeart/2005/8/layout/equation1"/>
+    <dgm:cxn modelId="{8EE621CE-45B3-4DBE-86FE-32D2DA1E2FC8}" type="presParOf" srcId="{8E53FB40-2B32-419C-8167-3927AE8E66B6}" destId="{193A6D16-D624-4F5D-B75C-640DD433F190}" srcOrd="6" destOrd="0" presId="urn:microsoft.com/office/officeart/2005/8/layout/equation1"/>
+    <dgm:cxn modelId="{F5C532DA-36E8-4A78-87D2-8B7870EBD890}" type="presParOf" srcId="{8E53FB40-2B32-419C-8167-3927AE8E66B6}" destId="{D2C36458-1544-456B-BF95-976390F61614}" srcOrd="7" destOrd="0" presId="urn:microsoft.com/office/officeart/2005/8/layout/equation1"/>
+    <dgm:cxn modelId="{819C4CA0-9635-45F4-AB35-81AE26B3B519}" type="presParOf" srcId="{8E53FB40-2B32-419C-8167-3927AE8E66B6}" destId="{CBFE7934-7882-4674-8CD3-DED0A4AE93DC}" srcOrd="8" destOrd="0" presId="urn:microsoft.com/office/officeart/2005/8/layout/equation1"/>
   </dgm:cxnLst>
   <dgm:bg/>
   <dgm:whole/>
@@ -7264,14 +8329,17 @@
       </dgm:t>
     </dgm:pt>
     <dgm:pt modelId="{B28CD0F1-AF58-4B0B-9B66-9C712AADD888}">
-      <dgm:prSet phldrT="[Texto]"/>
+      <dgm:prSet phldrT="[Texto]" custT="1"/>
       <dgm:spPr/>
       <dgm:t>
         <a:bodyPr/>
         <a:lstStyle/>
         <a:p>
           <a:r>
-            <a:rPr lang="pt-PT" dirty="0"/>
+            <a:rPr lang="pt-PT" sz="2000" dirty="0">
+              <a:latin typeface="Verdana" panose="020B0604030504040204" pitchFamily="34" charset="0"/>
+              <a:ea typeface="Verdana" panose="020B0604030504040204" pitchFamily="34" charset="0"/>
+            </a:rPr>
             <a:t>Disponibilização de catálogos e respetivos serviços</a:t>
           </a:r>
         </a:p>
@@ -7300,14 +8368,17 @@
       </dgm:t>
     </dgm:pt>
     <dgm:pt modelId="{74CA999C-DC50-4D6F-AD3F-BAC59DC1CE5F}">
-      <dgm:prSet phldrT="[Texto]"/>
+      <dgm:prSet phldrT="[Texto]" custT="1"/>
       <dgm:spPr/>
       <dgm:t>
         <a:bodyPr/>
         <a:lstStyle/>
         <a:p>
           <a:r>
-            <a:rPr lang="pt-PT" dirty="0"/>
+            <a:rPr lang="pt-PT" sz="2000" dirty="0">
+              <a:latin typeface="Verdana" panose="020B0604030504040204" pitchFamily="34" charset="0"/>
+              <a:ea typeface="Verdana" panose="020B0604030504040204" pitchFamily="34" charset="0"/>
+            </a:rPr>
             <a:t>Gestão de fluxos de execução de tarefas</a:t>
           </a:r>
         </a:p>
@@ -7336,14 +8407,17 @@
       </dgm:t>
     </dgm:pt>
     <dgm:pt modelId="{BEAA9815-4B23-4407-BDC7-07AE0CF0D388}">
-      <dgm:prSet phldrT="[Texto]"/>
+      <dgm:prSet phldrT="[Texto]" custT="1"/>
       <dgm:spPr/>
       <dgm:t>
         <a:bodyPr/>
         <a:lstStyle/>
         <a:p>
           <a:r>
-            <a:rPr lang="pt-PT" dirty="0"/>
+            <a:rPr lang="pt-PT" sz="2000" dirty="0">
+              <a:latin typeface="Verdana" panose="020B0604030504040204" pitchFamily="34" charset="0"/>
+              <a:ea typeface="Verdana" panose="020B0604030504040204" pitchFamily="34" charset="0"/>
+            </a:rPr>
             <a:t>Atribuição de tarefas</a:t>
           </a:r>
         </a:p>
@@ -7372,17 +8446,19 @@
       </dgm:t>
     </dgm:pt>
     <dgm:pt modelId="{8F5DF401-CB44-4C44-A64F-4EC3DAB873A4}">
-      <dgm:prSet/>
+      <dgm:prSet custT="1"/>
       <dgm:spPr/>
       <dgm:t>
         <a:bodyPr/>
         <a:lstStyle/>
         <a:p>
           <a:r>
-            <a:rPr lang="pt-PT"/>
+            <a:rPr lang="pt-PT" sz="2000" dirty="0">
+              <a:latin typeface="Verdana" panose="020B0604030504040204" pitchFamily="34" charset="0"/>
+              <a:ea typeface="Verdana" panose="020B0604030504040204" pitchFamily="34" charset="0"/>
+            </a:rPr>
             <a:t>Gestão de pedidos</a:t>
           </a:r>
-          <a:endParaRPr lang="pt-PT" dirty="0"/>
         </a:p>
       </dgm:t>
     </dgm:pt>
@@ -7515,6 +8591,341 @@
   <dgm:extLst>
     <a:ext uri="http://schemas.microsoft.com/office/drawing/2008/diagram">
       <dsp:dataModelExt xmlns:dsp="http://schemas.microsoft.com/office/drawing/2008/diagram" relId="rId8" minVer="http://schemas.openxmlformats.org/drawingml/2006/diagram"/>
+    </a:ext>
+  </dgm:extLst>
+</dgm:dataModel>
+</file>
+
+<file path=ppt/diagrams/data7.xml><?xml version="1.0" encoding="utf-8"?>
+<dgm:dataModel xmlns:dgm="http://schemas.openxmlformats.org/drawingml/2006/diagram" xmlns:a="http://schemas.openxmlformats.org/drawingml/2006/main">
+  <dgm:ptLst>
+    <dgm:pt modelId="{EF6E9038-D16A-4634-97FF-C76AC4AE9D71}" type="doc">
+      <dgm:prSet loTypeId="urn:microsoft.com/office/officeart/2018/2/layout/IconLabelList" loCatId="icon" qsTypeId="urn:microsoft.com/office/officeart/2005/8/quickstyle/simple1" qsCatId="simple" csTypeId="urn:microsoft.com/office/officeart/2005/8/colors/accent1_5" csCatId="accent1" phldr="1"/>
+      <dgm:spPr/>
+      <dgm:t>
+        <a:bodyPr/>
+        <a:lstStyle/>
+        <a:p>
+          <a:endParaRPr lang="en-US"/>
+        </a:p>
+      </dgm:t>
+    </dgm:pt>
+    <dgm:pt modelId="{537DE747-929F-4598-A461-DE7ED0C7D9FE}">
+      <dgm:prSet custT="1"/>
+      <dgm:spPr/>
+      <dgm:t>
+        <a:bodyPr/>
+        <a:lstStyle/>
+        <a:p>
+          <a:pPr>
+            <a:lnSpc>
+              <a:spcPct val="100000"/>
+            </a:lnSpc>
+          </a:pPr>
+          <a:r>
+            <a:rPr lang="pt-PT" sz="2000" dirty="0">
+              <a:latin typeface="Verdana" panose="020B0604030504040204" pitchFamily="34" charset="0"/>
+              <a:ea typeface="Verdana" panose="020B0604030504040204" pitchFamily="34" charset="0"/>
+            </a:rPr>
+            <a:t>Sugestões</a:t>
+          </a:r>
+          <a:endParaRPr lang="en-US" sz="2300" dirty="0">
+            <a:latin typeface="Verdana" panose="020B0604030504040204" pitchFamily="34" charset="0"/>
+            <a:ea typeface="Verdana" panose="020B0604030504040204" pitchFamily="34" charset="0"/>
+          </a:endParaRPr>
+        </a:p>
+      </dgm:t>
+    </dgm:pt>
+    <dgm:pt modelId="{B30B3BC7-ACF4-425F-97B6-B77D9725FAD0}" type="parTrans" cxnId="{84D5B122-34B7-4590-8F02-C54A51940332}">
+      <dgm:prSet/>
+      <dgm:spPr/>
+      <dgm:t>
+        <a:bodyPr/>
+        <a:lstStyle/>
+        <a:p>
+          <a:endParaRPr lang="en-US"/>
+        </a:p>
+      </dgm:t>
+    </dgm:pt>
+    <dgm:pt modelId="{A02D66BF-E476-4AF8-87A3-EC20B74F436B}" type="sibTrans" cxnId="{84D5B122-34B7-4590-8F02-C54A51940332}">
+      <dgm:prSet/>
+      <dgm:spPr/>
+      <dgm:t>
+        <a:bodyPr/>
+        <a:lstStyle/>
+        <a:p>
+          <a:endParaRPr lang="en-US"/>
+        </a:p>
+      </dgm:t>
+    </dgm:pt>
+    <dgm:pt modelId="{2214157B-BFB4-4CDF-AB68-0B47ED508F2D}">
+      <dgm:prSet custT="1"/>
+      <dgm:spPr/>
+      <dgm:t>
+        <a:bodyPr/>
+        <a:lstStyle/>
+        <a:p>
+          <a:pPr>
+            <a:lnSpc>
+              <a:spcPct val="100000"/>
+            </a:lnSpc>
+          </a:pPr>
+          <a:r>
+            <a:rPr lang="pt-PT" sz="2000" dirty="0">
+              <a:latin typeface="Verdana" panose="020B0604030504040204" pitchFamily="34" charset="0"/>
+              <a:ea typeface="Verdana" panose="020B0604030504040204" pitchFamily="34" charset="0"/>
+            </a:rPr>
+            <a:t>Melhorias</a:t>
+          </a:r>
+          <a:endParaRPr lang="en-US" sz="2300" dirty="0">
+            <a:latin typeface="Verdana" panose="020B0604030504040204" pitchFamily="34" charset="0"/>
+            <a:ea typeface="Verdana" panose="020B0604030504040204" pitchFamily="34" charset="0"/>
+          </a:endParaRPr>
+        </a:p>
+      </dgm:t>
+    </dgm:pt>
+    <dgm:pt modelId="{7A0D5ADC-03C4-4B74-905D-DFB2A6457E43}" type="parTrans" cxnId="{7E9EFAC6-2933-409F-B722-1AEA4A6DC3C6}">
+      <dgm:prSet/>
+      <dgm:spPr/>
+      <dgm:t>
+        <a:bodyPr/>
+        <a:lstStyle/>
+        <a:p>
+          <a:endParaRPr lang="en-US"/>
+        </a:p>
+      </dgm:t>
+    </dgm:pt>
+    <dgm:pt modelId="{D4B7A56B-0EFA-4E67-BBDF-5BC3630FE199}" type="sibTrans" cxnId="{7E9EFAC6-2933-409F-B722-1AEA4A6DC3C6}">
+      <dgm:prSet/>
+      <dgm:spPr/>
+      <dgm:t>
+        <a:bodyPr/>
+        <a:lstStyle/>
+        <a:p>
+          <a:endParaRPr lang="en-US"/>
+        </a:p>
+      </dgm:t>
+    </dgm:pt>
+    <dgm:pt modelId="{7AF274C8-2998-4B00-8AE9-BF28FEFCA397}">
+      <dgm:prSet custT="1"/>
+      <dgm:spPr/>
+      <dgm:t>
+        <a:bodyPr/>
+        <a:lstStyle/>
+        <a:p>
+          <a:pPr>
+            <a:lnSpc>
+              <a:spcPct val="100000"/>
+            </a:lnSpc>
+          </a:pPr>
+          <a:r>
+            <a:rPr lang="pt-PT" sz="2000" dirty="0">
+              <a:latin typeface="Verdana" panose="020B0604030504040204" pitchFamily="34" charset="0"/>
+              <a:ea typeface="Verdana" panose="020B0604030504040204" pitchFamily="34" charset="0"/>
+            </a:rPr>
+            <a:t>Análise Crítica do Projeto</a:t>
+          </a:r>
+          <a:endParaRPr lang="en-US" sz="2000" dirty="0">
+            <a:latin typeface="Verdana" panose="020B0604030504040204" pitchFamily="34" charset="0"/>
+            <a:ea typeface="Verdana" panose="020B0604030504040204" pitchFamily="34" charset="0"/>
+          </a:endParaRPr>
+        </a:p>
+      </dgm:t>
+    </dgm:pt>
+    <dgm:pt modelId="{E0B7C313-37E3-4092-AF95-33D268FDB176}" type="parTrans" cxnId="{7AAC258C-D520-443F-B550-C0EADE615EE3}">
+      <dgm:prSet/>
+      <dgm:spPr/>
+      <dgm:t>
+        <a:bodyPr/>
+        <a:lstStyle/>
+        <a:p>
+          <a:endParaRPr lang="en-US"/>
+        </a:p>
+      </dgm:t>
+    </dgm:pt>
+    <dgm:pt modelId="{DEA54EB8-75F1-4EDB-9DD2-9A80DFF4E2C6}" type="sibTrans" cxnId="{7AAC258C-D520-443F-B550-C0EADE615EE3}">
+      <dgm:prSet/>
+      <dgm:spPr/>
+      <dgm:t>
+        <a:bodyPr/>
+        <a:lstStyle/>
+        <a:p>
+          <a:endParaRPr lang="en-US"/>
+        </a:p>
+      </dgm:t>
+    </dgm:pt>
+    <dgm:pt modelId="{3C77F2A9-B45C-4EDC-8AE2-286C839DA239}" type="pres">
+      <dgm:prSet presAssocID="{EF6E9038-D16A-4634-97FF-C76AC4AE9D71}" presName="root" presStyleCnt="0">
+        <dgm:presLayoutVars>
+          <dgm:dir/>
+          <dgm:resizeHandles val="exact"/>
+        </dgm:presLayoutVars>
+      </dgm:prSet>
+      <dgm:spPr/>
+    </dgm:pt>
+    <dgm:pt modelId="{2D93424F-4F62-4570-A7AF-F4C2DAA31416}" type="pres">
+      <dgm:prSet presAssocID="{537DE747-929F-4598-A461-DE7ED0C7D9FE}" presName="compNode" presStyleCnt="0"/>
+      <dgm:spPr/>
+    </dgm:pt>
+    <dgm:pt modelId="{52BD7596-9036-4952-B316-92807A1DD3E9}" type="pres">
+      <dgm:prSet presAssocID="{537DE747-929F-4598-A461-DE7ED0C7D9FE}" presName="iconRect" presStyleLbl="node1" presStyleIdx="0" presStyleCnt="3"/>
+      <dgm:spPr>
+        <a:blipFill>
+          <a:blip xmlns:r="http://schemas.openxmlformats.org/officeDocument/2006/relationships" r:embed="rId1">
+            <a:extLst>
+              <a:ext uri="{28A0092B-C50C-407E-A947-70E740481C1C}">
+                <a14:useLocalDpi xmlns:a14="http://schemas.microsoft.com/office/drawing/2010/main" val="0"/>
+              </a:ext>
+              <a:ext uri="{96DAC541-7B7A-43D3-8B79-37D633B846F1}">
+                <asvg:svgBlip xmlns:asvg="http://schemas.microsoft.com/office/drawing/2016/SVG/main" r:embed="rId2"/>
+              </a:ext>
+            </a:extLst>
+          </a:blip>
+          <a:stretch>
+            <a:fillRect/>
+          </a:stretch>
+        </a:blipFill>
+      </dgm:spPr>
+      <dgm:extLst>
+        <a:ext uri="{E40237B7-FDA0-4F09-8148-C483321AD2D9}">
+          <dgm14:cNvPr xmlns:dgm14="http://schemas.microsoft.com/office/drawing/2010/diagram" id="0" name="" descr="Lâmpada"/>
+        </a:ext>
+      </dgm:extLst>
+    </dgm:pt>
+    <dgm:pt modelId="{D3499506-54FB-408B-B18B-FE578EE599AC}" type="pres">
+      <dgm:prSet presAssocID="{537DE747-929F-4598-A461-DE7ED0C7D9FE}" presName="spaceRect" presStyleCnt="0"/>
+      <dgm:spPr/>
+    </dgm:pt>
+    <dgm:pt modelId="{3FEDCFAF-3556-4266-943E-D3DDCBD81742}" type="pres">
+      <dgm:prSet presAssocID="{537DE747-929F-4598-A461-DE7ED0C7D9FE}" presName="textRect" presStyleLbl="revTx" presStyleIdx="0" presStyleCnt="3">
+        <dgm:presLayoutVars>
+          <dgm:chMax val="1"/>
+          <dgm:chPref val="1"/>
+        </dgm:presLayoutVars>
+      </dgm:prSet>
+      <dgm:spPr/>
+    </dgm:pt>
+    <dgm:pt modelId="{9A9A7388-3DE0-4DAF-B8CE-B02D6C3CE4B7}" type="pres">
+      <dgm:prSet presAssocID="{A02D66BF-E476-4AF8-87A3-EC20B74F436B}" presName="sibTrans" presStyleCnt="0"/>
+      <dgm:spPr/>
+    </dgm:pt>
+    <dgm:pt modelId="{477C7D99-6B89-4DA1-AEFB-3609BCCCFA41}" type="pres">
+      <dgm:prSet presAssocID="{2214157B-BFB4-4CDF-AB68-0B47ED508F2D}" presName="compNode" presStyleCnt="0"/>
+      <dgm:spPr/>
+    </dgm:pt>
+    <dgm:pt modelId="{B032ABDF-81C3-4989-99E9-CCA4A2C90520}" type="pres">
+      <dgm:prSet presAssocID="{2214157B-BFB4-4CDF-AB68-0B47ED508F2D}" presName="iconRect" presStyleLbl="node1" presStyleIdx="1" presStyleCnt="3"/>
+      <dgm:spPr>
+        <a:blipFill>
+          <a:blip xmlns:r="http://schemas.openxmlformats.org/officeDocument/2006/relationships" r:embed="rId3">
+            <a:extLst>
+              <a:ext uri="{28A0092B-C50C-407E-A947-70E740481C1C}">
+                <a14:useLocalDpi xmlns:a14="http://schemas.microsoft.com/office/drawing/2010/main" val="0"/>
+              </a:ext>
+              <a:ext uri="{96DAC541-7B7A-43D3-8B79-37D633B846F1}">
+                <asvg:svgBlip xmlns:asvg="http://schemas.microsoft.com/office/drawing/2016/SVG/main" r:embed="rId4"/>
+              </a:ext>
+            </a:extLst>
+          </a:blip>
+          <a:stretch>
+            <a:fillRect/>
+          </a:stretch>
+        </a:blipFill>
+      </dgm:spPr>
+      <dgm:extLst>
+        <a:ext uri="{E40237B7-FDA0-4F09-8148-C483321AD2D9}">
+          <dgm14:cNvPr xmlns:dgm14="http://schemas.microsoft.com/office/drawing/2010/diagram" id="0" name="" descr="Upward trend"/>
+        </a:ext>
+      </dgm:extLst>
+    </dgm:pt>
+    <dgm:pt modelId="{E49C1A39-881D-4ABC-B431-CDD6A7481906}" type="pres">
+      <dgm:prSet presAssocID="{2214157B-BFB4-4CDF-AB68-0B47ED508F2D}" presName="spaceRect" presStyleCnt="0"/>
+      <dgm:spPr/>
+    </dgm:pt>
+    <dgm:pt modelId="{1C3BDC55-2AE7-483E-8913-22FC4650C932}" type="pres">
+      <dgm:prSet presAssocID="{2214157B-BFB4-4CDF-AB68-0B47ED508F2D}" presName="textRect" presStyleLbl="revTx" presStyleIdx="1" presStyleCnt="3">
+        <dgm:presLayoutVars>
+          <dgm:chMax val="1"/>
+          <dgm:chPref val="1"/>
+        </dgm:presLayoutVars>
+      </dgm:prSet>
+      <dgm:spPr/>
+    </dgm:pt>
+    <dgm:pt modelId="{DBFFF39C-359B-40F3-860D-C3E94033E835}" type="pres">
+      <dgm:prSet presAssocID="{D4B7A56B-0EFA-4E67-BBDF-5BC3630FE199}" presName="sibTrans" presStyleCnt="0"/>
+      <dgm:spPr/>
+    </dgm:pt>
+    <dgm:pt modelId="{3633EF43-F9F2-4BCC-9C96-5079A06BFF99}" type="pres">
+      <dgm:prSet presAssocID="{7AF274C8-2998-4B00-8AE9-BF28FEFCA397}" presName="compNode" presStyleCnt="0"/>
+      <dgm:spPr/>
+    </dgm:pt>
+    <dgm:pt modelId="{6C0A200A-766A-4546-ACC3-CE0CD101F382}" type="pres">
+      <dgm:prSet presAssocID="{7AF274C8-2998-4B00-8AE9-BF28FEFCA397}" presName="iconRect" presStyleLbl="node1" presStyleIdx="2" presStyleCnt="3"/>
+      <dgm:spPr>
+        <a:blipFill>
+          <a:blip xmlns:r="http://schemas.openxmlformats.org/officeDocument/2006/relationships" r:embed="rId5">
+            <a:extLst>
+              <a:ext uri="{28A0092B-C50C-407E-A947-70E740481C1C}">
+                <a14:useLocalDpi xmlns:a14="http://schemas.microsoft.com/office/drawing/2010/main" val="0"/>
+              </a:ext>
+              <a:ext uri="{96DAC541-7B7A-43D3-8B79-37D633B846F1}">
+                <asvg:svgBlip xmlns:asvg="http://schemas.microsoft.com/office/drawing/2016/SVG/main" r:embed="rId6"/>
+              </a:ext>
+            </a:extLst>
+          </a:blip>
+          <a:stretch>
+            <a:fillRect/>
+          </a:stretch>
+        </a:blipFill>
+      </dgm:spPr>
+      <dgm:extLst>
+        <a:ext uri="{E40237B7-FDA0-4F09-8148-C483321AD2D9}">
+          <dgm14:cNvPr xmlns:dgm14="http://schemas.microsoft.com/office/drawing/2010/diagram" id="0" name="" descr="Bar chart"/>
+        </a:ext>
+      </dgm:extLst>
+    </dgm:pt>
+    <dgm:pt modelId="{01658F89-D275-4230-85D2-DF24FC1ABC59}" type="pres">
+      <dgm:prSet presAssocID="{7AF274C8-2998-4B00-8AE9-BF28FEFCA397}" presName="spaceRect" presStyleCnt="0"/>
+      <dgm:spPr/>
+    </dgm:pt>
+    <dgm:pt modelId="{2223D9BC-B34C-4A4C-8470-C3A502B48FB6}" type="pres">
+      <dgm:prSet presAssocID="{7AF274C8-2998-4B00-8AE9-BF28FEFCA397}" presName="textRect" presStyleLbl="revTx" presStyleIdx="2" presStyleCnt="3">
+        <dgm:presLayoutVars>
+          <dgm:chMax val="1"/>
+          <dgm:chPref val="1"/>
+        </dgm:presLayoutVars>
+      </dgm:prSet>
+      <dgm:spPr/>
+    </dgm:pt>
+  </dgm:ptLst>
+  <dgm:cxnLst>
+    <dgm:cxn modelId="{58AED90B-103F-4677-9E99-71A2C36C1D5E}" type="presOf" srcId="{7AF274C8-2998-4B00-8AE9-BF28FEFCA397}" destId="{2223D9BC-B34C-4A4C-8470-C3A502B48FB6}" srcOrd="0" destOrd="0" presId="urn:microsoft.com/office/officeart/2018/2/layout/IconLabelList"/>
+    <dgm:cxn modelId="{84D5B122-34B7-4590-8F02-C54A51940332}" srcId="{EF6E9038-D16A-4634-97FF-C76AC4AE9D71}" destId="{537DE747-929F-4598-A461-DE7ED0C7D9FE}" srcOrd="0" destOrd="0" parTransId="{B30B3BC7-ACF4-425F-97B6-B77D9725FAD0}" sibTransId="{A02D66BF-E476-4AF8-87A3-EC20B74F436B}"/>
+    <dgm:cxn modelId="{B83AAA55-F137-4DE2-A604-494C126D2DB4}" type="presOf" srcId="{2214157B-BFB4-4CDF-AB68-0B47ED508F2D}" destId="{1C3BDC55-2AE7-483E-8913-22FC4650C932}" srcOrd="0" destOrd="0" presId="urn:microsoft.com/office/officeart/2018/2/layout/IconLabelList"/>
+    <dgm:cxn modelId="{7AAC258C-D520-443F-B550-C0EADE615EE3}" srcId="{EF6E9038-D16A-4634-97FF-C76AC4AE9D71}" destId="{7AF274C8-2998-4B00-8AE9-BF28FEFCA397}" srcOrd="2" destOrd="0" parTransId="{E0B7C313-37E3-4092-AF95-33D268FDB176}" sibTransId="{DEA54EB8-75F1-4EDB-9DD2-9A80DFF4E2C6}"/>
+    <dgm:cxn modelId="{0918A0C3-807B-49B9-BB97-BE26CD88C6C3}" type="presOf" srcId="{EF6E9038-D16A-4634-97FF-C76AC4AE9D71}" destId="{3C77F2A9-B45C-4EDC-8AE2-286C839DA239}" srcOrd="0" destOrd="0" presId="urn:microsoft.com/office/officeart/2018/2/layout/IconLabelList"/>
+    <dgm:cxn modelId="{7E9EFAC6-2933-409F-B722-1AEA4A6DC3C6}" srcId="{EF6E9038-D16A-4634-97FF-C76AC4AE9D71}" destId="{2214157B-BFB4-4CDF-AB68-0B47ED508F2D}" srcOrd="1" destOrd="0" parTransId="{7A0D5ADC-03C4-4B74-905D-DFB2A6457E43}" sibTransId="{D4B7A56B-0EFA-4E67-BBDF-5BC3630FE199}"/>
+    <dgm:cxn modelId="{6523F0EC-B071-41C9-A999-1ADD300B57FA}" type="presOf" srcId="{537DE747-929F-4598-A461-DE7ED0C7D9FE}" destId="{3FEDCFAF-3556-4266-943E-D3DDCBD81742}" srcOrd="0" destOrd="0" presId="urn:microsoft.com/office/officeart/2018/2/layout/IconLabelList"/>
+    <dgm:cxn modelId="{D8D6EFA3-166C-4F59-81D0-1AEE74B34A4A}" type="presParOf" srcId="{3C77F2A9-B45C-4EDC-8AE2-286C839DA239}" destId="{2D93424F-4F62-4570-A7AF-F4C2DAA31416}" srcOrd="0" destOrd="0" presId="urn:microsoft.com/office/officeart/2018/2/layout/IconLabelList"/>
+    <dgm:cxn modelId="{8C88CBCB-4B83-486F-9ADB-A09C42B77ED6}" type="presParOf" srcId="{2D93424F-4F62-4570-A7AF-F4C2DAA31416}" destId="{52BD7596-9036-4952-B316-92807A1DD3E9}" srcOrd="0" destOrd="0" presId="urn:microsoft.com/office/officeart/2018/2/layout/IconLabelList"/>
+    <dgm:cxn modelId="{AD8C6CA0-48D8-45FE-BE70-69E503D0E816}" type="presParOf" srcId="{2D93424F-4F62-4570-A7AF-F4C2DAA31416}" destId="{D3499506-54FB-408B-B18B-FE578EE599AC}" srcOrd="1" destOrd="0" presId="urn:microsoft.com/office/officeart/2018/2/layout/IconLabelList"/>
+    <dgm:cxn modelId="{5395A6AE-8388-4F26-A8B6-E9D1AE9DBE2F}" type="presParOf" srcId="{2D93424F-4F62-4570-A7AF-F4C2DAA31416}" destId="{3FEDCFAF-3556-4266-943E-D3DDCBD81742}" srcOrd="2" destOrd="0" presId="urn:microsoft.com/office/officeart/2018/2/layout/IconLabelList"/>
+    <dgm:cxn modelId="{CA249970-9A4D-4CF7-B795-B154C742A2E7}" type="presParOf" srcId="{3C77F2A9-B45C-4EDC-8AE2-286C839DA239}" destId="{9A9A7388-3DE0-4DAF-B8CE-B02D6C3CE4B7}" srcOrd="1" destOrd="0" presId="urn:microsoft.com/office/officeart/2018/2/layout/IconLabelList"/>
+    <dgm:cxn modelId="{B130F70B-4E41-4294-83FA-BB2E39162E88}" type="presParOf" srcId="{3C77F2A9-B45C-4EDC-8AE2-286C839DA239}" destId="{477C7D99-6B89-4DA1-AEFB-3609BCCCFA41}" srcOrd="2" destOrd="0" presId="urn:microsoft.com/office/officeart/2018/2/layout/IconLabelList"/>
+    <dgm:cxn modelId="{1A706FDC-B452-40DB-AF70-DF1D4A3B894D}" type="presParOf" srcId="{477C7D99-6B89-4DA1-AEFB-3609BCCCFA41}" destId="{B032ABDF-81C3-4989-99E9-CCA4A2C90520}" srcOrd="0" destOrd="0" presId="urn:microsoft.com/office/officeart/2018/2/layout/IconLabelList"/>
+    <dgm:cxn modelId="{9830A652-DA8A-4ECF-AA7F-835D2BC0E175}" type="presParOf" srcId="{477C7D99-6B89-4DA1-AEFB-3609BCCCFA41}" destId="{E49C1A39-881D-4ABC-B431-CDD6A7481906}" srcOrd="1" destOrd="0" presId="urn:microsoft.com/office/officeart/2018/2/layout/IconLabelList"/>
+    <dgm:cxn modelId="{101CEB67-6D60-4C02-A4CA-C85E4E23DB2C}" type="presParOf" srcId="{477C7D99-6B89-4DA1-AEFB-3609BCCCFA41}" destId="{1C3BDC55-2AE7-483E-8913-22FC4650C932}" srcOrd="2" destOrd="0" presId="urn:microsoft.com/office/officeart/2018/2/layout/IconLabelList"/>
+    <dgm:cxn modelId="{E4F3B78E-8959-43AE-9526-27319277EF6F}" type="presParOf" srcId="{3C77F2A9-B45C-4EDC-8AE2-286C839DA239}" destId="{DBFFF39C-359B-40F3-860D-C3E94033E835}" srcOrd="3" destOrd="0" presId="urn:microsoft.com/office/officeart/2018/2/layout/IconLabelList"/>
+    <dgm:cxn modelId="{FD98FED5-AA03-4CA9-BFC3-08894288B611}" type="presParOf" srcId="{3C77F2A9-B45C-4EDC-8AE2-286C839DA239}" destId="{3633EF43-F9F2-4BCC-9C96-5079A06BFF99}" srcOrd="4" destOrd="0" presId="urn:microsoft.com/office/officeart/2018/2/layout/IconLabelList"/>
+    <dgm:cxn modelId="{FD92FB3A-E843-4329-9B4D-F8A50EBAE748}" type="presParOf" srcId="{3633EF43-F9F2-4BCC-9C96-5079A06BFF99}" destId="{6C0A200A-766A-4546-ACC3-CE0CD101F382}" srcOrd="0" destOrd="0" presId="urn:microsoft.com/office/officeart/2018/2/layout/IconLabelList"/>
+    <dgm:cxn modelId="{066B8CAD-CCD9-4A3A-82CB-3798D61CC3F2}" type="presParOf" srcId="{3633EF43-F9F2-4BCC-9C96-5079A06BFF99}" destId="{01658F89-D275-4230-85D2-DF24FC1ABC59}" srcOrd="1" destOrd="0" presId="urn:microsoft.com/office/officeart/2018/2/layout/IconLabelList"/>
+    <dgm:cxn modelId="{2D60684F-DB58-4AFA-922A-A5B37A77E94E}" type="presParOf" srcId="{3633EF43-F9F2-4BCC-9C96-5079A06BFF99}" destId="{2223D9BC-B34C-4A4C-8470-C3A502B48FB6}" srcOrd="2" destOrd="0" presId="urn:microsoft.com/office/officeart/2018/2/layout/IconLabelList"/>
+  </dgm:cxnLst>
+  <dgm:bg/>
+  <dgm:whole/>
+  <dgm:extLst>
+    <a:ext uri="http://schemas.microsoft.com/office/drawing/2008/diagram">
+      <dsp:dataModelExt xmlns:dsp="http://schemas.microsoft.com/office/drawing/2008/diagram" relId="rId6" minVer="http://schemas.openxmlformats.org/drawingml/2006/diagram"/>
     </a:ext>
   </dgm:extLst>
 </dgm:dataModel>
@@ -7664,7 +9075,7 @@
         </a:bodyPr>
         <a:lstStyle/>
         <a:p>
-          <a:pPr marL="0" lvl="0" indent="0" algn="l" defTabSz="755650">
+          <a:pPr marL="0" lvl="0" indent="0" algn="l" defTabSz="711200">
             <a:lnSpc>
               <a:spcPct val="90000"/>
             </a:lnSpc>
@@ -7677,10 +9088,16 @@
             <a:buNone/>
           </a:pPr>
           <a:r>
-            <a:rPr lang="pt-PT" sz="1700" kern="1200" dirty="0"/>
+            <a:rPr lang="pt-PT" sz="1600" kern="1200" dirty="0">
+              <a:latin typeface="Verdana" panose="020B0604030504040204" pitchFamily="34" charset="0"/>
+              <a:ea typeface="Verdana" panose="020B0604030504040204" pitchFamily="34" charset="0"/>
+            </a:rPr>
             <a:t>Objetivos</a:t>
           </a:r>
-          <a:endParaRPr lang="en-US" sz="1700" kern="1200" dirty="0"/>
+          <a:endParaRPr lang="en-US" sz="1700" kern="1200" dirty="0">
+            <a:latin typeface="Verdana" panose="020B0604030504040204" pitchFamily="34" charset="0"/>
+            <a:ea typeface="Verdana" panose="020B0604030504040204" pitchFamily="34" charset="0"/>
+          </a:endParaRPr>
         </a:p>
       </dsp:txBody>
       <dsp:txXfrm>
@@ -7837,10 +9254,16 @@
             <a:buNone/>
           </a:pPr>
           <a:r>
-            <a:rPr lang="pt-PT" sz="1700" kern="1200"/>
+            <a:rPr lang="pt-PT" sz="1700" kern="1200" dirty="0">
+              <a:latin typeface="Verdana" panose="020B0604030504040204" pitchFamily="34" charset="0"/>
+              <a:ea typeface="Verdana" panose="020B0604030504040204" pitchFamily="34" charset="0"/>
+            </a:rPr>
             <a:t>Planeamento</a:t>
           </a:r>
-          <a:endParaRPr lang="en-US" sz="1700" kern="1200"/>
+          <a:endParaRPr lang="en-US" sz="1700" kern="1200" dirty="0">
+            <a:latin typeface="Verdana" panose="020B0604030504040204" pitchFamily="34" charset="0"/>
+            <a:ea typeface="Verdana" panose="020B0604030504040204" pitchFamily="34" charset="0"/>
+          </a:endParaRPr>
         </a:p>
       </dsp:txBody>
       <dsp:txXfrm>
@@ -7997,10 +9420,16 @@
             <a:buNone/>
           </a:pPr>
           <a:r>
-            <a:rPr lang="pt-PT" sz="1700" kern="1200" dirty="0"/>
+            <a:rPr lang="pt-PT" sz="1700" kern="1200" dirty="0">
+              <a:latin typeface="Verdana" panose="020B0604030504040204" pitchFamily="34" charset="0"/>
+              <a:ea typeface="Verdana" panose="020B0604030504040204" pitchFamily="34" charset="0"/>
+            </a:rPr>
             <a:t>Metodologia de Trabalho em Equipa</a:t>
           </a:r>
-          <a:endParaRPr lang="en-US" sz="1700" kern="1200" dirty="0"/>
+          <a:endParaRPr lang="en-US" sz="1700" kern="1200" dirty="0">
+            <a:latin typeface="Verdana" panose="020B0604030504040204" pitchFamily="34" charset="0"/>
+            <a:ea typeface="Verdana" panose="020B0604030504040204" pitchFamily="34" charset="0"/>
+          </a:endParaRPr>
         </a:p>
       </dsp:txBody>
       <dsp:txXfrm>
@@ -8157,10 +9586,16 @@
             <a:buNone/>
           </a:pPr>
           <a:r>
-            <a:rPr lang="pt-PT" sz="1700" kern="1200"/>
+            <a:rPr lang="pt-PT" sz="1700" kern="1200" dirty="0">
+              <a:latin typeface="Verdana" panose="020B0604030504040204" pitchFamily="34" charset="0"/>
+              <a:ea typeface="Verdana" panose="020B0604030504040204" pitchFamily="34" charset="0"/>
+            </a:rPr>
             <a:t>Resultados Esperados</a:t>
           </a:r>
-          <a:endParaRPr lang="en-US" sz="1700" kern="1200"/>
+          <a:endParaRPr lang="en-US" sz="1700" kern="1200" dirty="0">
+            <a:latin typeface="Verdana" panose="020B0604030504040204" pitchFamily="34" charset="0"/>
+            <a:ea typeface="Verdana" panose="020B0604030504040204" pitchFamily="34" charset="0"/>
+          </a:endParaRPr>
         </a:p>
       </dsp:txBody>
       <dsp:txXfrm>
@@ -8317,10 +9752,16 @@
             <a:buNone/>
           </a:pPr>
           <a:r>
-            <a:rPr lang="pt-PT" sz="1700" kern="1200"/>
+            <a:rPr lang="pt-PT" sz="1700" kern="1200" dirty="0">
+              <a:latin typeface="Verdana" panose="020B0604030504040204" pitchFamily="34" charset="0"/>
+              <a:ea typeface="Verdana" panose="020B0604030504040204" pitchFamily="34" charset="0"/>
+            </a:rPr>
             <a:t>Qualidade do Produto</a:t>
           </a:r>
-          <a:endParaRPr lang="en-US" sz="1700" kern="1200"/>
+          <a:endParaRPr lang="en-US" sz="1700" kern="1200" dirty="0">
+            <a:latin typeface="Verdana" panose="020B0604030504040204" pitchFamily="34" charset="0"/>
+            <a:ea typeface="Verdana" panose="020B0604030504040204" pitchFamily="34" charset="0"/>
+          </a:endParaRPr>
         </a:p>
       </dsp:txBody>
       <dsp:txXfrm>
@@ -8477,10 +9918,16 @@
             <a:buNone/>
           </a:pPr>
           <a:r>
-            <a:rPr lang="pt-PT" sz="1700" kern="1200"/>
+            <a:rPr lang="pt-PT" sz="1700" kern="1200" dirty="0">
+              <a:latin typeface="Verdana" panose="020B0604030504040204" pitchFamily="34" charset="0"/>
+              <a:ea typeface="Verdana" panose="020B0604030504040204" pitchFamily="34" charset="0"/>
+            </a:rPr>
             <a:t>Entrega ao Cliente</a:t>
           </a:r>
-          <a:endParaRPr lang="en-US" sz="1700" kern="1200"/>
+          <a:endParaRPr lang="en-US" sz="1700" kern="1200" dirty="0">
+            <a:latin typeface="Verdana" panose="020B0604030504040204" pitchFamily="34" charset="0"/>
+            <a:ea typeface="Verdana" panose="020B0604030504040204" pitchFamily="34" charset="0"/>
+          </a:endParaRPr>
         </a:p>
       </dsp:txBody>
       <dsp:txXfrm>
@@ -8637,10 +10084,16 @@
             <a:buNone/>
           </a:pPr>
           <a:r>
-            <a:rPr lang="pt-PT" sz="1700" kern="1200"/>
+            <a:rPr lang="pt-PT" sz="1700" kern="1200" dirty="0">
+              <a:latin typeface="Verdana" panose="020B0604030504040204" pitchFamily="34" charset="0"/>
+              <a:ea typeface="Verdana" panose="020B0604030504040204" pitchFamily="34" charset="0"/>
+            </a:rPr>
             <a:t>Conclusões</a:t>
           </a:r>
-          <a:endParaRPr lang="en-US" sz="1700" kern="1200"/>
+          <a:endParaRPr lang="en-US" sz="1700" kern="1200" dirty="0">
+            <a:latin typeface="Verdana" panose="020B0604030504040204" pitchFamily="34" charset="0"/>
+            <a:ea typeface="Verdana" panose="020B0604030504040204" pitchFamily="34" charset="0"/>
+          </a:endParaRPr>
         </a:p>
       </dsp:txBody>
       <dsp:txXfrm>
@@ -11030,12 +12483,12 @@
         <a:fontRef idx="minor"/>
       </dsp:style>
       <dsp:txBody>
-        <a:bodyPr spcFirstLastPara="0" vert="horz" wrap="square" lIns="72390" tIns="72390" rIns="72390" bIns="72390" numCol="1" spcCol="1270" anchor="t" anchorCtr="0">
+        <a:bodyPr spcFirstLastPara="0" vert="horz" wrap="square" lIns="76200" tIns="76200" rIns="76200" bIns="76200" numCol="1" spcCol="1270" anchor="t" anchorCtr="0">
           <a:noAutofit/>
         </a:bodyPr>
         <a:lstStyle/>
         <a:p>
-          <a:pPr marL="0" lvl="0" indent="0" algn="l" defTabSz="844550">
+          <a:pPr marL="0" lvl="0" indent="0" algn="l" defTabSz="889000">
             <a:lnSpc>
               <a:spcPct val="90000"/>
             </a:lnSpc>
@@ -11048,13 +12501,13 @@
             <a:buNone/>
           </a:pPr>
           <a:r>
-            <a:rPr lang="pt-PT" sz="1900" kern="1200" dirty="0">
+            <a:rPr lang="pt-PT" sz="2000" kern="1200" dirty="0">
               <a:latin typeface="Verdana" panose="020B0604030504040204" pitchFamily="34" charset="0"/>
               <a:ea typeface="Verdana" panose="020B0604030504040204" pitchFamily="34" charset="0"/>
             </a:rPr>
             <a:t>Reuniões diárias</a:t>
           </a:r>
-          <a:endParaRPr lang="en-US" sz="1900" kern="1200" dirty="0">
+          <a:endParaRPr lang="en-US" sz="2000" kern="1200" dirty="0">
             <a:latin typeface="Verdana" panose="020B0604030504040204" pitchFamily="34" charset="0"/>
             <a:ea typeface="Verdana" panose="020B0604030504040204" pitchFamily="34" charset="0"/>
           </a:endParaRPr>
@@ -11181,12 +12634,12 @@
         <a:fontRef idx="minor"/>
       </dsp:style>
       <dsp:txBody>
-        <a:bodyPr spcFirstLastPara="0" vert="horz" wrap="square" lIns="72390" tIns="72390" rIns="72390" bIns="72390" numCol="1" spcCol="1270" anchor="t" anchorCtr="0">
+        <a:bodyPr spcFirstLastPara="0" vert="horz" wrap="square" lIns="76200" tIns="76200" rIns="76200" bIns="76200" numCol="1" spcCol="1270" anchor="t" anchorCtr="0">
           <a:noAutofit/>
         </a:bodyPr>
         <a:lstStyle/>
         <a:p>
-          <a:pPr marL="0" lvl="0" indent="0" algn="l" defTabSz="844550">
+          <a:pPr marL="0" lvl="0" indent="0" algn="l" defTabSz="889000">
             <a:lnSpc>
               <a:spcPct val="90000"/>
             </a:lnSpc>
@@ -11199,13 +12652,13 @@
             <a:buNone/>
           </a:pPr>
           <a:r>
-            <a:rPr lang="pt-PT" sz="1900" kern="1200" dirty="0">
+            <a:rPr lang="pt-PT" sz="2000" kern="1200" dirty="0">
               <a:latin typeface="Verdana" panose="020B0604030504040204" pitchFamily="34" charset="0"/>
               <a:ea typeface="Verdana" panose="020B0604030504040204" pitchFamily="34" charset="0"/>
             </a:rPr>
             <a:t>Canais relativos à Comunicação:</a:t>
           </a:r>
-          <a:endParaRPr lang="en-US" sz="1900" kern="1200" dirty="0">
+          <a:endParaRPr lang="en-US" sz="2000" kern="1200" dirty="0">
             <a:latin typeface="Verdana" panose="020B0604030504040204" pitchFamily="34" charset="0"/>
             <a:ea typeface="Verdana" panose="020B0604030504040204" pitchFamily="34" charset="0"/>
           </a:endParaRPr>
@@ -11248,12 +12701,12 @@
         <a:fontRef idx="minor"/>
       </dsp:style>
       <dsp:txBody>
-        <a:bodyPr spcFirstLastPara="0" vert="horz" wrap="square" lIns="64770" tIns="64770" rIns="64770" bIns="64770" numCol="1" spcCol="1270" anchor="t" anchorCtr="0">
+        <a:bodyPr spcFirstLastPara="0" vert="horz" wrap="square" lIns="68580" tIns="68580" rIns="68580" bIns="68580" numCol="1" spcCol="1270" anchor="t" anchorCtr="0">
           <a:noAutofit/>
         </a:bodyPr>
         <a:lstStyle/>
         <a:p>
-          <a:pPr marL="0" lvl="0" indent="0" algn="l" defTabSz="755650">
+          <a:pPr marL="0" lvl="0" indent="0" algn="l" defTabSz="800100">
             <a:lnSpc>
               <a:spcPct val="90000"/>
             </a:lnSpc>
@@ -11266,7 +12719,7 @@
             <a:buNone/>
           </a:pPr>
           <a:r>
-            <a:rPr lang="pt-PT" sz="1700" kern="1200" dirty="0" err="1">
+            <a:rPr lang="pt-PT" sz="1800" kern="1200" dirty="0" err="1">
               <a:latin typeface="Verdana" panose="020B0604030504040204" pitchFamily="34" charset="0"/>
               <a:ea typeface="Verdana" panose="020B0604030504040204" pitchFamily="34" charset="0"/>
             </a:rPr>
@@ -11393,12 +12846,12 @@
         <a:fontRef idx="minor"/>
       </dsp:style>
       <dsp:txBody>
-        <a:bodyPr spcFirstLastPara="0" vert="horz" wrap="square" lIns="64770" tIns="64770" rIns="64770" bIns="64770" numCol="1" spcCol="1270" anchor="t" anchorCtr="0">
+        <a:bodyPr spcFirstLastPara="0" vert="horz" wrap="square" lIns="68580" tIns="68580" rIns="68580" bIns="68580" numCol="1" spcCol="1270" anchor="t" anchorCtr="0">
           <a:noAutofit/>
         </a:bodyPr>
         <a:lstStyle/>
         <a:p>
-          <a:pPr marL="0" lvl="0" indent="0" algn="l" defTabSz="755650">
+          <a:pPr marL="0" lvl="0" indent="0" algn="l" defTabSz="800100">
             <a:lnSpc>
               <a:spcPct val="90000"/>
             </a:lnSpc>
@@ -11411,13 +12864,13 @@
             <a:buNone/>
           </a:pPr>
           <a:r>
-            <a:rPr lang="pt-PT" sz="1700" kern="1200" dirty="0" err="1">
+            <a:rPr lang="pt-PT" sz="1800" kern="1200" dirty="0" err="1">
               <a:latin typeface="Verdana" panose="020B0604030504040204" pitchFamily="34" charset="0"/>
               <a:ea typeface="Verdana" panose="020B0604030504040204" pitchFamily="34" charset="0"/>
             </a:rPr>
             <a:t>Whatsapp</a:t>
           </a:r>
-          <a:endParaRPr lang="en-US" sz="1700" kern="1200" dirty="0">
+          <a:endParaRPr lang="en-US" sz="1800" kern="1200" dirty="0">
             <a:latin typeface="Verdana" panose="020B0604030504040204" pitchFamily="34" charset="0"/>
             <a:ea typeface="Verdana" panose="020B0604030504040204" pitchFamily="34" charset="0"/>
           </a:endParaRPr>
@@ -11622,12 +13075,12 @@
         <a:fontRef idx="minor"/>
       </dsp:style>
       <dsp:txBody>
-        <a:bodyPr spcFirstLastPara="0" vert="horz" wrap="square" lIns="72390" tIns="72390" rIns="72390" bIns="72390" numCol="1" spcCol="1270" anchor="t" anchorCtr="0">
+        <a:bodyPr spcFirstLastPara="0" vert="horz" wrap="square" lIns="76200" tIns="76200" rIns="76200" bIns="76200" numCol="1" spcCol="1270" anchor="t" anchorCtr="0">
           <a:noAutofit/>
         </a:bodyPr>
         <a:lstStyle/>
         <a:p>
-          <a:pPr marL="0" lvl="0" indent="0" algn="l" defTabSz="844550">
+          <a:pPr marL="0" lvl="0" indent="0" algn="l" defTabSz="889000">
             <a:lnSpc>
               <a:spcPct val="90000"/>
             </a:lnSpc>
@@ -11640,13 +13093,13 @@
             <a:buNone/>
           </a:pPr>
           <a:r>
-            <a:rPr lang="pt-PT" sz="1900" kern="1200" dirty="0">
+            <a:rPr lang="pt-PT" sz="2000" kern="1200" dirty="0">
               <a:latin typeface="Verdana" panose="020B0604030504040204" pitchFamily="34" charset="0"/>
               <a:ea typeface="Verdana" panose="020B0604030504040204" pitchFamily="34" charset="0"/>
             </a:rPr>
             <a:t>Liderança Transformacional</a:t>
           </a:r>
-          <a:endParaRPr lang="en-US" sz="1900" kern="1200" dirty="0">
+          <a:endParaRPr lang="en-US" sz="2000" kern="1200" dirty="0">
             <a:latin typeface="Verdana" panose="020B0604030504040204" pitchFamily="34" charset="0"/>
             <a:ea typeface="Verdana" panose="020B0604030504040204" pitchFamily="34" charset="0"/>
           </a:endParaRPr>
@@ -11669,21 +13122,22 @@
       <dsp:cNvGrpSpPr/>
     </dsp:nvGrpSpPr>
     <dsp:grpSpPr/>
-    <dsp:sp modelId="{F5D09C34-1C8F-4504-8DAA-2F79D2F6FBD5}">
+    <dsp:sp modelId="{9B22A3ED-D452-4C10-94C2-8AE1E71CEC72}">
       <dsp:nvSpPr>
         <dsp:cNvPr id="0" name=""/>
         <dsp:cNvSpPr/>
       </dsp:nvSpPr>
       <dsp:spPr>
         <a:xfrm>
-          <a:off x="1709" y="713837"/>
-          <a:ext cx="2266437" cy="2266437"/>
+          <a:off x="1766" y="767527"/>
+          <a:ext cx="2341893" cy="2341893"/>
         </a:xfrm>
         <a:prstGeom prst="ellipse">
           <a:avLst/>
         </a:prstGeom>
         <a:solidFill>
           <a:schemeClr val="accent1">
+            <a:alpha val="90000"/>
             <a:hueOff val="0"/>
             <a:satOff val="0"/>
             <a:lumOff val="0"/>
@@ -11737,32 +13191,35 @@
             <a:buNone/>
           </a:pPr>
           <a:r>
-            <a:rPr lang="pt-PT" sz="2000" kern="1200" dirty="0"/>
+            <a:rPr lang="pt-PT" sz="2000" kern="1200" dirty="0">
+              <a:latin typeface="Verdana" panose="020B0604030504040204" pitchFamily="34" charset="0"/>
+              <a:ea typeface="Verdana" panose="020B0604030504040204" pitchFamily="34" charset="0"/>
+            </a:rPr>
             <a:t>Eficácia</a:t>
           </a:r>
         </a:p>
       </dsp:txBody>
       <dsp:txXfrm>
-        <a:off x="333621" y="1045749"/>
-        <a:ext cx="1602613" cy="1602613"/>
+        <a:off x="344728" y="1110489"/>
+        <a:ext cx="1655969" cy="1655969"/>
       </dsp:txXfrm>
     </dsp:sp>
-    <dsp:sp modelId="{A416BB15-1C44-4515-BB84-A8ECFCE28759}">
+    <dsp:sp modelId="{7CD5D733-E459-4838-B84E-95206A3B1818}">
       <dsp:nvSpPr>
         <dsp:cNvPr id="0" name=""/>
         <dsp:cNvSpPr/>
       </dsp:nvSpPr>
       <dsp:spPr>
         <a:xfrm>
-          <a:off x="2452181" y="1189789"/>
-          <a:ext cx="1314533" cy="1314533"/>
+          <a:off x="2533821" y="1259324"/>
+          <a:ext cx="1358298" cy="1358298"/>
         </a:xfrm>
         <a:prstGeom prst="mathPlus">
           <a:avLst/>
         </a:prstGeom>
         <a:solidFill>
           <a:schemeClr val="accent1">
-            <a:tint val="60000"/>
+            <a:shade val="90000"/>
             <a:hueOff val="0"/>
             <a:satOff val="0"/>
             <a:lumOff val="0"/>
@@ -11810,29 +13267,30 @@
         </a:p>
       </dsp:txBody>
       <dsp:txXfrm>
-        <a:off x="2626422" y="1692466"/>
-        <a:ext cx="966051" cy="309179"/>
+        <a:off x="2713863" y="1778737"/>
+        <a:ext cx="998214" cy="319472"/>
       </dsp:txXfrm>
     </dsp:sp>
-    <dsp:sp modelId="{595D9991-DAA3-454B-9F98-4B36773ECE37}">
+    <dsp:sp modelId="{8F31CD66-595C-4735-917E-D5450915C6D3}">
       <dsp:nvSpPr>
         <dsp:cNvPr id="0" name=""/>
         <dsp:cNvSpPr/>
       </dsp:nvSpPr>
       <dsp:spPr>
         <a:xfrm>
-          <a:off x="3950749" y="713837"/>
-          <a:ext cx="2266437" cy="2266437"/>
+          <a:off x="4082281" y="767527"/>
+          <a:ext cx="2341893" cy="2341893"/>
         </a:xfrm>
         <a:prstGeom prst="ellipse">
           <a:avLst/>
         </a:prstGeom>
         <a:solidFill>
           <a:schemeClr val="accent1">
+            <a:alpha val="90000"/>
             <a:hueOff val="0"/>
             <a:satOff val="0"/>
             <a:lumOff val="0"/>
-            <a:alphaOff val="0"/>
+            <a:alphaOff val="-20000"/>
           </a:schemeClr>
         </a:solidFill>
         <a:ln w="12700" cap="flat" cmpd="sng" algn="ctr">
@@ -11882,35 +13340,38 @@
             <a:buNone/>
           </a:pPr>
           <a:r>
-            <a:rPr lang="pt-PT" sz="2000" kern="1200" dirty="0"/>
+            <a:rPr lang="pt-PT" sz="2000" kern="1200" dirty="0">
+              <a:latin typeface="Verdana" panose="020B0604030504040204" pitchFamily="34" charset="0"/>
+              <a:ea typeface="Verdana" panose="020B0604030504040204" pitchFamily="34" charset="0"/>
+            </a:rPr>
             <a:t>Abrangência</a:t>
           </a:r>
         </a:p>
       </dsp:txBody>
       <dsp:txXfrm>
-        <a:off x="4282661" y="1045749"/>
-        <a:ext cx="1602613" cy="1602613"/>
+        <a:off x="4425243" y="1110489"/>
+        <a:ext cx="1655969" cy="1655969"/>
       </dsp:txXfrm>
     </dsp:sp>
-    <dsp:sp modelId="{807DA2D2-64E5-4E21-9CF4-1E4E706CA204}">
+    <dsp:sp modelId="{193A6D16-D624-4F5D-B75C-640DD433F190}">
       <dsp:nvSpPr>
         <dsp:cNvPr id="0" name=""/>
         <dsp:cNvSpPr/>
       </dsp:nvSpPr>
       <dsp:spPr>
         <a:xfrm>
-          <a:off x="6401221" y="1189789"/>
-          <a:ext cx="1314533" cy="1314533"/>
+          <a:off x="6614336" y="1259324"/>
+          <a:ext cx="1358298" cy="1358298"/>
         </a:xfrm>
         <a:prstGeom prst="mathEqual">
           <a:avLst/>
         </a:prstGeom>
         <a:solidFill>
           <a:schemeClr val="accent1">
-            <a:tint val="60000"/>
-            <a:hueOff val="0"/>
-            <a:satOff val="0"/>
-            <a:lumOff val="0"/>
+            <a:shade val="90000"/>
+            <a:hueOff val="-759229"/>
+            <a:satOff val="-13626"/>
+            <a:lumOff val="39942"/>
             <a:alphaOff val="0"/>
           </a:schemeClr>
         </a:solidFill>
@@ -11955,29 +13416,30 @@
         </a:p>
       </dsp:txBody>
       <dsp:txXfrm>
-        <a:off x="6575462" y="1460583"/>
-        <a:ext cx="966051" cy="772945"/>
+        <a:off x="6794378" y="1539133"/>
+        <a:ext cx="998214" cy="798680"/>
       </dsp:txXfrm>
     </dsp:sp>
-    <dsp:sp modelId="{0C76DE13-6AC3-4B42-9C12-E760B45119C6}">
+    <dsp:sp modelId="{CBFE7934-7882-4674-8CD3-DED0A4AE93DC}">
       <dsp:nvSpPr>
         <dsp:cNvPr id="0" name=""/>
         <dsp:cNvSpPr/>
       </dsp:nvSpPr>
       <dsp:spPr>
         <a:xfrm>
-          <a:off x="7899789" y="713837"/>
-          <a:ext cx="2266437" cy="2266437"/>
+          <a:off x="8162796" y="767527"/>
+          <a:ext cx="2341893" cy="2341893"/>
         </a:xfrm>
         <a:prstGeom prst="ellipse">
           <a:avLst/>
         </a:prstGeom>
         <a:solidFill>
           <a:schemeClr val="accent1">
+            <a:alpha val="90000"/>
             <a:hueOff val="0"/>
             <a:satOff val="0"/>
             <a:lumOff val="0"/>
-            <a:alphaOff val="0"/>
+            <a:alphaOff val="-40000"/>
           </a:schemeClr>
         </a:solidFill>
         <a:ln w="12700" cap="flat" cmpd="sng" algn="ctr">
@@ -12027,14 +13489,17 @@
             <a:buNone/>
           </a:pPr>
           <a:r>
-            <a:rPr lang="pt-PT" sz="2000" kern="1200" dirty="0"/>
+            <a:rPr lang="pt-PT" sz="2000" kern="1200" dirty="0">
+              <a:latin typeface="Verdana" panose="020B0604030504040204" pitchFamily="34" charset="0"/>
+              <a:ea typeface="Verdana" panose="020B0604030504040204" pitchFamily="34" charset="0"/>
+            </a:rPr>
             <a:t>Satisfação</a:t>
           </a:r>
         </a:p>
       </dsp:txBody>
       <dsp:txXfrm>
-        <a:off x="8231701" y="1045749"/>
-        <a:ext cx="1602613" cy="1602613"/>
+        <a:off x="8505758" y="1110489"/>
+        <a:ext cx="1655969" cy="1655969"/>
       </dsp:txXfrm>
     </dsp:sp>
   </dsp:spTree>
@@ -12167,12 +13632,12 @@
         <a:fontRef idx="minor"/>
       </dsp:style>
       <dsp:txBody>
-        <a:bodyPr spcFirstLastPara="0" vert="horz" wrap="square" lIns="95250" tIns="95250" rIns="95250" bIns="95250" numCol="1" spcCol="1270" anchor="t" anchorCtr="0">
+        <a:bodyPr spcFirstLastPara="0" vert="horz" wrap="square" lIns="76200" tIns="76200" rIns="76200" bIns="76200" numCol="1" spcCol="1270" anchor="t" anchorCtr="0">
           <a:noAutofit/>
         </a:bodyPr>
         <a:lstStyle/>
         <a:p>
-          <a:pPr marL="0" lvl="0" indent="0" algn="l" defTabSz="1111250">
+          <a:pPr marL="0" lvl="0" indent="0" algn="l" defTabSz="889000">
             <a:lnSpc>
               <a:spcPct val="90000"/>
             </a:lnSpc>
@@ -12185,7 +13650,10 @@
             <a:buNone/>
           </a:pPr>
           <a:r>
-            <a:rPr lang="pt-PT" sz="2500" kern="1200" dirty="0"/>
+            <a:rPr lang="pt-PT" sz="2000" kern="1200" dirty="0">
+              <a:latin typeface="Verdana" panose="020B0604030504040204" pitchFamily="34" charset="0"/>
+              <a:ea typeface="Verdana" panose="020B0604030504040204" pitchFamily="34" charset="0"/>
+            </a:rPr>
             <a:t>Disponibilização de catálogos e respetivos serviços</a:t>
           </a:r>
         </a:p>
@@ -12313,12 +13781,12 @@
         <a:fontRef idx="minor"/>
       </dsp:style>
       <dsp:txBody>
-        <a:bodyPr spcFirstLastPara="0" vert="horz" wrap="square" lIns="95250" tIns="95250" rIns="95250" bIns="95250" numCol="1" spcCol="1270" anchor="t" anchorCtr="0">
+        <a:bodyPr spcFirstLastPara="0" vert="horz" wrap="square" lIns="76200" tIns="76200" rIns="76200" bIns="76200" numCol="1" spcCol="1270" anchor="t" anchorCtr="0">
           <a:noAutofit/>
         </a:bodyPr>
         <a:lstStyle/>
         <a:p>
-          <a:pPr marL="0" lvl="0" indent="0" algn="l" defTabSz="1111250">
+          <a:pPr marL="0" lvl="0" indent="0" algn="l" defTabSz="889000">
             <a:lnSpc>
               <a:spcPct val="90000"/>
             </a:lnSpc>
@@ -12331,10 +13799,12 @@
             <a:buNone/>
           </a:pPr>
           <a:r>
-            <a:rPr lang="pt-PT" sz="2500" kern="1200"/>
+            <a:rPr lang="pt-PT" sz="2000" kern="1200" dirty="0">
+              <a:latin typeface="Verdana" panose="020B0604030504040204" pitchFamily="34" charset="0"/>
+              <a:ea typeface="Verdana" panose="020B0604030504040204" pitchFamily="34" charset="0"/>
+            </a:rPr>
             <a:t>Gestão de pedidos</a:t>
           </a:r>
-          <a:endParaRPr lang="pt-PT" sz="2500" kern="1200" dirty="0"/>
         </a:p>
       </dsp:txBody>
       <dsp:txXfrm>
@@ -12460,12 +13930,12 @@
         <a:fontRef idx="minor"/>
       </dsp:style>
       <dsp:txBody>
-        <a:bodyPr spcFirstLastPara="0" vert="horz" wrap="square" lIns="95250" tIns="95250" rIns="95250" bIns="95250" numCol="1" spcCol="1270" anchor="t" anchorCtr="0">
+        <a:bodyPr spcFirstLastPara="0" vert="horz" wrap="square" lIns="76200" tIns="76200" rIns="76200" bIns="76200" numCol="1" spcCol="1270" anchor="t" anchorCtr="0">
           <a:noAutofit/>
         </a:bodyPr>
         <a:lstStyle/>
         <a:p>
-          <a:pPr marL="0" lvl="0" indent="0" algn="l" defTabSz="1111250">
+          <a:pPr marL="0" lvl="0" indent="0" algn="l" defTabSz="889000">
             <a:lnSpc>
               <a:spcPct val="90000"/>
             </a:lnSpc>
@@ -12478,7 +13948,10 @@
             <a:buNone/>
           </a:pPr>
           <a:r>
-            <a:rPr lang="pt-PT" sz="2500" kern="1200" dirty="0"/>
+            <a:rPr lang="pt-PT" sz="2000" kern="1200" dirty="0">
+              <a:latin typeface="Verdana" panose="020B0604030504040204" pitchFamily="34" charset="0"/>
+              <a:ea typeface="Verdana" panose="020B0604030504040204" pitchFamily="34" charset="0"/>
+            </a:rPr>
             <a:t>Gestão de fluxos de execução de tarefas</a:t>
           </a:r>
         </a:p>
@@ -12606,12 +14079,12 @@
         <a:fontRef idx="minor"/>
       </dsp:style>
       <dsp:txBody>
-        <a:bodyPr spcFirstLastPara="0" vert="horz" wrap="square" lIns="95250" tIns="95250" rIns="95250" bIns="95250" numCol="1" spcCol="1270" anchor="t" anchorCtr="0">
+        <a:bodyPr spcFirstLastPara="0" vert="horz" wrap="square" lIns="76200" tIns="76200" rIns="76200" bIns="76200" numCol="1" spcCol="1270" anchor="t" anchorCtr="0">
           <a:noAutofit/>
         </a:bodyPr>
         <a:lstStyle/>
         <a:p>
-          <a:pPr marL="0" lvl="0" indent="0" algn="l" defTabSz="1111250">
+          <a:pPr marL="0" lvl="0" indent="0" algn="l" defTabSz="889000">
             <a:lnSpc>
               <a:spcPct val="90000"/>
             </a:lnSpc>
@@ -12624,7 +14097,10 @@
             <a:buNone/>
           </a:pPr>
           <a:r>
-            <a:rPr lang="pt-PT" sz="2500" kern="1200" dirty="0"/>
+            <a:rPr lang="pt-PT" sz="2000" kern="1200" dirty="0">
+              <a:latin typeface="Verdana" panose="020B0604030504040204" pitchFamily="34" charset="0"/>
+              <a:ea typeface="Verdana" panose="020B0604030504040204" pitchFamily="34" charset="0"/>
+            </a:rPr>
             <a:t>Atribuição de tarefas</a:t>
           </a:r>
         </a:p>
@@ -12632,6 +14108,390 @@
       <dsp:txXfrm>
         <a:off x="0" y="2670188"/>
         <a:ext cx="5993892" cy="890062"/>
+      </dsp:txXfrm>
+    </dsp:sp>
+  </dsp:spTree>
+</dsp:drawing>
+</file>
+
+<file path=ppt/diagrams/drawing7.xml><?xml version="1.0" encoding="utf-8"?>
+<dsp:drawing xmlns:dgm="http://schemas.openxmlformats.org/drawingml/2006/diagram" xmlns:dsp="http://schemas.microsoft.com/office/drawing/2008/diagram" xmlns:a="http://schemas.openxmlformats.org/drawingml/2006/main">
+  <dsp:spTree>
+    <dsp:nvGrpSpPr>
+      <dsp:cNvPr id="0" name=""/>
+      <dsp:cNvGrpSpPr/>
+    </dsp:nvGrpSpPr>
+    <dsp:grpSpPr/>
+    <dsp:sp modelId="{52BD7596-9036-4952-B316-92807A1DD3E9}">
+      <dsp:nvSpPr>
+        <dsp:cNvPr id="0" name=""/>
+        <dsp:cNvSpPr/>
+      </dsp:nvSpPr>
+      <dsp:spPr>
+        <a:xfrm>
+          <a:off x="1099641" y="670106"/>
+          <a:ext cx="1280707" cy="1280707"/>
+        </a:xfrm>
+        <a:prstGeom prst="rect">
+          <a:avLst/>
+        </a:prstGeom>
+        <a:blipFill>
+          <a:blip xmlns:r="http://schemas.openxmlformats.org/officeDocument/2006/relationships" r:embed="rId1">
+            <a:extLst>
+              <a:ext uri="{28A0092B-C50C-407E-A947-70E740481C1C}">
+                <a14:useLocalDpi xmlns:a14="http://schemas.microsoft.com/office/drawing/2010/main" val="0"/>
+              </a:ext>
+              <a:ext uri="{96DAC541-7B7A-43D3-8B79-37D633B846F1}">
+                <asvg:svgBlip xmlns:asvg="http://schemas.microsoft.com/office/drawing/2016/SVG/main" r:embed="rId2"/>
+              </a:ext>
+            </a:extLst>
+          </a:blip>
+          <a:stretch>
+            <a:fillRect/>
+          </a:stretch>
+        </a:blipFill>
+        <a:ln w="12700" cap="flat" cmpd="sng" algn="ctr">
+          <a:solidFill>
+            <a:schemeClr val="lt1">
+              <a:hueOff val="0"/>
+              <a:satOff val="0"/>
+              <a:lumOff val="0"/>
+              <a:alphaOff val="0"/>
+            </a:schemeClr>
+          </a:solidFill>
+          <a:prstDash val="solid"/>
+          <a:miter lim="800000"/>
+        </a:ln>
+        <a:effectLst/>
+      </dsp:spPr>
+      <dsp:style>
+        <a:lnRef idx="2">
+          <a:scrgbClr r="0" g="0" b="0"/>
+        </a:lnRef>
+        <a:fillRef idx="1">
+          <a:scrgbClr r="0" g="0" b="0"/>
+        </a:fillRef>
+        <a:effectRef idx="0">
+          <a:scrgbClr r="0" g="0" b="0"/>
+        </a:effectRef>
+        <a:fontRef idx="minor">
+          <a:schemeClr val="lt1"/>
+        </a:fontRef>
+      </dsp:style>
+    </dsp:sp>
+    <dsp:sp modelId="{3FEDCFAF-3556-4266-943E-D3DDCBD81742}">
+      <dsp:nvSpPr>
+        <dsp:cNvPr id="0" name=""/>
+        <dsp:cNvSpPr/>
+      </dsp:nvSpPr>
+      <dsp:spPr>
+        <a:xfrm>
+          <a:off x="316987" y="2304069"/>
+          <a:ext cx="2846016" cy="720000"/>
+        </a:xfrm>
+        <a:prstGeom prst="rect">
+          <a:avLst/>
+        </a:prstGeom>
+        <a:noFill/>
+        <a:ln>
+          <a:noFill/>
+        </a:ln>
+        <a:effectLst/>
+      </dsp:spPr>
+      <dsp:style>
+        <a:lnRef idx="0">
+          <a:scrgbClr r="0" g="0" b="0"/>
+        </a:lnRef>
+        <a:fillRef idx="0">
+          <a:scrgbClr r="0" g="0" b="0"/>
+        </a:fillRef>
+        <a:effectRef idx="0">
+          <a:scrgbClr r="0" g="0" b="0"/>
+        </a:effectRef>
+        <a:fontRef idx="minor"/>
+      </dsp:style>
+      <dsp:txBody>
+        <a:bodyPr spcFirstLastPara="0" vert="horz" wrap="square" lIns="0" tIns="0" rIns="0" bIns="0" numCol="1" spcCol="1270" anchor="t" anchorCtr="0">
+          <a:noAutofit/>
+        </a:bodyPr>
+        <a:lstStyle/>
+        <a:p>
+          <a:pPr marL="0" lvl="0" indent="0" algn="ctr" defTabSz="889000">
+            <a:lnSpc>
+              <a:spcPct val="100000"/>
+            </a:lnSpc>
+            <a:spcBef>
+              <a:spcPct val="0"/>
+            </a:spcBef>
+            <a:spcAft>
+              <a:spcPct val="35000"/>
+            </a:spcAft>
+            <a:buNone/>
+          </a:pPr>
+          <a:r>
+            <a:rPr lang="pt-PT" sz="2000" kern="1200" dirty="0">
+              <a:latin typeface="Verdana" panose="020B0604030504040204" pitchFamily="34" charset="0"/>
+              <a:ea typeface="Verdana" panose="020B0604030504040204" pitchFamily="34" charset="0"/>
+            </a:rPr>
+            <a:t>Sugestões</a:t>
+          </a:r>
+          <a:endParaRPr lang="en-US" sz="2300" kern="1200" dirty="0">
+            <a:latin typeface="Verdana" panose="020B0604030504040204" pitchFamily="34" charset="0"/>
+            <a:ea typeface="Verdana" panose="020B0604030504040204" pitchFamily="34" charset="0"/>
+          </a:endParaRPr>
+        </a:p>
+      </dsp:txBody>
+      <dsp:txXfrm>
+        <a:off x="316987" y="2304069"/>
+        <a:ext cx="2846016" cy="720000"/>
+      </dsp:txXfrm>
+    </dsp:sp>
+    <dsp:sp modelId="{B032ABDF-81C3-4989-99E9-CCA4A2C90520}">
+      <dsp:nvSpPr>
+        <dsp:cNvPr id="0" name=""/>
+        <dsp:cNvSpPr/>
+      </dsp:nvSpPr>
+      <dsp:spPr>
+        <a:xfrm>
+          <a:off x="4443710" y="670106"/>
+          <a:ext cx="1280707" cy="1280707"/>
+        </a:xfrm>
+        <a:prstGeom prst="rect">
+          <a:avLst/>
+        </a:prstGeom>
+        <a:blipFill>
+          <a:blip xmlns:r="http://schemas.openxmlformats.org/officeDocument/2006/relationships" r:embed="rId3">
+            <a:extLst>
+              <a:ext uri="{28A0092B-C50C-407E-A947-70E740481C1C}">
+                <a14:useLocalDpi xmlns:a14="http://schemas.microsoft.com/office/drawing/2010/main" val="0"/>
+              </a:ext>
+              <a:ext uri="{96DAC541-7B7A-43D3-8B79-37D633B846F1}">
+                <asvg:svgBlip xmlns:asvg="http://schemas.microsoft.com/office/drawing/2016/SVG/main" r:embed="rId4"/>
+              </a:ext>
+            </a:extLst>
+          </a:blip>
+          <a:stretch>
+            <a:fillRect/>
+          </a:stretch>
+        </a:blipFill>
+        <a:ln w="12700" cap="flat" cmpd="sng" algn="ctr">
+          <a:solidFill>
+            <a:schemeClr val="lt1">
+              <a:hueOff val="0"/>
+              <a:satOff val="0"/>
+              <a:lumOff val="0"/>
+              <a:alphaOff val="0"/>
+            </a:schemeClr>
+          </a:solidFill>
+          <a:prstDash val="solid"/>
+          <a:miter lim="800000"/>
+        </a:ln>
+        <a:effectLst/>
+      </dsp:spPr>
+      <dsp:style>
+        <a:lnRef idx="2">
+          <a:scrgbClr r="0" g="0" b="0"/>
+        </a:lnRef>
+        <a:fillRef idx="1">
+          <a:scrgbClr r="0" g="0" b="0"/>
+        </a:fillRef>
+        <a:effectRef idx="0">
+          <a:scrgbClr r="0" g="0" b="0"/>
+        </a:effectRef>
+        <a:fontRef idx="minor">
+          <a:schemeClr val="lt1"/>
+        </a:fontRef>
+      </dsp:style>
+    </dsp:sp>
+    <dsp:sp modelId="{1C3BDC55-2AE7-483E-8913-22FC4650C932}">
+      <dsp:nvSpPr>
+        <dsp:cNvPr id="0" name=""/>
+        <dsp:cNvSpPr/>
+      </dsp:nvSpPr>
+      <dsp:spPr>
+        <a:xfrm>
+          <a:off x="3661055" y="2304069"/>
+          <a:ext cx="2846016" cy="720000"/>
+        </a:xfrm>
+        <a:prstGeom prst="rect">
+          <a:avLst/>
+        </a:prstGeom>
+        <a:noFill/>
+        <a:ln>
+          <a:noFill/>
+        </a:ln>
+        <a:effectLst/>
+      </dsp:spPr>
+      <dsp:style>
+        <a:lnRef idx="0">
+          <a:scrgbClr r="0" g="0" b="0"/>
+        </a:lnRef>
+        <a:fillRef idx="0">
+          <a:scrgbClr r="0" g="0" b="0"/>
+        </a:fillRef>
+        <a:effectRef idx="0">
+          <a:scrgbClr r="0" g="0" b="0"/>
+        </a:effectRef>
+        <a:fontRef idx="minor"/>
+      </dsp:style>
+      <dsp:txBody>
+        <a:bodyPr spcFirstLastPara="0" vert="horz" wrap="square" lIns="0" tIns="0" rIns="0" bIns="0" numCol="1" spcCol="1270" anchor="t" anchorCtr="0">
+          <a:noAutofit/>
+        </a:bodyPr>
+        <a:lstStyle/>
+        <a:p>
+          <a:pPr marL="0" lvl="0" indent="0" algn="ctr" defTabSz="889000">
+            <a:lnSpc>
+              <a:spcPct val="100000"/>
+            </a:lnSpc>
+            <a:spcBef>
+              <a:spcPct val="0"/>
+            </a:spcBef>
+            <a:spcAft>
+              <a:spcPct val="35000"/>
+            </a:spcAft>
+            <a:buNone/>
+          </a:pPr>
+          <a:r>
+            <a:rPr lang="pt-PT" sz="2000" kern="1200" dirty="0">
+              <a:latin typeface="Verdana" panose="020B0604030504040204" pitchFamily="34" charset="0"/>
+              <a:ea typeface="Verdana" panose="020B0604030504040204" pitchFamily="34" charset="0"/>
+            </a:rPr>
+            <a:t>Melhorias</a:t>
+          </a:r>
+          <a:endParaRPr lang="en-US" sz="2300" kern="1200" dirty="0">
+            <a:latin typeface="Verdana" panose="020B0604030504040204" pitchFamily="34" charset="0"/>
+            <a:ea typeface="Verdana" panose="020B0604030504040204" pitchFamily="34" charset="0"/>
+          </a:endParaRPr>
+        </a:p>
+      </dsp:txBody>
+      <dsp:txXfrm>
+        <a:off x="3661055" y="2304069"/>
+        <a:ext cx="2846016" cy="720000"/>
+      </dsp:txXfrm>
+    </dsp:sp>
+    <dsp:sp modelId="{6C0A200A-766A-4546-ACC3-CE0CD101F382}">
+      <dsp:nvSpPr>
+        <dsp:cNvPr id="0" name=""/>
+        <dsp:cNvSpPr/>
+      </dsp:nvSpPr>
+      <dsp:spPr>
+        <a:xfrm>
+          <a:off x="7787779" y="670106"/>
+          <a:ext cx="1280707" cy="1280707"/>
+        </a:xfrm>
+        <a:prstGeom prst="rect">
+          <a:avLst/>
+        </a:prstGeom>
+        <a:blipFill>
+          <a:blip xmlns:r="http://schemas.openxmlformats.org/officeDocument/2006/relationships" r:embed="rId5">
+            <a:extLst>
+              <a:ext uri="{28A0092B-C50C-407E-A947-70E740481C1C}">
+                <a14:useLocalDpi xmlns:a14="http://schemas.microsoft.com/office/drawing/2010/main" val="0"/>
+              </a:ext>
+              <a:ext uri="{96DAC541-7B7A-43D3-8B79-37D633B846F1}">
+                <asvg:svgBlip xmlns:asvg="http://schemas.microsoft.com/office/drawing/2016/SVG/main" r:embed="rId6"/>
+              </a:ext>
+            </a:extLst>
+          </a:blip>
+          <a:stretch>
+            <a:fillRect/>
+          </a:stretch>
+        </a:blipFill>
+        <a:ln w="12700" cap="flat" cmpd="sng" algn="ctr">
+          <a:solidFill>
+            <a:schemeClr val="lt1">
+              <a:hueOff val="0"/>
+              <a:satOff val="0"/>
+              <a:lumOff val="0"/>
+              <a:alphaOff val="0"/>
+            </a:schemeClr>
+          </a:solidFill>
+          <a:prstDash val="solid"/>
+          <a:miter lim="800000"/>
+        </a:ln>
+        <a:effectLst/>
+      </dsp:spPr>
+      <dsp:style>
+        <a:lnRef idx="2">
+          <a:scrgbClr r="0" g="0" b="0"/>
+        </a:lnRef>
+        <a:fillRef idx="1">
+          <a:scrgbClr r="0" g="0" b="0"/>
+        </a:fillRef>
+        <a:effectRef idx="0">
+          <a:scrgbClr r="0" g="0" b="0"/>
+        </a:effectRef>
+        <a:fontRef idx="minor">
+          <a:schemeClr val="lt1"/>
+        </a:fontRef>
+      </dsp:style>
+    </dsp:sp>
+    <dsp:sp modelId="{2223D9BC-B34C-4A4C-8470-C3A502B48FB6}">
+      <dsp:nvSpPr>
+        <dsp:cNvPr id="0" name=""/>
+        <dsp:cNvSpPr/>
+      </dsp:nvSpPr>
+      <dsp:spPr>
+        <a:xfrm>
+          <a:off x="7005124" y="2304069"/>
+          <a:ext cx="2846016" cy="720000"/>
+        </a:xfrm>
+        <a:prstGeom prst="rect">
+          <a:avLst/>
+        </a:prstGeom>
+        <a:noFill/>
+        <a:ln>
+          <a:noFill/>
+        </a:ln>
+        <a:effectLst/>
+      </dsp:spPr>
+      <dsp:style>
+        <a:lnRef idx="0">
+          <a:scrgbClr r="0" g="0" b="0"/>
+        </a:lnRef>
+        <a:fillRef idx="0">
+          <a:scrgbClr r="0" g="0" b="0"/>
+        </a:fillRef>
+        <a:effectRef idx="0">
+          <a:scrgbClr r="0" g="0" b="0"/>
+        </a:effectRef>
+        <a:fontRef idx="minor"/>
+      </dsp:style>
+      <dsp:txBody>
+        <a:bodyPr spcFirstLastPara="0" vert="horz" wrap="square" lIns="0" tIns="0" rIns="0" bIns="0" numCol="1" spcCol="1270" anchor="t" anchorCtr="0">
+          <a:noAutofit/>
+        </a:bodyPr>
+        <a:lstStyle/>
+        <a:p>
+          <a:pPr marL="0" lvl="0" indent="0" algn="ctr" defTabSz="889000">
+            <a:lnSpc>
+              <a:spcPct val="100000"/>
+            </a:lnSpc>
+            <a:spcBef>
+              <a:spcPct val="0"/>
+            </a:spcBef>
+            <a:spcAft>
+              <a:spcPct val="35000"/>
+            </a:spcAft>
+            <a:buNone/>
+          </a:pPr>
+          <a:r>
+            <a:rPr lang="pt-PT" sz="2000" kern="1200" dirty="0">
+              <a:latin typeface="Verdana" panose="020B0604030504040204" pitchFamily="34" charset="0"/>
+              <a:ea typeface="Verdana" panose="020B0604030504040204" pitchFamily="34" charset="0"/>
+            </a:rPr>
+            <a:t>Análise Crítica do Projeto</a:t>
+          </a:r>
+          <a:endParaRPr lang="en-US" sz="2000" kern="1200" dirty="0">
+            <a:latin typeface="Verdana" panose="020B0604030504040204" pitchFamily="34" charset="0"/>
+            <a:ea typeface="Verdana" panose="020B0604030504040204" pitchFamily="34" charset="0"/>
+          </a:endParaRPr>
+        </a:p>
+      </dsp:txBody>
+      <dsp:txXfrm>
+        <a:off x="7005124" y="2304069"/>
+        <a:ext cx="2846016" cy="720000"/>
       </dsp:txXfrm>
     </dsp:sp>
   </dsp:spTree>
@@ -15436,6 +17296,196 @@
 </dgm:layoutDef>
 </file>
 
+<file path=ppt/diagrams/layout7.xml><?xml version="1.0" encoding="utf-8"?>
+<dgm:layoutDef xmlns:dgm="http://schemas.openxmlformats.org/drawingml/2006/diagram" xmlns:a="http://schemas.openxmlformats.org/drawingml/2006/main" uniqueId="urn:microsoft.com/office/officeart/2018/2/layout/IconLabelList">
+  <dgm:title val="Icon Label List"/>
+  <dgm:desc val="Use to show non-sequential or grouped chunks of information accompanied by a related visuals. Works best with icons or small pictures with short text captions."/>
+  <dgm:catLst>
+    <dgm:cat type="icon" pri="500"/>
+  </dgm:catLst>
+  <dgm:sampData useDef="1">
+    <dgm:dataModel>
+      <dgm:ptLst/>
+      <dgm:bg/>
+      <dgm:whole/>
+    </dgm:dataModel>
+  </dgm:sampData>
+  <dgm:styleData useDef="1">
+    <dgm:dataModel>
+      <dgm:ptLst/>
+      <dgm:bg/>
+      <dgm:whole/>
+    </dgm:dataModel>
+  </dgm:styleData>
+  <dgm:clrData useDef="1">
+    <dgm:dataModel>
+      <dgm:ptLst/>
+      <dgm:bg/>
+      <dgm:whole/>
+    </dgm:dataModel>
+  </dgm:clrData>
+  <dgm:layoutNode name="root">
+    <dgm:varLst>
+      <dgm:dir/>
+      <dgm:resizeHandles val="exact"/>
+    </dgm:varLst>
+    <dgm:choose name="Name0">
+      <dgm:if name="Name1" axis="self" func="var" arg="dir" op="equ" val="norm">
+        <dgm:alg type="snake">
+          <dgm:param type="grDir" val="tL"/>
+          <dgm:param type="flowDir" val="row"/>
+          <dgm:param type="contDir" val="sameDir"/>
+          <dgm:param type="off" val="ctr"/>
+          <dgm:param type="vertAlign" val="mid"/>
+          <dgm:param type="horzAlign" val="ctr"/>
+        </dgm:alg>
+      </dgm:if>
+      <dgm:else name="Name2">
+        <dgm:alg type="snake">
+          <dgm:param type="grDir" val="tR"/>
+          <dgm:param type="flowDir" val="row"/>
+          <dgm:param type="contDir" val="sameDir"/>
+          <dgm:param type="off" val="ctr"/>
+          <dgm:param type="vertAlign" val="mid"/>
+          <dgm:param type="horzAlign" val="ctr"/>
+        </dgm:alg>
+      </dgm:else>
+    </dgm:choose>
+    <dgm:shape xmlns:r="http://schemas.openxmlformats.org/officeDocument/2006/relationships" r:blip="">
+      <dgm:adjLst/>
+    </dgm:shape>
+    <dgm:presOf/>
+    <dgm:choose name="Name3">
+      <dgm:if name="Name4" axis="ch" ptType="node" func="cnt" op="lte" val="2">
+        <dgm:constrLst>
+          <dgm:constr type="h" for="ch" forName="compNode" refType="h" fact="0.4"/>
+          <dgm:constr type="w" for="ch" forName="compNode" val="120"/>
+          <dgm:constr type="w" for="ch" forName="sibTrans" refType="w" refFor="ch" refForName="compNode" fact="0.175"/>
+          <dgm:constr type="sp" refType="w" refFor="ch" refForName="compNode" op="equ" fact="0.25"/>
+          <dgm:constr type="primFontSz" for="des" ptType="node" op="equ" val="50"/>
+          <dgm:constr type="h" for="des" forName="compNode" op="equ"/>
+          <dgm:constr type="h" for="des" forName="textRect" op="equ"/>
+        </dgm:constrLst>
+      </dgm:if>
+      <dgm:if name="Name5" axis="ch" ptType="node" func="cnt" op="lte" val="4">
+        <dgm:constrLst>
+          <dgm:constr type="h" for="ch" forName="compNode" refType="h" fact="0.4"/>
+          <dgm:constr type="w" for="ch" forName="compNode" refType="w"/>
+          <dgm:constr type="w" for="ch" forName="sibTrans" refType="w" refFor="ch" refForName="compNode" fact="0.175"/>
+          <dgm:constr type="sp" refType="w" refFor="ch" refForName="compNode" op="equ" fact="0.25"/>
+          <dgm:constr type="primFontSz" for="des" ptType="node" op="equ" val="36"/>
+          <dgm:constr type="h" for="des" forName="compNode" op="equ"/>
+          <dgm:constr type="h" for="des" forName="textRect" op="equ"/>
+        </dgm:constrLst>
+      </dgm:if>
+      <dgm:else name="Name6">
+        <dgm:constrLst>
+          <dgm:constr type="h" for="ch" forName="compNode" refType="h" fact="0.4"/>
+          <dgm:constr type="w" for="ch" forName="compNode" refType="w"/>
+          <dgm:constr type="w" for="ch" forName="sibTrans" refType="w" refFor="ch" refForName="compNode" fact="0.175"/>
+          <dgm:constr type="sp" refType="w" refFor="ch" refForName="compNode" op="equ" fact="0.25"/>
+          <dgm:constr type="primFontSz" for="des" ptType="node" op="equ" val="24"/>
+          <dgm:constr type="h" for="des" forName="compNode" op="equ"/>
+          <dgm:constr type="h" for="des" forName="textRect" op="equ"/>
+        </dgm:constrLst>
+      </dgm:else>
+    </dgm:choose>
+    <dgm:ruleLst>
+      <dgm:rule type="w" for="ch" forName="compNode" val="50" fact="NaN" max="NaN"/>
+    </dgm:ruleLst>
+    <dgm:forEach name="Name7" axis="ch" ptType="node">
+      <dgm:layoutNode name="compNode">
+        <dgm:alg type="composite"/>
+        <dgm:shape xmlns:r="http://schemas.openxmlformats.org/officeDocument/2006/relationships" r:blip="">
+          <dgm:adjLst/>
+        </dgm:shape>
+        <dgm:presOf axis="self"/>
+        <dgm:constrLst>
+          <dgm:constr type="w" for="ch" forName="iconRect" refType="w" fact="0.45"/>
+          <dgm:constr type="h" for="ch" forName="iconRect" refType="w" refFor="ch" refForName="iconRect"/>
+          <dgm:constr type="ctrX" for="ch" forName="iconRect" refType="w" fact="0.5"/>
+          <dgm:constr type="t" for="ch" forName="iconRect"/>
+          <dgm:constr type="h" for="ch" forName="spaceRect" refType="h" fact="0.15"/>
+          <dgm:constr type="w" for="ch" forName="spaceRect" refType="w"/>
+          <dgm:constr type="l" for="ch" forName="spaceRect"/>
+          <dgm:constr type="t" for="ch" forName="spaceRect" refType="b" refFor="ch" refForName="iconRect"/>
+          <dgm:constr type="h" for="ch" forName="textRect" val="20"/>
+          <dgm:constr type="w" for="ch" forName="textRect" refType="w"/>
+          <dgm:constr type="l" for="ch" forName="textRect"/>
+          <dgm:constr type="t" for="ch" forName="textRect" refType="b" refFor="ch" refForName="spaceRect"/>
+        </dgm:constrLst>
+        <dgm:ruleLst>
+          <dgm:rule type="h" val="INF" fact="NaN" max="NaN"/>
+        </dgm:ruleLst>
+        <dgm:layoutNode name="iconRect" styleLbl="node1">
+          <dgm:alg type="sp"/>
+          <dgm:shape xmlns:r="http://schemas.openxmlformats.org/officeDocument/2006/relationships" type="rect" r:blip="" blipPhldr="1">
+            <dgm:adjLst/>
+          </dgm:shape>
+          <dgm:presOf/>
+          <dgm:constrLst/>
+          <dgm:ruleLst/>
+        </dgm:layoutNode>
+        <dgm:layoutNode name="spaceRect">
+          <dgm:alg type="sp"/>
+          <dgm:shape xmlns:r="http://schemas.openxmlformats.org/officeDocument/2006/relationships" r:blip="">
+            <dgm:adjLst/>
+          </dgm:shape>
+          <dgm:presOf/>
+          <dgm:constrLst/>
+          <dgm:ruleLst/>
+        </dgm:layoutNode>
+        <dgm:layoutNode name="textRect" styleLbl="revTx">
+          <dgm:varLst>
+            <dgm:chMax val="1"/>
+            <dgm:chPref val="1"/>
+          </dgm:varLst>
+          <dgm:alg type="tx">
+            <dgm:param type="txAnchorVert" val="t"/>
+          </dgm:alg>
+          <dgm:shape xmlns:r="http://schemas.openxmlformats.org/officeDocument/2006/relationships" type="rect" r:blip="">
+            <dgm:adjLst/>
+          </dgm:shape>
+          <dgm:presOf axis="self" ptType="node"/>
+          <dgm:constrLst>
+            <dgm:constr type="lMarg"/>
+            <dgm:constr type="rMarg"/>
+            <dgm:constr type="tMarg"/>
+            <dgm:constr type="bMarg"/>
+          </dgm:constrLst>
+          <dgm:ruleLst>
+            <dgm:rule type="primFontSz" val="11" fact="NaN" max="NaN"/>
+            <dgm:rule type="h" val="INF" fact="NaN" max="NaN"/>
+          </dgm:ruleLst>
+        </dgm:layoutNode>
+      </dgm:layoutNode>
+      <dgm:forEach name="Name8" axis="followSib" ptType="sibTrans" cnt="1">
+        <dgm:layoutNode name="sibTrans">
+          <dgm:alg type="sp"/>
+          <dgm:shape xmlns:r="http://schemas.openxmlformats.org/officeDocument/2006/relationships" r:blip="">
+            <dgm:adjLst/>
+          </dgm:shape>
+          <dgm:presOf axis="self"/>
+          <dgm:constrLst/>
+          <dgm:ruleLst/>
+        </dgm:layoutNode>
+      </dgm:forEach>
+    </dgm:forEach>
+  </dgm:layoutNode>
+  <dgm:extLst>
+    <a:ext uri="{68A01E43-0DF5-4B5B-8FA6-DAF915123BFB}">
+      <dgm1612:lstStyle xmlns:dgm1612="http://schemas.microsoft.com/office/drawing/2016/12/diagram">
+        <a:lvl1pPr>
+          <a:lnSpc>
+            <a:spcPct val="100000"/>
+          </a:lnSpc>
+        </a:lvl1pPr>
+      </dgm1612:lstStyle>
+    </a:ext>
+  </dgm:extLst>
+</dgm:layoutDef>
+</file>
+
 <file path=ppt/diagrams/quickStyle1.xml><?xml version="1.0" encoding="utf-8"?>
 <dgm:styleDef xmlns:dgm="http://schemas.openxmlformats.org/drawingml/2006/diagram" xmlns:a="http://schemas.openxmlformats.org/drawingml/2006/main" uniqueId="urn:microsoft.com/office/officeart/2005/8/quickstyle/simple3">
   <dgm:title val=""/>
@@ -21716,6 +23766,1040 @@
         <a:scrgbClr r="0" g="0" b="0"/>
       </a:fillRef>
       <a:effectRef idx="3">
+        <a:scrgbClr r="0" g="0" b="0"/>
+      </a:effectRef>
+      <a:fontRef idx="minor"/>
+    </dgm:style>
+  </dgm:styleLbl>
+  <dgm:styleLbl name="revTx">
+    <dgm:scene3d>
+      <a:camera prst="orthographicFront"/>
+      <a:lightRig rig="threePt" dir="t"/>
+    </dgm:scene3d>
+    <dgm:sp3d/>
+    <dgm:txPr/>
+    <dgm:style>
+      <a:lnRef idx="0">
+        <a:scrgbClr r="0" g="0" b="0"/>
+      </a:lnRef>
+      <a:fillRef idx="0">
+        <a:scrgbClr r="0" g="0" b="0"/>
+      </a:fillRef>
+      <a:effectRef idx="0">
+        <a:scrgbClr r="0" g="0" b="0"/>
+      </a:effectRef>
+      <a:fontRef idx="minor"/>
+    </dgm:style>
+  </dgm:styleLbl>
+</dgm:styleDef>
+</file>
+
+<file path=ppt/diagrams/quickStyle7.xml><?xml version="1.0" encoding="utf-8"?>
+<dgm:styleDef xmlns:dgm="http://schemas.openxmlformats.org/drawingml/2006/diagram" xmlns:a="http://schemas.openxmlformats.org/drawingml/2006/main" uniqueId="urn:microsoft.com/office/officeart/2005/8/quickstyle/simple1">
+  <dgm:title val=""/>
+  <dgm:desc val=""/>
+  <dgm:catLst>
+    <dgm:cat type="simple" pri="10100"/>
+  </dgm:catLst>
+  <dgm:scene3d>
+    <a:camera prst="orthographicFront"/>
+    <a:lightRig rig="threePt" dir="t"/>
+  </dgm:scene3d>
+  <dgm:styleLbl name="node0">
+    <dgm:scene3d>
+      <a:camera prst="orthographicFront"/>
+      <a:lightRig rig="threePt" dir="t"/>
+    </dgm:scene3d>
+    <dgm:sp3d/>
+    <dgm:txPr/>
+    <dgm:style>
+      <a:lnRef idx="2">
+        <a:scrgbClr r="0" g="0" b="0"/>
+      </a:lnRef>
+      <a:fillRef idx="1">
+        <a:scrgbClr r="0" g="0" b="0"/>
+      </a:fillRef>
+      <a:effectRef idx="0">
+        <a:scrgbClr r="0" g="0" b="0"/>
+      </a:effectRef>
+      <a:fontRef idx="minor">
+        <a:schemeClr val="lt1"/>
+      </a:fontRef>
+    </dgm:style>
+  </dgm:styleLbl>
+  <dgm:styleLbl name="lnNode1">
+    <dgm:scene3d>
+      <a:camera prst="orthographicFront"/>
+      <a:lightRig rig="threePt" dir="t"/>
+    </dgm:scene3d>
+    <dgm:sp3d/>
+    <dgm:txPr/>
+    <dgm:style>
+      <a:lnRef idx="2">
+        <a:scrgbClr r="0" g="0" b="0"/>
+      </a:lnRef>
+      <a:fillRef idx="1">
+        <a:scrgbClr r="0" g="0" b="0"/>
+      </a:fillRef>
+      <a:effectRef idx="0">
+        <a:scrgbClr r="0" g="0" b="0"/>
+      </a:effectRef>
+      <a:fontRef idx="minor">
+        <a:schemeClr val="lt1"/>
+      </a:fontRef>
+    </dgm:style>
+  </dgm:styleLbl>
+  <dgm:styleLbl name="vennNode1">
+    <dgm:scene3d>
+      <a:camera prst="orthographicFront"/>
+      <a:lightRig rig="threePt" dir="t"/>
+    </dgm:scene3d>
+    <dgm:sp3d/>
+    <dgm:txPr/>
+    <dgm:style>
+      <a:lnRef idx="2">
+        <a:scrgbClr r="0" g="0" b="0"/>
+      </a:lnRef>
+      <a:fillRef idx="1">
+        <a:scrgbClr r="0" g="0" b="0"/>
+      </a:fillRef>
+      <a:effectRef idx="0">
+        <a:scrgbClr r="0" g="0" b="0"/>
+      </a:effectRef>
+      <a:fontRef idx="minor">
+        <a:schemeClr val="tx1"/>
+      </a:fontRef>
+    </dgm:style>
+  </dgm:styleLbl>
+  <dgm:styleLbl name="alignNode1">
+    <dgm:scene3d>
+      <a:camera prst="orthographicFront"/>
+      <a:lightRig rig="threePt" dir="t"/>
+    </dgm:scene3d>
+    <dgm:sp3d/>
+    <dgm:txPr/>
+    <dgm:style>
+      <a:lnRef idx="2">
+        <a:scrgbClr r="0" g="0" b="0"/>
+      </a:lnRef>
+      <a:fillRef idx="1">
+        <a:scrgbClr r="0" g="0" b="0"/>
+      </a:fillRef>
+      <a:effectRef idx="0">
+        <a:scrgbClr r="0" g="0" b="0"/>
+      </a:effectRef>
+      <a:fontRef idx="minor">
+        <a:schemeClr val="lt1"/>
+      </a:fontRef>
+    </dgm:style>
+  </dgm:styleLbl>
+  <dgm:styleLbl name="node1">
+    <dgm:scene3d>
+      <a:camera prst="orthographicFront"/>
+      <a:lightRig rig="threePt" dir="t"/>
+    </dgm:scene3d>
+    <dgm:sp3d/>
+    <dgm:txPr/>
+    <dgm:style>
+      <a:lnRef idx="2">
+        <a:scrgbClr r="0" g="0" b="0"/>
+      </a:lnRef>
+      <a:fillRef idx="1">
+        <a:scrgbClr r="0" g="0" b="0"/>
+      </a:fillRef>
+      <a:effectRef idx="0">
+        <a:scrgbClr r="0" g="0" b="0"/>
+      </a:effectRef>
+      <a:fontRef idx="minor">
+        <a:schemeClr val="lt1"/>
+      </a:fontRef>
+    </dgm:style>
+  </dgm:styleLbl>
+  <dgm:styleLbl name="node2">
+    <dgm:scene3d>
+      <a:camera prst="orthographicFront"/>
+      <a:lightRig rig="threePt" dir="t"/>
+    </dgm:scene3d>
+    <dgm:sp3d/>
+    <dgm:txPr/>
+    <dgm:style>
+      <a:lnRef idx="2">
+        <a:scrgbClr r="0" g="0" b="0"/>
+      </a:lnRef>
+      <a:fillRef idx="1">
+        <a:scrgbClr r="0" g="0" b="0"/>
+      </a:fillRef>
+      <a:effectRef idx="0">
+        <a:scrgbClr r="0" g="0" b="0"/>
+      </a:effectRef>
+      <a:fontRef idx="minor">
+        <a:schemeClr val="lt1"/>
+      </a:fontRef>
+    </dgm:style>
+  </dgm:styleLbl>
+  <dgm:styleLbl name="node3">
+    <dgm:scene3d>
+      <a:camera prst="orthographicFront"/>
+      <a:lightRig rig="threePt" dir="t"/>
+    </dgm:scene3d>
+    <dgm:sp3d/>
+    <dgm:txPr/>
+    <dgm:style>
+      <a:lnRef idx="2">
+        <a:scrgbClr r="0" g="0" b="0"/>
+      </a:lnRef>
+      <a:fillRef idx="1">
+        <a:scrgbClr r="0" g="0" b="0"/>
+      </a:fillRef>
+      <a:effectRef idx="0">
+        <a:scrgbClr r="0" g="0" b="0"/>
+      </a:effectRef>
+      <a:fontRef idx="minor">
+        <a:schemeClr val="lt1"/>
+      </a:fontRef>
+    </dgm:style>
+  </dgm:styleLbl>
+  <dgm:styleLbl name="node4">
+    <dgm:scene3d>
+      <a:camera prst="orthographicFront"/>
+      <a:lightRig rig="threePt" dir="t"/>
+    </dgm:scene3d>
+    <dgm:sp3d/>
+    <dgm:txPr/>
+    <dgm:style>
+      <a:lnRef idx="2">
+        <a:scrgbClr r="0" g="0" b="0"/>
+      </a:lnRef>
+      <a:fillRef idx="1">
+        <a:scrgbClr r="0" g="0" b="0"/>
+      </a:fillRef>
+      <a:effectRef idx="0">
+        <a:scrgbClr r="0" g="0" b="0"/>
+      </a:effectRef>
+      <a:fontRef idx="minor">
+        <a:schemeClr val="lt1"/>
+      </a:fontRef>
+    </dgm:style>
+  </dgm:styleLbl>
+  <dgm:styleLbl name="fgImgPlace1">
+    <dgm:scene3d>
+      <a:camera prst="orthographicFront"/>
+      <a:lightRig rig="threePt" dir="t"/>
+    </dgm:scene3d>
+    <dgm:sp3d/>
+    <dgm:txPr/>
+    <dgm:style>
+      <a:lnRef idx="2">
+        <a:scrgbClr r="0" g="0" b="0"/>
+      </a:lnRef>
+      <a:fillRef idx="1">
+        <a:scrgbClr r="0" g="0" b="0"/>
+      </a:fillRef>
+      <a:effectRef idx="0">
+        <a:scrgbClr r="0" g="0" b="0"/>
+      </a:effectRef>
+      <a:fontRef idx="minor"/>
+    </dgm:style>
+  </dgm:styleLbl>
+  <dgm:styleLbl name="alignImgPlace1">
+    <dgm:scene3d>
+      <a:camera prst="orthographicFront"/>
+      <a:lightRig rig="threePt" dir="t"/>
+    </dgm:scene3d>
+    <dgm:sp3d/>
+    <dgm:txPr/>
+    <dgm:style>
+      <a:lnRef idx="2">
+        <a:scrgbClr r="0" g="0" b="0"/>
+      </a:lnRef>
+      <a:fillRef idx="1">
+        <a:scrgbClr r="0" g="0" b="0"/>
+      </a:fillRef>
+      <a:effectRef idx="0">
+        <a:scrgbClr r="0" g="0" b="0"/>
+      </a:effectRef>
+      <a:fontRef idx="minor"/>
+    </dgm:style>
+  </dgm:styleLbl>
+  <dgm:styleLbl name="bgImgPlace1">
+    <dgm:scene3d>
+      <a:camera prst="orthographicFront"/>
+      <a:lightRig rig="threePt" dir="t"/>
+    </dgm:scene3d>
+    <dgm:sp3d/>
+    <dgm:txPr/>
+    <dgm:style>
+      <a:lnRef idx="2">
+        <a:scrgbClr r="0" g="0" b="0"/>
+      </a:lnRef>
+      <a:fillRef idx="1">
+        <a:scrgbClr r="0" g="0" b="0"/>
+      </a:fillRef>
+      <a:effectRef idx="0">
+        <a:scrgbClr r="0" g="0" b="0"/>
+      </a:effectRef>
+      <a:fontRef idx="minor"/>
+    </dgm:style>
+  </dgm:styleLbl>
+  <dgm:styleLbl name="sibTrans2D1">
+    <dgm:scene3d>
+      <a:camera prst="orthographicFront"/>
+      <a:lightRig rig="threePt" dir="t"/>
+    </dgm:scene3d>
+    <dgm:sp3d/>
+    <dgm:txPr/>
+    <dgm:style>
+      <a:lnRef idx="0">
+        <a:scrgbClr r="0" g="0" b="0"/>
+      </a:lnRef>
+      <a:fillRef idx="1">
+        <a:scrgbClr r="0" g="0" b="0"/>
+      </a:fillRef>
+      <a:effectRef idx="0">
+        <a:scrgbClr r="0" g="0" b="0"/>
+      </a:effectRef>
+      <a:fontRef idx="minor">
+        <a:schemeClr val="lt1"/>
+      </a:fontRef>
+    </dgm:style>
+  </dgm:styleLbl>
+  <dgm:styleLbl name="fgSibTrans2D1">
+    <dgm:scene3d>
+      <a:camera prst="orthographicFront"/>
+      <a:lightRig rig="threePt" dir="t"/>
+    </dgm:scene3d>
+    <dgm:sp3d/>
+    <dgm:txPr/>
+    <dgm:style>
+      <a:lnRef idx="0">
+        <a:scrgbClr r="0" g="0" b="0"/>
+      </a:lnRef>
+      <a:fillRef idx="1">
+        <a:scrgbClr r="0" g="0" b="0"/>
+      </a:fillRef>
+      <a:effectRef idx="0">
+        <a:scrgbClr r="0" g="0" b="0"/>
+      </a:effectRef>
+      <a:fontRef idx="minor">
+        <a:schemeClr val="lt1"/>
+      </a:fontRef>
+    </dgm:style>
+  </dgm:styleLbl>
+  <dgm:styleLbl name="bgSibTrans2D1">
+    <dgm:scene3d>
+      <a:camera prst="orthographicFront"/>
+      <a:lightRig rig="threePt" dir="t"/>
+    </dgm:scene3d>
+    <dgm:sp3d/>
+    <dgm:txPr/>
+    <dgm:style>
+      <a:lnRef idx="0">
+        <a:scrgbClr r="0" g="0" b="0"/>
+      </a:lnRef>
+      <a:fillRef idx="1">
+        <a:scrgbClr r="0" g="0" b="0"/>
+      </a:fillRef>
+      <a:effectRef idx="0">
+        <a:scrgbClr r="0" g="0" b="0"/>
+      </a:effectRef>
+      <a:fontRef idx="minor">
+        <a:schemeClr val="lt1"/>
+      </a:fontRef>
+    </dgm:style>
+  </dgm:styleLbl>
+  <dgm:styleLbl name="sibTrans1D1">
+    <dgm:scene3d>
+      <a:camera prst="orthographicFront"/>
+      <a:lightRig rig="threePt" dir="t"/>
+    </dgm:scene3d>
+    <dgm:sp3d/>
+    <dgm:txPr/>
+    <dgm:style>
+      <a:lnRef idx="1">
+        <a:scrgbClr r="0" g="0" b="0"/>
+      </a:lnRef>
+      <a:fillRef idx="0">
+        <a:scrgbClr r="0" g="0" b="0"/>
+      </a:fillRef>
+      <a:effectRef idx="0">
+        <a:scrgbClr r="0" g="0" b="0"/>
+      </a:effectRef>
+      <a:fontRef idx="minor"/>
+    </dgm:style>
+  </dgm:styleLbl>
+  <dgm:styleLbl name="callout">
+    <dgm:scene3d>
+      <a:camera prst="orthographicFront"/>
+      <a:lightRig rig="threePt" dir="t"/>
+    </dgm:scene3d>
+    <dgm:sp3d/>
+    <dgm:txPr/>
+    <dgm:style>
+      <a:lnRef idx="2">
+        <a:scrgbClr r="0" g="0" b="0"/>
+      </a:lnRef>
+      <a:fillRef idx="1">
+        <a:scrgbClr r="0" g="0" b="0"/>
+      </a:fillRef>
+      <a:effectRef idx="0">
+        <a:scrgbClr r="0" g="0" b="0"/>
+      </a:effectRef>
+      <a:fontRef idx="minor"/>
+    </dgm:style>
+  </dgm:styleLbl>
+  <dgm:styleLbl name="asst0">
+    <dgm:scene3d>
+      <a:camera prst="orthographicFront"/>
+      <a:lightRig rig="threePt" dir="t"/>
+    </dgm:scene3d>
+    <dgm:sp3d/>
+    <dgm:txPr/>
+    <dgm:style>
+      <a:lnRef idx="2">
+        <a:scrgbClr r="0" g="0" b="0"/>
+      </a:lnRef>
+      <a:fillRef idx="1">
+        <a:scrgbClr r="0" g="0" b="0"/>
+      </a:fillRef>
+      <a:effectRef idx="0">
+        <a:scrgbClr r="0" g="0" b="0"/>
+      </a:effectRef>
+      <a:fontRef idx="minor">
+        <a:schemeClr val="lt1"/>
+      </a:fontRef>
+    </dgm:style>
+  </dgm:styleLbl>
+  <dgm:styleLbl name="asst1">
+    <dgm:scene3d>
+      <a:camera prst="orthographicFront"/>
+      <a:lightRig rig="threePt" dir="t"/>
+    </dgm:scene3d>
+    <dgm:sp3d/>
+    <dgm:txPr/>
+    <dgm:style>
+      <a:lnRef idx="2">
+        <a:scrgbClr r="0" g="0" b="0"/>
+      </a:lnRef>
+      <a:fillRef idx="1">
+        <a:scrgbClr r="0" g="0" b="0"/>
+      </a:fillRef>
+      <a:effectRef idx="0">
+        <a:scrgbClr r="0" g="0" b="0"/>
+      </a:effectRef>
+      <a:fontRef idx="minor">
+        <a:schemeClr val="lt1"/>
+      </a:fontRef>
+    </dgm:style>
+  </dgm:styleLbl>
+  <dgm:styleLbl name="asst2">
+    <dgm:scene3d>
+      <a:camera prst="orthographicFront"/>
+      <a:lightRig rig="threePt" dir="t"/>
+    </dgm:scene3d>
+    <dgm:sp3d/>
+    <dgm:txPr/>
+    <dgm:style>
+      <a:lnRef idx="2">
+        <a:scrgbClr r="0" g="0" b="0"/>
+      </a:lnRef>
+      <a:fillRef idx="1">
+        <a:scrgbClr r="0" g="0" b="0"/>
+      </a:fillRef>
+      <a:effectRef idx="0">
+        <a:scrgbClr r="0" g="0" b="0"/>
+      </a:effectRef>
+      <a:fontRef idx="minor">
+        <a:schemeClr val="lt1"/>
+      </a:fontRef>
+    </dgm:style>
+  </dgm:styleLbl>
+  <dgm:styleLbl name="asst3">
+    <dgm:scene3d>
+      <a:camera prst="orthographicFront"/>
+      <a:lightRig rig="threePt" dir="t"/>
+    </dgm:scene3d>
+    <dgm:sp3d/>
+    <dgm:txPr/>
+    <dgm:style>
+      <a:lnRef idx="2">
+        <a:scrgbClr r="0" g="0" b="0"/>
+      </a:lnRef>
+      <a:fillRef idx="1">
+        <a:scrgbClr r="0" g="0" b="0"/>
+      </a:fillRef>
+      <a:effectRef idx="0">
+        <a:scrgbClr r="0" g="0" b="0"/>
+      </a:effectRef>
+      <a:fontRef idx="minor">
+        <a:schemeClr val="lt1"/>
+      </a:fontRef>
+    </dgm:style>
+  </dgm:styleLbl>
+  <dgm:styleLbl name="asst4">
+    <dgm:scene3d>
+      <a:camera prst="orthographicFront"/>
+      <a:lightRig rig="threePt" dir="t"/>
+    </dgm:scene3d>
+    <dgm:sp3d/>
+    <dgm:txPr/>
+    <dgm:style>
+      <a:lnRef idx="2">
+        <a:scrgbClr r="0" g="0" b="0"/>
+      </a:lnRef>
+      <a:fillRef idx="1">
+        <a:scrgbClr r="0" g="0" b="0"/>
+      </a:fillRef>
+      <a:effectRef idx="0">
+        <a:scrgbClr r="0" g="0" b="0"/>
+      </a:effectRef>
+      <a:fontRef idx="minor">
+        <a:schemeClr val="lt1"/>
+      </a:fontRef>
+    </dgm:style>
+  </dgm:styleLbl>
+  <dgm:styleLbl name="parChTrans2D1">
+    <dgm:scene3d>
+      <a:camera prst="orthographicFront"/>
+      <a:lightRig rig="threePt" dir="t"/>
+    </dgm:scene3d>
+    <dgm:sp3d/>
+    <dgm:txPr/>
+    <dgm:style>
+      <a:lnRef idx="2">
+        <a:scrgbClr r="0" g="0" b="0"/>
+      </a:lnRef>
+      <a:fillRef idx="1">
+        <a:scrgbClr r="0" g="0" b="0"/>
+      </a:fillRef>
+      <a:effectRef idx="0">
+        <a:scrgbClr r="0" g="0" b="0"/>
+      </a:effectRef>
+      <a:fontRef idx="minor">
+        <a:schemeClr val="lt1"/>
+      </a:fontRef>
+    </dgm:style>
+  </dgm:styleLbl>
+  <dgm:styleLbl name="parChTrans2D2">
+    <dgm:scene3d>
+      <a:camera prst="orthographicFront"/>
+      <a:lightRig rig="threePt" dir="t"/>
+    </dgm:scene3d>
+    <dgm:sp3d/>
+    <dgm:txPr/>
+    <dgm:style>
+      <a:lnRef idx="2">
+        <a:scrgbClr r="0" g="0" b="0"/>
+      </a:lnRef>
+      <a:fillRef idx="1">
+        <a:scrgbClr r="0" g="0" b="0"/>
+      </a:fillRef>
+      <a:effectRef idx="0">
+        <a:scrgbClr r="0" g="0" b="0"/>
+      </a:effectRef>
+      <a:fontRef idx="minor">
+        <a:schemeClr val="lt1"/>
+      </a:fontRef>
+    </dgm:style>
+  </dgm:styleLbl>
+  <dgm:styleLbl name="parChTrans2D3">
+    <dgm:scene3d>
+      <a:camera prst="orthographicFront"/>
+      <a:lightRig rig="threePt" dir="t"/>
+    </dgm:scene3d>
+    <dgm:sp3d/>
+    <dgm:txPr/>
+    <dgm:style>
+      <a:lnRef idx="2">
+        <a:scrgbClr r="0" g="0" b="0"/>
+      </a:lnRef>
+      <a:fillRef idx="1">
+        <a:scrgbClr r="0" g="0" b="0"/>
+      </a:fillRef>
+      <a:effectRef idx="0">
+        <a:scrgbClr r="0" g="0" b="0"/>
+      </a:effectRef>
+      <a:fontRef idx="minor">
+        <a:schemeClr val="lt1"/>
+      </a:fontRef>
+    </dgm:style>
+  </dgm:styleLbl>
+  <dgm:styleLbl name="parChTrans2D4">
+    <dgm:scene3d>
+      <a:camera prst="orthographicFront"/>
+      <a:lightRig rig="threePt" dir="t"/>
+    </dgm:scene3d>
+    <dgm:sp3d/>
+    <dgm:txPr/>
+    <dgm:style>
+      <a:lnRef idx="2">
+        <a:scrgbClr r="0" g="0" b="0"/>
+      </a:lnRef>
+      <a:fillRef idx="1">
+        <a:scrgbClr r="0" g="0" b="0"/>
+      </a:fillRef>
+      <a:effectRef idx="0">
+        <a:scrgbClr r="0" g="0" b="0"/>
+      </a:effectRef>
+      <a:fontRef idx="minor">
+        <a:schemeClr val="lt1"/>
+      </a:fontRef>
+    </dgm:style>
+  </dgm:styleLbl>
+  <dgm:styleLbl name="parChTrans1D1">
+    <dgm:scene3d>
+      <a:camera prst="orthographicFront"/>
+      <a:lightRig rig="threePt" dir="t"/>
+    </dgm:scene3d>
+    <dgm:sp3d/>
+    <dgm:txPr/>
+    <dgm:style>
+      <a:lnRef idx="2">
+        <a:scrgbClr r="0" g="0" b="0"/>
+      </a:lnRef>
+      <a:fillRef idx="0">
+        <a:scrgbClr r="0" g="0" b="0"/>
+      </a:fillRef>
+      <a:effectRef idx="0">
+        <a:scrgbClr r="0" g="0" b="0"/>
+      </a:effectRef>
+      <a:fontRef idx="minor"/>
+    </dgm:style>
+  </dgm:styleLbl>
+  <dgm:styleLbl name="parChTrans1D2">
+    <dgm:scene3d>
+      <a:camera prst="orthographicFront"/>
+      <a:lightRig rig="threePt" dir="t"/>
+    </dgm:scene3d>
+    <dgm:sp3d/>
+    <dgm:txPr/>
+    <dgm:style>
+      <a:lnRef idx="2">
+        <a:scrgbClr r="0" g="0" b="0"/>
+      </a:lnRef>
+      <a:fillRef idx="0">
+        <a:scrgbClr r="0" g="0" b="0"/>
+      </a:fillRef>
+      <a:effectRef idx="0">
+        <a:scrgbClr r="0" g="0" b="0"/>
+      </a:effectRef>
+      <a:fontRef idx="minor"/>
+    </dgm:style>
+  </dgm:styleLbl>
+  <dgm:styleLbl name="parChTrans1D3">
+    <dgm:scene3d>
+      <a:camera prst="orthographicFront"/>
+      <a:lightRig rig="threePt" dir="t"/>
+    </dgm:scene3d>
+    <dgm:sp3d/>
+    <dgm:txPr/>
+    <dgm:style>
+      <a:lnRef idx="2">
+        <a:scrgbClr r="0" g="0" b="0"/>
+      </a:lnRef>
+      <a:fillRef idx="0">
+        <a:scrgbClr r="0" g="0" b="0"/>
+      </a:fillRef>
+      <a:effectRef idx="0">
+        <a:scrgbClr r="0" g="0" b="0"/>
+      </a:effectRef>
+      <a:fontRef idx="minor"/>
+    </dgm:style>
+  </dgm:styleLbl>
+  <dgm:styleLbl name="parChTrans1D4">
+    <dgm:scene3d>
+      <a:camera prst="orthographicFront"/>
+      <a:lightRig rig="threePt" dir="t"/>
+    </dgm:scene3d>
+    <dgm:sp3d/>
+    <dgm:txPr/>
+    <dgm:style>
+      <a:lnRef idx="2">
+        <a:scrgbClr r="0" g="0" b="0"/>
+      </a:lnRef>
+      <a:fillRef idx="0">
+        <a:scrgbClr r="0" g="0" b="0"/>
+      </a:fillRef>
+      <a:effectRef idx="0">
+        <a:scrgbClr r="0" g="0" b="0"/>
+      </a:effectRef>
+      <a:fontRef idx="minor"/>
+    </dgm:style>
+  </dgm:styleLbl>
+  <dgm:styleLbl name="fgAcc1">
+    <dgm:scene3d>
+      <a:camera prst="orthographicFront"/>
+      <a:lightRig rig="threePt" dir="t"/>
+    </dgm:scene3d>
+    <dgm:sp3d/>
+    <dgm:txPr/>
+    <dgm:style>
+      <a:lnRef idx="2">
+        <a:scrgbClr r="0" g="0" b="0"/>
+      </a:lnRef>
+      <a:fillRef idx="1">
+        <a:scrgbClr r="0" g="0" b="0"/>
+      </a:fillRef>
+      <a:effectRef idx="0">
+        <a:scrgbClr r="0" g="0" b="0"/>
+      </a:effectRef>
+      <a:fontRef idx="minor"/>
+    </dgm:style>
+  </dgm:styleLbl>
+  <dgm:styleLbl name="conFgAcc1">
+    <dgm:scene3d>
+      <a:camera prst="orthographicFront"/>
+      <a:lightRig rig="threePt" dir="t"/>
+    </dgm:scene3d>
+    <dgm:sp3d/>
+    <dgm:txPr/>
+    <dgm:style>
+      <a:lnRef idx="2">
+        <a:scrgbClr r="0" g="0" b="0"/>
+      </a:lnRef>
+      <a:fillRef idx="1">
+        <a:scrgbClr r="0" g="0" b="0"/>
+      </a:fillRef>
+      <a:effectRef idx="0">
+        <a:scrgbClr r="0" g="0" b="0"/>
+      </a:effectRef>
+      <a:fontRef idx="minor"/>
+    </dgm:style>
+  </dgm:styleLbl>
+  <dgm:styleLbl name="alignAcc1">
+    <dgm:scene3d>
+      <a:camera prst="orthographicFront"/>
+      <a:lightRig rig="threePt" dir="t"/>
+    </dgm:scene3d>
+    <dgm:sp3d/>
+    <dgm:txPr/>
+    <dgm:style>
+      <a:lnRef idx="2">
+        <a:scrgbClr r="0" g="0" b="0"/>
+      </a:lnRef>
+      <a:fillRef idx="1">
+        <a:scrgbClr r="0" g="0" b="0"/>
+      </a:fillRef>
+      <a:effectRef idx="0">
+        <a:scrgbClr r="0" g="0" b="0"/>
+      </a:effectRef>
+      <a:fontRef idx="minor"/>
+    </dgm:style>
+  </dgm:styleLbl>
+  <dgm:styleLbl name="trAlignAcc1">
+    <dgm:scene3d>
+      <a:camera prst="orthographicFront"/>
+      <a:lightRig rig="threePt" dir="t"/>
+    </dgm:scene3d>
+    <dgm:sp3d/>
+    <dgm:txPr/>
+    <dgm:style>
+      <a:lnRef idx="1">
+        <a:scrgbClr r="0" g="0" b="0"/>
+      </a:lnRef>
+      <a:fillRef idx="1">
+        <a:scrgbClr r="0" g="0" b="0"/>
+      </a:fillRef>
+      <a:effectRef idx="0">
+        <a:scrgbClr r="0" g="0" b="0"/>
+      </a:effectRef>
+      <a:fontRef idx="minor"/>
+    </dgm:style>
+  </dgm:styleLbl>
+  <dgm:styleLbl name="bgAcc1">
+    <dgm:scene3d>
+      <a:camera prst="orthographicFront"/>
+      <a:lightRig rig="threePt" dir="t"/>
+    </dgm:scene3d>
+    <dgm:sp3d/>
+    <dgm:txPr/>
+    <dgm:style>
+      <a:lnRef idx="2">
+        <a:scrgbClr r="0" g="0" b="0"/>
+      </a:lnRef>
+      <a:fillRef idx="1">
+        <a:scrgbClr r="0" g="0" b="0"/>
+      </a:fillRef>
+      <a:effectRef idx="0">
+        <a:scrgbClr r="0" g="0" b="0"/>
+      </a:effectRef>
+      <a:fontRef idx="minor"/>
+    </dgm:style>
+  </dgm:styleLbl>
+  <dgm:styleLbl name="solidFgAcc1">
+    <dgm:scene3d>
+      <a:camera prst="orthographicFront"/>
+      <a:lightRig rig="threePt" dir="t"/>
+    </dgm:scene3d>
+    <dgm:sp3d/>
+    <dgm:txPr/>
+    <dgm:style>
+      <a:lnRef idx="2">
+        <a:scrgbClr r="0" g="0" b="0"/>
+      </a:lnRef>
+      <a:fillRef idx="1">
+        <a:scrgbClr r="0" g="0" b="0"/>
+      </a:fillRef>
+      <a:effectRef idx="0">
+        <a:scrgbClr r="0" g="0" b="0"/>
+      </a:effectRef>
+      <a:fontRef idx="minor"/>
+    </dgm:style>
+  </dgm:styleLbl>
+  <dgm:styleLbl name="solidAlignAcc1">
+    <dgm:scene3d>
+      <a:camera prst="orthographicFront"/>
+      <a:lightRig rig="threePt" dir="t"/>
+    </dgm:scene3d>
+    <dgm:sp3d/>
+    <dgm:txPr/>
+    <dgm:style>
+      <a:lnRef idx="2">
+        <a:scrgbClr r="0" g="0" b="0"/>
+      </a:lnRef>
+      <a:fillRef idx="1">
+        <a:scrgbClr r="0" g="0" b="0"/>
+      </a:fillRef>
+      <a:effectRef idx="0">
+        <a:scrgbClr r="0" g="0" b="0"/>
+      </a:effectRef>
+      <a:fontRef idx="minor"/>
+    </dgm:style>
+  </dgm:styleLbl>
+  <dgm:styleLbl name="solidBgAcc1">
+    <dgm:scene3d>
+      <a:camera prst="orthographicFront"/>
+      <a:lightRig rig="threePt" dir="t"/>
+    </dgm:scene3d>
+    <dgm:sp3d/>
+    <dgm:txPr/>
+    <dgm:style>
+      <a:lnRef idx="2">
+        <a:scrgbClr r="0" g="0" b="0"/>
+      </a:lnRef>
+      <a:fillRef idx="1">
+        <a:scrgbClr r="0" g="0" b="0"/>
+      </a:fillRef>
+      <a:effectRef idx="0">
+        <a:scrgbClr r="0" g="0" b="0"/>
+      </a:effectRef>
+      <a:fontRef idx="minor"/>
+    </dgm:style>
+  </dgm:styleLbl>
+  <dgm:styleLbl name="fgAccFollowNode1">
+    <dgm:scene3d>
+      <a:camera prst="orthographicFront"/>
+      <a:lightRig rig="threePt" dir="t"/>
+    </dgm:scene3d>
+    <dgm:sp3d/>
+    <dgm:txPr/>
+    <dgm:style>
+      <a:lnRef idx="2">
+        <a:scrgbClr r="0" g="0" b="0"/>
+      </a:lnRef>
+      <a:fillRef idx="1">
+        <a:scrgbClr r="0" g="0" b="0"/>
+      </a:fillRef>
+      <a:effectRef idx="0">
+        <a:scrgbClr r="0" g="0" b="0"/>
+      </a:effectRef>
+      <a:fontRef idx="minor"/>
+    </dgm:style>
+  </dgm:styleLbl>
+  <dgm:styleLbl name="alignAccFollowNode1">
+    <dgm:scene3d>
+      <a:camera prst="orthographicFront"/>
+      <a:lightRig rig="threePt" dir="t"/>
+    </dgm:scene3d>
+    <dgm:sp3d/>
+    <dgm:txPr/>
+    <dgm:style>
+      <a:lnRef idx="2">
+        <a:scrgbClr r="0" g="0" b="0"/>
+      </a:lnRef>
+      <a:fillRef idx="1">
+        <a:scrgbClr r="0" g="0" b="0"/>
+      </a:fillRef>
+      <a:effectRef idx="0">
+        <a:scrgbClr r="0" g="0" b="0"/>
+      </a:effectRef>
+      <a:fontRef idx="minor"/>
+    </dgm:style>
+  </dgm:styleLbl>
+  <dgm:styleLbl name="bgAccFollowNode1">
+    <dgm:scene3d>
+      <a:camera prst="orthographicFront"/>
+      <a:lightRig rig="threePt" dir="t"/>
+    </dgm:scene3d>
+    <dgm:sp3d/>
+    <dgm:txPr/>
+    <dgm:style>
+      <a:lnRef idx="2">
+        <a:scrgbClr r="0" g="0" b="0"/>
+      </a:lnRef>
+      <a:fillRef idx="1">
+        <a:scrgbClr r="0" g="0" b="0"/>
+      </a:fillRef>
+      <a:effectRef idx="0">
+        <a:scrgbClr r="0" g="0" b="0"/>
+      </a:effectRef>
+      <a:fontRef idx="minor"/>
+    </dgm:style>
+  </dgm:styleLbl>
+  <dgm:styleLbl name="fgAcc0">
+    <dgm:scene3d>
+      <a:camera prst="orthographicFront"/>
+      <a:lightRig rig="threePt" dir="t"/>
+    </dgm:scene3d>
+    <dgm:sp3d/>
+    <dgm:txPr/>
+    <dgm:style>
+      <a:lnRef idx="2">
+        <a:scrgbClr r="0" g="0" b="0"/>
+      </a:lnRef>
+      <a:fillRef idx="1">
+        <a:scrgbClr r="0" g="0" b="0"/>
+      </a:fillRef>
+      <a:effectRef idx="0">
+        <a:scrgbClr r="0" g="0" b="0"/>
+      </a:effectRef>
+      <a:fontRef idx="minor"/>
+    </dgm:style>
+  </dgm:styleLbl>
+  <dgm:styleLbl name="fgAcc2">
+    <dgm:scene3d>
+      <a:camera prst="orthographicFront"/>
+      <a:lightRig rig="threePt" dir="t"/>
+    </dgm:scene3d>
+    <dgm:sp3d/>
+    <dgm:txPr/>
+    <dgm:style>
+      <a:lnRef idx="2">
+        <a:scrgbClr r="0" g="0" b="0"/>
+      </a:lnRef>
+      <a:fillRef idx="1">
+        <a:scrgbClr r="0" g="0" b="0"/>
+      </a:fillRef>
+      <a:effectRef idx="0">
+        <a:scrgbClr r="0" g="0" b="0"/>
+      </a:effectRef>
+      <a:fontRef idx="minor"/>
+    </dgm:style>
+  </dgm:styleLbl>
+  <dgm:styleLbl name="fgAcc3">
+    <dgm:scene3d>
+      <a:camera prst="orthographicFront"/>
+      <a:lightRig rig="threePt" dir="t"/>
+    </dgm:scene3d>
+    <dgm:sp3d/>
+    <dgm:txPr/>
+    <dgm:style>
+      <a:lnRef idx="2">
+        <a:scrgbClr r="0" g="0" b="0"/>
+      </a:lnRef>
+      <a:fillRef idx="1">
+        <a:scrgbClr r="0" g="0" b="0"/>
+      </a:fillRef>
+      <a:effectRef idx="0">
+        <a:scrgbClr r="0" g="0" b="0"/>
+      </a:effectRef>
+      <a:fontRef idx="minor"/>
+    </dgm:style>
+  </dgm:styleLbl>
+  <dgm:styleLbl name="fgAcc4">
+    <dgm:scene3d>
+      <a:camera prst="orthographicFront"/>
+      <a:lightRig rig="threePt" dir="t"/>
+    </dgm:scene3d>
+    <dgm:sp3d/>
+    <dgm:txPr/>
+    <dgm:style>
+      <a:lnRef idx="2">
+        <a:scrgbClr r="0" g="0" b="0"/>
+      </a:lnRef>
+      <a:fillRef idx="1">
+        <a:scrgbClr r="0" g="0" b="0"/>
+      </a:fillRef>
+      <a:effectRef idx="0">
+        <a:scrgbClr r="0" g="0" b="0"/>
+      </a:effectRef>
+      <a:fontRef idx="minor"/>
+    </dgm:style>
+  </dgm:styleLbl>
+  <dgm:styleLbl name="bgShp">
+    <dgm:scene3d>
+      <a:camera prst="orthographicFront"/>
+      <a:lightRig rig="threePt" dir="t"/>
+    </dgm:scene3d>
+    <dgm:sp3d/>
+    <dgm:txPr/>
+    <dgm:style>
+      <a:lnRef idx="0">
+        <a:scrgbClr r="0" g="0" b="0"/>
+      </a:lnRef>
+      <a:fillRef idx="1">
+        <a:scrgbClr r="0" g="0" b="0"/>
+      </a:fillRef>
+      <a:effectRef idx="0">
+        <a:scrgbClr r="0" g="0" b="0"/>
+      </a:effectRef>
+      <a:fontRef idx="minor"/>
+    </dgm:style>
+  </dgm:styleLbl>
+  <dgm:styleLbl name="dkBgShp">
+    <dgm:scene3d>
+      <a:camera prst="orthographicFront"/>
+      <a:lightRig rig="threePt" dir="t"/>
+    </dgm:scene3d>
+    <dgm:sp3d/>
+    <dgm:txPr/>
+    <dgm:style>
+      <a:lnRef idx="0">
+        <a:scrgbClr r="0" g="0" b="0"/>
+      </a:lnRef>
+      <a:fillRef idx="1">
+        <a:scrgbClr r="0" g="0" b="0"/>
+      </a:fillRef>
+      <a:effectRef idx="0">
+        <a:scrgbClr r="0" g="0" b="0"/>
+      </a:effectRef>
+      <a:fontRef idx="minor"/>
+    </dgm:style>
+  </dgm:styleLbl>
+  <dgm:styleLbl name="trBgShp">
+    <dgm:scene3d>
+      <a:camera prst="orthographicFront"/>
+      <a:lightRig rig="threePt" dir="t"/>
+    </dgm:scene3d>
+    <dgm:sp3d/>
+    <dgm:txPr/>
+    <dgm:style>
+      <a:lnRef idx="0">
+        <a:scrgbClr r="0" g="0" b="0"/>
+      </a:lnRef>
+      <a:fillRef idx="1">
+        <a:scrgbClr r="0" g="0" b="0"/>
+      </a:fillRef>
+      <a:effectRef idx="0">
+        <a:scrgbClr r="0" g="0" b="0"/>
+      </a:effectRef>
+      <a:fontRef idx="minor"/>
+    </dgm:style>
+  </dgm:styleLbl>
+  <dgm:styleLbl name="fgShp">
+    <dgm:scene3d>
+      <a:camera prst="orthographicFront"/>
+      <a:lightRig rig="threePt" dir="t"/>
+    </dgm:scene3d>
+    <dgm:sp3d/>
+    <dgm:txPr/>
+    <dgm:style>
+      <a:lnRef idx="2">
+        <a:scrgbClr r="0" g="0" b="0"/>
+      </a:lnRef>
+      <a:fillRef idx="1">
+        <a:scrgbClr r="0" g="0" b="0"/>
+      </a:fillRef>
+      <a:effectRef idx="0">
         <a:scrgbClr r="0" g="0" b="0"/>
       </a:effectRef>
       <a:fontRef idx="minor"/>
@@ -21900,7 +24984,7 @@
           <a:p>
             <a:fld id="{02AC24A9-CCB6-4F8D-B8DB-C2F3692CFA5A}" type="datetimeFigureOut">
               <a:rPr lang="en-US" smtClean="0"/>
-              <a:t>6/19/2021</a:t>
+              <a:t>6/20/2021</a:t>
             </a:fld>
             <a:endParaRPr lang="en-US" dirty="0"/>
           </a:p>
@@ -22270,7 +25354,7 @@
           <a:p>
             <a:fld id="{02AC24A9-CCB6-4F8D-B8DB-C2F3692CFA5A}" type="datetimeFigureOut">
               <a:rPr lang="en-US" smtClean="0"/>
-              <a:t>6/19/2021</a:t>
+              <a:t>6/20/2021</a:t>
             </a:fld>
             <a:endParaRPr lang="en-US"/>
           </a:p>
@@ -22479,7 +25563,7 @@
           <a:p>
             <a:fld id="{02AC24A9-CCB6-4F8D-B8DB-C2F3692CFA5A}" type="datetimeFigureOut">
               <a:rPr lang="en-US" smtClean="0"/>
-              <a:t>6/19/2021</a:t>
+              <a:t>6/20/2021</a:t>
             </a:fld>
             <a:endParaRPr lang="en-US"/>
           </a:p>
@@ -22949,7 +26033,7 @@
           <a:p>
             <a:fld id="{02AC24A9-CCB6-4F8D-B8DB-C2F3692CFA5A}" type="datetimeFigureOut">
               <a:rPr lang="en-US" smtClean="0"/>
-              <a:t>6/19/2021</a:t>
+              <a:t>6/20/2021</a:t>
             </a:fld>
             <a:endParaRPr lang="en-US"/>
           </a:p>
@@ -23403,7 +26487,7 @@
           <a:p>
             <a:fld id="{02AC24A9-CCB6-4F8D-B8DB-C2F3692CFA5A}" type="datetimeFigureOut">
               <a:rPr lang="en-US" smtClean="0"/>
-              <a:t>6/19/2021</a:t>
+              <a:t>6/20/2021</a:t>
             </a:fld>
             <a:endParaRPr lang="en-US"/>
           </a:p>
@@ -23935,7 +27019,7 @@
           <a:p>
             <a:fld id="{02AC24A9-CCB6-4F8D-B8DB-C2F3692CFA5A}" type="datetimeFigureOut">
               <a:rPr lang="en-US" smtClean="0"/>
-              <a:t>6/19/2021</a:t>
+              <a:t>6/20/2021</a:t>
             </a:fld>
             <a:endParaRPr lang="en-US"/>
           </a:p>
@@ -24634,7 +27718,7 @@
           <a:p>
             <a:fld id="{02AC24A9-CCB6-4F8D-B8DB-C2F3692CFA5A}" type="datetimeFigureOut">
               <a:rPr lang="en-US" smtClean="0"/>
-              <a:t>6/19/2021</a:t>
+              <a:t>6/20/2021</a:t>
             </a:fld>
             <a:endParaRPr lang="en-US"/>
           </a:p>
@@ -24963,7 +28047,7 @@
           <a:p>
             <a:fld id="{02AC24A9-CCB6-4F8D-B8DB-C2F3692CFA5A}" type="datetimeFigureOut">
               <a:rPr lang="en-US" smtClean="0"/>
-              <a:t>6/19/2021</a:t>
+              <a:t>6/20/2021</a:t>
             </a:fld>
             <a:endParaRPr lang="en-US"/>
           </a:p>
@@ -25076,7 +28160,7 @@
           <a:p>
             <a:fld id="{02AC24A9-CCB6-4F8D-B8DB-C2F3692CFA5A}" type="datetimeFigureOut">
               <a:rPr lang="en-US" smtClean="0"/>
-              <a:t>6/19/2021</a:t>
+              <a:t>6/20/2021</a:t>
             </a:fld>
             <a:endParaRPr lang="en-US"/>
           </a:p>
@@ -25571,7 +28655,7 @@
           <a:p>
             <a:fld id="{02AC24A9-CCB6-4F8D-B8DB-C2F3692CFA5A}" type="datetimeFigureOut">
               <a:rPr lang="en-US" smtClean="0"/>
-              <a:t>6/19/2021</a:t>
+              <a:t>6/20/2021</a:t>
             </a:fld>
             <a:endParaRPr lang="en-US" dirty="0"/>
           </a:p>
@@ -26048,7 +29132,7 @@
           <a:p>
             <a:fld id="{02AC24A9-CCB6-4F8D-B8DB-C2F3692CFA5A}" type="datetimeFigureOut">
               <a:rPr lang="en-US" smtClean="0"/>
-              <a:t>6/19/2021</a:t>
+              <a:t>6/20/2021</a:t>
             </a:fld>
             <a:endParaRPr lang="en-US"/>
           </a:p>
@@ -26291,7 +29375,7 @@
           <a:p>
             <a:fld id="{02AC24A9-CCB6-4F8D-B8DB-C2F3692CFA5A}" type="datetimeFigureOut">
               <a:rPr lang="en-US" smtClean="0"/>
-              <a:t>6/19/2021</a:t>
+              <a:t>6/20/2021</a:t>
             </a:fld>
             <a:endParaRPr lang="en-US"/>
           </a:p>
@@ -27722,7 +30806,7 @@
           <p:nvPr>
             <p:extLst>
               <p:ext uri="{D42A27DB-BD31-4B8C-83A1-F6EECF244321}">
-                <p14:modId xmlns:p14="http://schemas.microsoft.com/office/powerpoint/2010/main" val="3481256014"/>
+                <p14:modId xmlns:p14="http://schemas.microsoft.com/office/powerpoint/2010/main" val="3528094785"/>
               </p:ext>
             </p:extLst>
           </p:nvPr>
@@ -27803,6 +30887,7 @@
                     <a:bodyPr/>
                     <a:lstStyle/>
                     <a:p>
+                      <a:pPr algn="ctr"/>
                       <a:r>
                         <a:rPr lang="pt-PT" sz="1600" dirty="0">
                           <a:latin typeface="Verdana" panose="020B0604030504040204" pitchFamily="34" charset="0"/>
@@ -27812,13 +30897,14 @@
                       </a:r>
                     </a:p>
                   </a:txBody>
-                  <a:tcPr/>
+                  <a:tcPr anchor="ctr"/>
                 </a:tc>
                 <a:tc>
                   <a:txBody>
                     <a:bodyPr/>
                     <a:lstStyle/>
                     <a:p>
+                      <a:pPr algn="ctr"/>
                       <a:r>
                         <a:rPr lang="pt-PT" sz="1600" dirty="0">
                           <a:latin typeface="Verdana" panose="020B0604030504040204" pitchFamily="34" charset="0"/>
@@ -27828,13 +30914,14 @@
                       </a:r>
                     </a:p>
                   </a:txBody>
-                  <a:tcPr/>
+                  <a:tcPr anchor="ctr"/>
                 </a:tc>
                 <a:tc>
                   <a:txBody>
                     <a:bodyPr/>
                     <a:lstStyle/>
                     <a:p>
+                      <a:pPr algn="ctr"/>
                       <a:r>
                         <a:rPr lang="pt-PT" sz="1600" dirty="0">
                           <a:latin typeface="Verdana" panose="020B0604030504040204" pitchFamily="34" charset="0"/>
@@ -27844,13 +30931,14 @@
                       </a:r>
                     </a:p>
                   </a:txBody>
-                  <a:tcPr/>
+                  <a:tcPr anchor="ctr"/>
                 </a:tc>
                 <a:tc>
                   <a:txBody>
                     <a:bodyPr/>
                     <a:lstStyle/>
                     <a:p>
+                      <a:pPr algn="ctr"/>
                       <a:r>
                         <a:rPr lang="pt-PT" sz="1600" dirty="0">
                           <a:latin typeface="Verdana" panose="020B0604030504040204" pitchFamily="34" charset="0"/>
@@ -27860,13 +30948,14 @@
                       </a:r>
                     </a:p>
                   </a:txBody>
-                  <a:tcPr/>
+                  <a:tcPr anchor="ctr"/>
                 </a:tc>
                 <a:tc>
                   <a:txBody>
                     <a:bodyPr/>
                     <a:lstStyle/>
                     <a:p>
+                      <a:pPr algn="ctr"/>
                       <a:r>
                         <a:rPr lang="pt-PT" sz="1600" dirty="0">
                           <a:latin typeface="Verdana" panose="020B0604030504040204" pitchFamily="34" charset="0"/>
@@ -27876,7 +30965,7 @@
                       </a:r>
                     </a:p>
                   </a:txBody>
-                  <a:tcPr/>
+                  <a:tcPr anchor="ctr"/>
                 </a:tc>
                 <a:extLst>
                   <a:ext uri="{0D108BD9-81ED-4DB2-BD59-A6C34878D82A}">
@@ -27906,65 +30995,73 @@
                     <a:bodyPr/>
                     <a:lstStyle/>
                     <a:p>
+                      <a:pPr algn="ctr"/>
                       <a:endParaRPr lang="pt-PT" sz="1600" dirty="0">
                         <a:latin typeface="Verdana" panose="020B0604030504040204" pitchFamily="34" charset="0"/>
                         <a:ea typeface="Verdana" panose="020B0604030504040204" pitchFamily="34" charset="0"/>
                       </a:endParaRPr>
                     </a:p>
                   </a:txBody>
-                  <a:tcPr/>
+                  <a:tcPr anchor="ctr"/>
                 </a:tc>
                 <a:tc>
                   <a:txBody>
                     <a:bodyPr/>
                     <a:lstStyle/>
                     <a:p>
-                      <a:endParaRPr lang="pt-PT" sz="1600">
+                      <a:pPr algn="ctr"/>
+                      <a:endParaRPr lang="pt-PT" sz="1600" dirty="0">
                         <a:latin typeface="Verdana" panose="020B0604030504040204" pitchFamily="34" charset="0"/>
                         <a:ea typeface="Verdana" panose="020B0604030504040204" pitchFamily="34" charset="0"/>
                       </a:endParaRPr>
                     </a:p>
                   </a:txBody>
-                  <a:tcPr/>
+                  <a:tcPr anchor="ctr"/>
                 </a:tc>
                 <a:tc>
                   <a:txBody>
                     <a:bodyPr/>
                     <a:lstStyle/>
                     <a:p>
-                      <a:endParaRPr lang="pt-PT" sz="1600">
+                      <a:pPr algn="ctr"/>
+                      <a:endParaRPr lang="pt-PT" sz="1600" dirty="0">
                         <a:latin typeface="Verdana" panose="020B0604030504040204" pitchFamily="34" charset="0"/>
                         <a:ea typeface="Verdana" panose="020B0604030504040204" pitchFamily="34" charset="0"/>
                       </a:endParaRPr>
                     </a:p>
                   </a:txBody>
-                  <a:tcPr/>
+                  <a:tcPr anchor="ctr"/>
                 </a:tc>
                 <a:tc>
                   <a:txBody>
                     <a:bodyPr/>
                     <a:lstStyle/>
                     <a:p>
-                      <a:endParaRPr lang="pt-PT" sz="1600">
-                        <a:latin typeface="Verdana" panose="020B0604030504040204" pitchFamily="34" charset="0"/>
-                        <a:ea typeface="Verdana" panose="020B0604030504040204" pitchFamily="34" charset="0"/>
-                      </a:endParaRPr>
+                      <a:pPr algn="ctr"/>
+                      <a:r>
+                        <a:rPr lang="pt-PT" sz="1600" dirty="0">
+                          <a:latin typeface="Verdana" panose="020B0604030504040204" pitchFamily="34" charset="0"/>
+                          <a:ea typeface="Verdana" panose="020B0604030504040204" pitchFamily="34" charset="0"/>
+                        </a:rPr>
+                        <a:t>X</a:t>
+                      </a:r>
                     </a:p>
                   </a:txBody>
-                  <a:tcPr/>
+                  <a:tcPr anchor="ctr"/>
                 </a:tc>
                 <a:tc>
                   <a:txBody>
                     <a:bodyPr/>
                     <a:lstStyle/>
                     <a:p>
+                      <a:pPr algn="ctr"/>
                       <a:endParaRPr lang="pt-PT" sz="1600" dirty="0">
                         <a:latin typeface="Verdana" panose="020B0604030504040204" pitchFamily="34" charset="0"/>
                         <a:ea typeface="Verdana" panose="020B0604030504040204" pitchFamily="34" charset="0"/>
                       </a:endParaRPr>
                     </a:p>
                   </a:txBody>
-                  <a:tcPr/>
+                  <a:tcPr anchor="ctr"/>
                 </a:tc>
                 <a:extLst>
                   <a:ext uri="{0D108BD9-81ED-4DB2-BD59-A6C34878D82A}">
@@ -27994,65 +31091,73 @@
                     <a:bodyPr/>
                     <a:lstStyle/>
                     <a:p>
+                      <a:pPr algn="ctr"/>
                       <a:endParaRPr lang="pt-PT" sz="1600" dirty="0">
                         <a:latin typeface="Verdana" panose="020B0604030504040204" pitchFamily="34" charset="0"/>
                         <a:ea typeface="Verdana" panose="020B0604030504040204" pitchFamily="34" charset="0"/>
                       </a:endParaRPr>
                     </a:p>
                   </a:txBody>
-                  <a:tcPr/>
+                  <a:tcPr anchor="ctr"/>
                 </a:tc>
                 <a:tc>
                   <a:txBody>
                     <a:bodyPr/>
                     <a:lstStyle/>
                     <a:p>
+                      <a:pPr algn="ctr"/>
                       <a:endParaRPr lang="pt-PT" sz="1600">
                         <a:latin typeface="Verdana" panose="020B0604030504040204" pitchFamily="34" charset="0"/>
                         <a:ea typeface="Verdana" panose="020B0604030504040204" pitchFamily="34" charset="0"/>
                       </a:endParaRPr>
                     </a:p>
                   </a:txBody>
-                  <a:tcPr/>
+                  <a:tcPr anchor="ctr"/>
                 </a:tc>
                 <a:tc>
                   <a:txBody>
                     <a:bodyPr/>
                     <a:lstStyle/>
                     <a:p>
+                      <a:pPr algn="ctr"/>
+                      <a:r>
+                        <a:rPr lang="pt-PT" sz="1600" dirty="0">
+                          <a:latin typeface="Verdana" panose="020B0604030504040204" pitchFamily="34" charset="0"/>
+                          <a:ea typeface="Verdana" panose="020B0604030504040204" pitchFamily="34" charset="0"/>
+                        </a:rPr>
+                        <a:t>X</a:t>
+                      </a:r>
+                    </a:p>
+                  </a:txBody>
+                  <a:tcPr anchor="ctr"/>
+                </a:tc>
+                <a:tc>
+                  <a:txBody>
+                    <a:bodyPr/>
+                    <a:lstStyle/>
+                    <a:p>
+                      <a:pPr algn="ctr"/>
                       <a:endParaRPr lang="pt-PT" sz="1600">
                         <a:latin typeface="Verdana" panose="020B0604030504040204" pitchFamily="34" charset="0"/>
                         <a:ea typeface="Verdana" panose="020B0604030504040204" pitchFamily="34" charset="0"/>
                       </a:endParaRPr>
                     </a:p>
                   </a:txBody>
-                  <a:tcPr/>
+                  <a:tcPr anchor="ctr"/>
                 </a:tc>
                 <a:tc>
                   <a:txBody>
                     <a:bodyPr/>
                     <a:lstStyle/>
                     <a:p>
-                      <a:endParaRPr lang="pt-PT" sz="1600">
-                        <a:latin typeface="Verdana" panose="020B0604030504040204" pitchFamily="34" charset="0"/>
-                        <a:ea typeface="Verdana" panose="020B0604030504040204" pitchFamily="34" charset="0"/>
-                      </a:endParaRPr>
-                    </a:p>
-                  </a:txBody>
-                  <a:tcPr/>
-                </a:tc>
-                <a:tc>
-                  <a:txBody>
-                    <a:bodyPr/>
-                    <a:lstStyle/>
-                    <a:p>
+                      <a:pPr algn="ctr"/>
                       <a:endParaRPr lang="pt-PT" sz="1600" dirty="0">
                         <a:latin typeface="Verdana" panose="020B0604030504040204" pitchFamily="34" charset="0"/>
                         <a:ea typeface="Verdana" panose="020B0604030504040204" pitchFamily="34" charset="0"/>
                       </a:endParaRPr>
                     </a:p>
                   </a:txBody>
-                  <a:tcPr/>
+                  <a:tcPr anchor="ctr"/>
                 </a:tc>
                 <a:extLst>
                   <a:ext uri="{0D108BD9-81ED-4DB2-BD59-A6C34878D82A}">
@@ -28082,65 +31187,73 @@
                     <a:bodyPr/>
                     <a:lstStyle/>
                     <a:p>
+                      <a:pPr algn="ctr"/>
                       <a:endParaRPr lang="pt-PT" sz="1600" dirty="0">
                         <a:latin typeface="Verdana" panose="020B0604030504040204" pitchFamily="34" charset="0"/>
                         <a:ea typeface="Verdana" panose="020B0604030504040204" pitchFamily="34" charset="0"/>
                       </a:endParaRPr>
                     </a:p>
                   </a:txBody>
-                  <a:tcPr/>
+                  <a:tcPr anchor="ctr"/>
                 </a:tc>
                 <a:tc>
                   <a:txBody>
                     <a:bodyPr/>
                     <a:lstStyle/>
                     <a:p>
+                      <a:pPr algn="ctr"/>
                       <a:endParaRPr lang="pt-PT" sz="1600" dirty="0">
                         <a:latin typeface="Verdana" panose="020B0604030504040204" pitchFamily="34" charset="0"/>
                         <a:ea typeface="Verdana" panose="020B0604030504040204" pitchFamily="34" charset="0"/>
                       </a:endParaRPr>
                     </a:p>
                   </a:txBody>
-                  <a:tcPr/>
+                  <a:tcPr anchor="ctr"/>
                 </a:tc>
                 <a:tc>
                   <a:txBody>
                     <a:bodyPr/>
                     <a:lstStyle/>
                     <a:p>
+                      <a:pPr algn="ctr"/>
                       <a:endParaRPr lang="pt-PT" sz="1600">
                         <a:latin typeface="Verdana" panose="020B0604030504040204" pitchFamily="34" charset="0"/>
                         <a:ea typeface="Verdana" panose="020B0604030504040204" pitchFamily="34" charset="0"/>
                       </a:endParaRPr>
                     </a:p>
                   </a:txBody>
-                  <a:tcPr/>
+                  <a:tcPr anchor="ctr"/>
                 </a:tc>
                 <a:tc>
                   <a:txBody>
                     <a:bodyPr/>
                     <a:lstStyle/>
                     <a:p>
-                      <a:endParaRPr lang="pt-PT" sz="1600">
-                        <a:latin typeface="Verdana" panose="020B0604030504040204" pitchFamily="34" charset="0"/>
-                        <a:ea typeface="Verdana" panose="020B0604030504040204" pitchFamily="34" charset="0"/>
-                      </a:endParaRPr>
+                      <a:pPr algn="ctr"/>
+                      <a:r>
+                        <a:rPr lang="pt-PT" sz="1600" dirty="0">
+                          <a:latin typeface="Verdana" panose="020B0604030504040204" pitchFamily="34" charset="0"/>
+                          <a:ea typeface="Verdana" panose="020B0604030504040204" pitchFamily="34" charset="0"/>
+                        </a:rPr>
+                        <a:t>X</a:t>
+                      </a:r>
                     </a:p>
                   </a:txBody>
-                  <a:tcPr/>
+                  <a:tcPr anchor="ctr"/>
                 </a:tc>
                 <a:tc>
                   <a:txBody>
                     <a:bodyPr/>
                     <a:lstStyle/>
                     <a:p>
+                      <a:pPr algn="ctr"/>
                       <a:endParaRPr lang="pt-PT" sz="1600" dirty="0">
                         <a:latin typeface="Verdana" panose="020B0604030504040204" pitchFamily="34" charset="0"/>
                         <a:ea typeface="Verdana" panose="020B0604030504040204" pitchFamily="34" charset="0"/>
                       </a:endParaRPr>
                     </a:p>
                   </a:txBody>
-                  <a:tcPr/>
+                  <a:tcPr anchor="ctr"/>
                 </a:tc>
                 <a:extLst>
                   <a:ext uri="{0D108BD9-81ED-4DB2-BD59-A6C34878D82A}">
@@ -28170,6 +31283,49 @@
                     <a:bodyPr/>
                     <a:lstStyle/>
                     <a:p>
+                      <a:pPr algn="ctr"/>
+                      <a:endParaRPr lang="pt-PT" sz="1600" dirty="0">
+                        <a:latin typeface="Verdana" panose="020B0604030504040204" pitchFamily="34" charset="0"/>
+                        <a:ea typeface="Verdana" panose="020B0604030504040204" pitchFamily="34" charset="0"/>
+                      </a:endParaRPr>
+                    </a:p>
+                  </a:txBody>
+                  <a:tcPr anchor="ctr"/>
+                </a:tc>
+                <a:tc>
+                  <a:txBody>
+                    <a:bodyPr/>
+                    <a:lstStyle/>
+                    <a:p>
+                      <a:pPr algn="ctr"/>
+                      <a:endParaRPr lang="pt-PT" sz="1600" dirty="0">
+                        <a:latin typeface="Verdana" panose="020B0604030504040204" pitchFamily="34" charset="0"/>
+                        <a:ea typeface="Verdana" panose="020B0604030504040204" pitchFamily="34" charset="0"/>
+                      </a:endParaRPr>
+                    </a:p>
+                  </a:txBody>
+                  <a:tcPr anchor="ctr"/>
+                </a:tc>
+                <a:tc>
+                  <a:txBody>
+                    <a:bodyPr/>
+                    <a:lstStyle/>
+                    <a:p>
+                      <a:pPr algn="ctr"/>
+                      <a:endParaRPr lang="pt-PT" sz="1600" dirty="0">
+                        <a:latin typeface="Verdana" panose="020B0604030504040204" pitchFamily="34" charset="0"/>
+                        <a:ea typeface="Verdana" panose="020B0604030504040204" pitchFamily="34" charset="0"/>
+                      </a:endParaRPr>
+                    </a:p>
+                  </a:txBody>
+                  <a:tcPr anchor="ctr"/>
+                </a:tc>
+                <a:tc>
+                  <a:txBody>
+                    <a:bodyPr/>
+                    <a:lstStyle/>
+                    <a:p>
+                      <a:pPr algn="ctr"/>
                       <a:r>
                         <a:rPr lang="pt-PT" sz="1600" dirty="0">
                           <a:latin typeface="Verdana" panose="020B0604030504040204" pitchFamily="34" charset="0"/>
@@ -28179,59 +31335,21 @@
                       </a:r>
                     </a:p>
                   </a:txBody>
-                  <a:tcPr/>
+                  <a:tcPr anchor="ctr"/>
                 </a:tc>
                 <a:tc>
                   <a:txBody>
                     <a:bodyPr/>
                     <a:lstStyle/>
                     <a:p>
+                      <a:pPr algn="ctr"/>
                       <a:endParaRPr lang="pt-PT" sz="1600" dirty="0">
                         <a:latin typeface="Verdana" panose="020B0604030504040204" pitchFamily="34" charset="0"/>
                         <a:ea typeface="Verdana" panose="020B0604030504040204" pitchFamily="34" charset="0"/>
                       </a:endParaRPr>
                     </a:p>
                   </a:txBody>
-                  <a:tcPr/>
-                </a:tc>
-                <a:tc>
-                  <a:txBody>
-                    <a:bodyPr/>
-                    <a:lstStyle/>
-                    <a:p>
-                      <a:endParaRPr lang="pt-PT" sz="1600" dirty="0">
-                        <a:latin typeface="Verdana" panose="020B0604030504040204" pitchFamily="34" charset="0"/>
-                        <a:ea typeface="Verdana" panose="020B0604030504040204" pitchFamily="34" charset="0"/>
-                      </a:endParaRPr>
-                    </a:p>
-                  </a:txBody>
-                  <a:tcPr/>
-                </a:tc>
-                <a:tc>
-                  <a:txBody>
-                    <a:bodyPr/>
-                    <a:lstStyle/>
-                    <a:p>
-                      <a:endParaRPr lang="pt-PT" sz="1600" dirty="0">
-                        <a:latin typeface="Verdana" panose="020B0604030504040204" pitchFamily="34" charset="0"/>
-                        <a:ea typeface="Verdana" panose="020B0604030504040204" pitchFamily="34" charset="0"/>
-                      </a:endParaRPr>
-                    </a:p>
-                  </a:txBody>
-                  <a:tcPr/>
-                </a:tc>
-                <a:tc>
-                  <a:txBody>
-                    <a:bodyPr/>
-                    <a:lstStyle/>
-                    <a:p>
-                      <a:endParaRPr lang="pt-PT" sz="1600" dirty="0">
-                        <a:latin typeface="Verdana" panose="020B0604030504040204" pitchFamily="34" charset="0"/>
-                        <a:ea typeface="Verdana" panose="020B0604030504040204" pitchFamily="34" charset="0"/>
-                      </a:endParaRPr>
-                    </a:p>
-                  </a:txBody>
-                  <a:tcPr/>
+                  <a:tcPr anchor="ctr"/>
                 </a:tc>
                 <a:extLst>
                   <a:ext uri="{0D108BD9-81ED-4DB2-BD59-A6C34878D82A}">
@@ -28258,7 +31376,7 @@
           <p:nvPr>
             <p:extLst>
               <p:ext uri="{D42A27DB-BD31-4B8C-83A1-F6EECF244321}">
-                <p14:modId xmlns:p14="http://schemas.microsoft.com/office/powerpoint/2010/main" val="1597185989"/>
+                <p14:modId xmlns:p14="http://schemas.microsoft.com/office/powerpoint/2010/main" val="1410497074"/>
               </p:ext>
             </p:extLst>
           </p:nvPr>
@@ -28336,6 +31454,7 @@
                     <a:bodyPr/>
                     <a:lstStyle/>
                     <a:p>
+                      <a:pPr algn="ctr"/>
                       <a:r>
                         <a:rPr lang="pt-PT" sz="1600" dirty="0">
                           <a:latin typeface="Verdana" panose="020B0604030504040204" pitchFamily="34" charset="0"/>
@@ -28345,13 +31464,14 @@
                       </a:r>
                     </a:p>
                   </a:txBody>
-                  <a:tcPr/>
+                  <a:tcPr anchor="ctr"/>
                 </a:tc>
                 <a:tc>
                   <a:txBody>
                     <a:bodyPr/>
                     <a:lstStyle/>
                     <a:p>
+                      <a:pPr algn="ctr"/>
                       <a:r>
                         <a:rPr lang="pt-PT" sz="1600" dirty="0">
                           <a:latin typeface="Verdana" panose="020B0604030504040204" pitchFamily="34" charset="0"/>
@@ -28361,13 +31481,14 @@
                       </a:r>
                     </a:p>
                   </a:txBody>
-                  <a:tcPr/>
+                  <a:tcPr anchor="ctr"/>
                 </a:tc>
                 <a:tc>
                   <a:txBody>
                     <a:bodyPr/>
                     <a:lstStyle/>
                     <a:p>
+                      <a:pPr algn="ctr"/>
                       <a:r>
                         <a:rPr lang="pt-PT" sz="1600" dirty="0">
                           <a:latin typeface="Verdana" panose="020B0604030504040204" pitchFamily="34" charset="0"/>
@@ -28377,13 +31498,14 @@
                       </a:r>
                     </a:p>
                   </a:txBody>
-                  <a:tcPr/>
+                  <a:tcPr anchor="ctr"/>
                 </a:tc>
                 <a:tc>
                   <a:txBody>
                     <a:bodyPr/>
                     <a:lstStyle/>
                     <a:p>
+                      <a:pPr algn="ctr"/>
                       <a:r>
                         <a:rPr lang="pt-PT" sz="1600" dirty="0">
                           <a:latin typeface="Verdana" panose="020B0604030504040204" pitchFamily="34" charset="0"/>
@@ -28393,13 +31515,14 @@
                       </a:r>
                     </a:p>
                   </a:txBody>
-                  <a:tcPr/>
+                  <a:tcPr anchor="ctr"/>
                 </a:tc>
                 <a:tc>
                   <a:txBody>
                     <a:bodyPr/>
                     <a:lstStyle/>
                     <a:p>
+                      <a:pPr algn="ctr"/>
                       <a:r>
                         <a:rPr lang="pt-PT" sz="1600" dirty="0">
                           <a:latin typeface="Verdana" panose="020B0604030504040204" pitchFamily="34" charset="0"/>
@@ -28409,7 +31532,7 @@
                       </a:r>
                     </a:p>
                   </a:txBody>
-                  <a:tcPr/>
+                  <a:tcPr anchor="ctr"/>
                 </a:tc>
                 <a:extLst>
                   <a:ext uri="{0D108BD9-81ED-4DB2-BD59-A6C34878D82A}">
@@ -28439,65 +31562,73 @@
                     <a:bodyPr/>
                     <a:lstStyle/>
                     <a:p>
+                      <a:pPr algn="ctr"/>
                       <a:endParaRPr lang="pt-PT" sz="1600" dirty="0">
                         <a:latin typeface="Verdana" panose="020B0604030504040204" pitchFamily="34" charset="0"/>
                         <a:ea typeface="Verdana" panose="020B0604030504040204" pitchFamily="34" charset="0"/>
                       </a:endParaRPr>
                     </a:p>
                   </a:txBody>
-                  <a:tcPr/>
+                  <a:tcPr anchor="ctr"/>
                 </a:tc>
                 <a:tc>
                   <a:txBody>
                     <a:bodyPr/>
                     <a:lstStyle/>
                     <a:p>
-                      <a:endParaRPr lang="pt-PT" sz="1600">
+                      <a:pPr algn="ctr"/>
+                      <a:endParaRPr lang="pt-PT" sz="1600" dirty="0">
                         <a:latin typeface="Verdana" panose="020B0604030504040204" pitchFamily="34" charset="0"/>
                         <a:ea typeface="Verdana" panose="020B0604030504040204" pitchFamily="34" charset="0"/>
                       </a:endParaRPr>
                     </a:p>
                   </a:txBody>
-                  <a:tcPr/>
+                  <a:tcPr anchor="ctr"/>
                 </a:tc>
                 <a:tc>
                   <a:txBody>
                     <a:bodyPr/>
                     <a:lstStyle/>
                     <a:p>
+                      <a:pPr algn="ctr"/>
                       <a:endParaRPr lang="pt-PT" sz="1600" dirty="0">
                         <a:latin typeface="Verdana" panose="020B0604030504040204" pitchFamily="34" charset="0"/>
                         <a:ea typeface="Verdana" panose="020B0604030504040204" pitchFamily="34" charset="0"/>
                       </a:endParaRPr>
                     </a:p>
                   </a:txBody>
-                  <a:tcPr/>
+                  <a:tcPr anchor="ctr"/>
                 </a:tc>
                 <a:tc>
                   <a:txBody>
                     <a:bodyPr/>
                     <a:lstStyle/>
                     <a:p>
+                      <a:pPr algn="ctr"/>
                       <a:endParaRPr lang="pt-PT" sz="1600" dirty="0">
                         <a:latin typeface="Verdana" panose="020B0604030504040204" pitchFamily="34" charset="0"/>
                         <a:ea typeface="Verdana" panose="020B0604030504040204" pitchFamily="34" charset="0"/>
                       </a:endParaRPr>
                     </a:p>
                   </a:txBody>
-                  <a:tcPr/>
+                  <a:tcPr anchor="ctr"/>
                 </a:tc>
                 <a:tc>
                   <a:txBody>
                     <a:bodyPr/>
                     <a:lstStyle/>
                     <a:p>
-                      <a:endParaRPr lang="pt-PT" sz="1600" dirty="0">
-                        <a:latin typeface="Verdana" panose="020B0604030504040204" pitchFamily="34" charset="0"/>
-                        <a:ea typeface="Verdana" panose="020B0604030504040204" pitchFamily="34" charset="0"/>
-                      </a:endParaRPr>
+                      <a:pPr algn="ctr"/>
+                      <a:r>
+                        <a:rPr lang="pt-PT" sz="1600" dirty="0">
+                          <a:latin typeface="Verdana" panose="020B0604030504040204" pitchFamily="34" charset="0"/>
+                          <a:ea typeface="Verdana" panose="020B0604030504040204" pitchFamily="34" charset="0"/>
+                        </a:rPr>
+                        <a:t>X</a:t>
+                      </a:r>
                     </a:p>
                   </a:txBody>
-                  <a:tcPr/>
+                  <a:tcPr anchor="ctr"/>
                 </a:tc>
                 <a:extLst>
                   <a:ext uri="{0D108BD9-81ED-4DB2-BD59-A6C34878D82A}">
@@ -28527,65 +31658,73 @@
                     <a:bodyPr/>
                     <a:lstStyle/>
                     <a:p>
+                      <a:pPr algn="ctr"/>
                       <a:endParaRPr lang="pt-PT" sz="1600" dirty="0">
                         <a:latin typeface="Verdana" panose="020B0604030504040204" pitchFamily="34" charset="0"/>
                         <a:ea typeface="Verdana" panose="020B0604030504040204" pitchFamily="34" charset="0"/>
                       </a:endParaRPr>
                     </a:p>
                   </a:txBody>
-                  <a:tcPr/>
+                  <a:tcPr anchor="ctr"/>
                 </a:tc>
                 <a:tc>
                   <a:txBody>
                     <a:bodyPr/>
                     <a:lstStyle/>
                     <a:p>
+                      <a:pPr algn="ctr"/>
                       <a:endParaRPr lang="pt-PT" sz="1600">
                         <a:latin typeface="Verdana" panose="020B0604030504040204" pitchFamily="34" charset="0"/>
                         <a:ea typeface="Verdana" panose="020B0604030504040204" pitchFamily="34" charset="0"/>
                       </a:endParaRPr>
                     </a:p>
                   </a:txBody>
-                  <a:tcPr/>
+                  <a:tcPr anchor="ctr"/>
                 </a:tc>
                 <a:tc>
                   <a:txBody>
                     <a:bodyPr/>
                     <a:lstStyle/>
                     <a:p>
+                      <a:pPr algn="ctr"/>
                       <a:endParaRPr lang="pt-PT" sz="1600">
                         <a:latin typeface="Verdana" panose="020B0604030504040204" pitchFamily="34" charset="0"/>
                         <a:ea typeface="Verdana" panose="020B0604030504040204" pitchFamily="34" charset="0"/>
                       </a:endParaRPr>
                     </a:p>
                   </a:txBody>
-                  <a:tcPr/>
+                  <a:tcPr anchor="ctr"/>
                 </a:tc>
                 <a:tc>
                   <a:txBody>
                     <a:bodyPr/>
                     <a:lstStyle/>
                     <a:p>
-                      <a:endParaRPr lang="pt-PT" sz="1600">
-                        <a:latin typeface="Verdana" panose="020B0604030504040204" pitchFamily="34" charset="0"/>
-                        <a:ea typeface="Verdana" panose="020B0604030504040204" pitchFamily="34" charset="0"/>
-                      </a:endParaRPr>
+                      <a:pPr algn="ctr"/>
+                      <a:r>
+                        <a:rPr lang="pt-PT" sz="1600" dirty="0">
+                          <a:latin typeface="Verdana" panose="020B0604030504040204" pitchFamily="34" charset="0"/>
+                          <a:ea typeface="Verdana" panose="020B0604030504040204" pitchFamily="34" charset="0"/>
+                        </a:rPr>
+                        <a:t>X</a:t>
+                      </a:r>
                     </a:p>
                   </a:txBody>
-                  <a:tcPr/>
+                  <a:tcPr anchor="ctr"/>
                 </a:tc>
                 <a:tc>
                   <a:txBody>
                     <a:bodyPr/>
                     <a:lstStyle/>
                     <a:p>
+                      <a:pPr algn="ctr"/>
                       <a:endParaRPr lang="pt-PT" sz="1600" dirty="0">
                         <a:latin typeface="Verdana" panose="020B0604030504040204" pitchFamily="34" charset="0"/>
                         <a:ea typeface="Verdana" panose="020B0604030504040204" pitchFamily="34" charset="0"/>
                       </a:endParaRPr>
                     </a:p>
                   </a:txBody>
-                  <a:tcPr/>
+                  <a:tcPr anchor="ctr"/>
                 </a:tc>
                 <a:extLst>
                   <a:ext uri="{0D108BD9-81ED-4DB2-BD59-A6C34878D82A}">
@@ -28615,65 +31754,73 @@
                     <a:bodyPr/>
                     <a:lstStyle/>
                     <a:p>
+                      <a:pPr algn="ctr"/>
                       <a:endParaRPr lang="pt-PT" sz="1600" dirty="0">
                         <a:latin typeface="Verdana" panose="020B0604030504040204" pitchFamily="34" charset="0"/>
                         <a:ea typeface="Verdana" panose="020B0604030504040204" pitchFamily="34" charset="0"/>
                       </a:endParaRPr>
                     </a:p>
                   </a:txBody>
-                  <a:tcPr/>
+                  <a:tcPr anchor="ctr"/>
                 </a:tc>
                 <a:tc>
                   <a:txBody>
                     <a:bodyPr/>
                     <a:lstStyle/>
                     <a:p>
-                      <a:endParaRPr lang="pt-PT" sz="1600">
+                      <a:pPr algn="ctr"/>
+                      <a:endParaRPr lang="pt-PT" sz="1600" dirty="0">
                         <a:latin typeface="Verdana" panose="020B0604030504040204" pitchFamily="34" charset="0"/>
                         <a:ea typeface="Verdana" panose="020B0604030504040204" pitchFamily="34" charset="0"/>
                       </a:endParaRPr>
                     </a:p>
                   </a:txBody>
-                  <a:tcPr/>
+                  <a:tcPr anchor="ctr"/>
                 </a:tc>
                 <a:tc>
                   <a:txBody>
                     <a:bodyPr/>
                     <a:lstStyle/>
                     <a:p>
-                      <a:endParaRPr lang="pt-PT" sz="1600">
+                      <a:pPr algn="ctr"/>
+                      <a:endParaRPr lang="pt-PT" sz="1600" dirty="0">
                         <a:latin typeface="Verdana" panose="020B0604030504040204" pitchFamily="34" charset="0"/>
                         <a:ea typeface="Verdana" panose="020B0604030504040204" pitchFamily="34" charset="0"/>
                       </a:endParaRPr>
                     </a:p>
                   </a:txBody>
-                  <a:tcPr/>
+                  <a:tcPr anchor="ctr"/>
                 </a:tc>
                 <a:tc>
                   <a:txBody>
                     <a:bodyPr/>
                     <a:lstStyle/>
                     <a:p>
-                      <a:endParaRPr lang="pt-PT" sz="1600">
-                        <a:latin typeface="Verdana" panose="020B0604030504040204" pitchFamily="34" charset="0"/>
-                        <a:ea typeface="Verdana" panose="020B0604030504040204" pitchFamily="34" charset="0"/>
-                      </a:endParaRPr>
+                      <a:pPr algn="ctr"/>
+                      <a:r>
+                        <a:rPr lang="pt-PT" sz="1600" dirty="0">
+                          <a:latin typeface="Verdana" panose="020B0604030504040204" pitchFamily="34" charset="0"/>
+                          <a:ea typeface="Verdana" panose="020B0604030504040204" pitchFamily="34" charset="0"/>
+                        </a:rPr>
+                        <a:t>X</a:t>
+                      </a:r>
                     </a:p>
                   </a:txBody>
-                  <a:tcPr/>
+                  <a:tcPr anchor="ctr"/>
                 </a:tc>
                 <a:tc>
                   <a:txBody>
                     <a:bodyPr/>
                     <a:lstStyle/>
                     <a:p>
+                      <a:pPr algn="ctr"/>
                       <a:endParaRPr lang="pt-PT" sz="1600" dirty="0">
                         <a:latin typeface="Verdana" panose="020B0604030504040204" pitchFamily="34" charset="0"/>
                         <a:ea typeface="Verdana" panose="020B0604030504040204" pitchFamily="34" charset="0"/>
                       </a:endParaRPr>
                     </a:p>
                   </a:txBody>
-                  <a:tcPr/>
+                  <a:tcPr anchor="ctr"/>
                 </a:tc>
                 <a:extLst>
                   <a:ext uri="{0D108BD9-81ED-4DB2-BD59-A6C34878D82A}">
@@ -28703,65 +31850,73 @@
                     <a:bodyPr/>
                     <a:lstStyle/>
                     <a:p>
+                      <a:pPr algn="ctr"/>
                       <a:endParaRPr lang="pt-PT" sz="1600" dirty="0">
                         <a:latin typeface="Verdana" panose="020B0604030504040204" pitchFamily="34" charset="0"/>
                         <a:ea typeface="Verdana" panose="020B0604030504040204" pitchFamily="34" charset="0"/>
                       </a:endParaRPr>
                     </a:p>
                   </a:txBody>
-                  <a:tcPr/>
+                  <a:tcPr anchor="ctr"/>
                 </a:tc>
                 <a:tc>
                   <a:txBody>
                     <a:bodyPr/>
                     <a:lstStyle/>
                     <a:p>
+                      <a:pPr algn="ctr"/>
                       <a:endParaRPr lang="pt-PT" sz="1600" dirty="0">
                         <a:latin typeface="Verdana" panose="020B0604030504040204" pitchFamily="34" charset="0"/>
                         <a:ea typeface="Verdana" panose="020B0604030504040204" pitchFamily="34" charset="0"/>
                       </a:endParaRPr>
                     </a:p>
                   </a:txBody>
-                  <a:tcPr/>
+                  <a:tcPr anchor="ctr"/>
                 </a:tc>
                 <a:tc>
                   <a:txBody>
                     <a:bodyPr/>
                     <a:lstStyle/>
                     <a:p>
+                      <a:pPr algn="ctr"/>
                       <a:endParaRPr lang="pt-PT" sz="1600" dirty="0">
                         <a:latin typeface="Verdana" panose="020B0604030504040204" pitchFamily="34" charset="0"/>
                         <a:ea typeface="Verdana" panose="020B0604030504040204" pitchFamily="34" charset="0"/>
                       </a:endParaRPr>
                     </a:p>
                   </a:txBody>
-                  <a:tcPr/>
+                  <a:tcPr anchor="ctr"/>
                 </a:tc>
                 <a:tc>
                   <a:txBody>
                     <a:bodyPr/>
                     <a:lstStyle/>
                     <a:p>
+                      <a:pPr algn="ctr"/>
+                      <a:r>
+                        <a:rPr lang="pt-PT" sz="1600" dirty="0">
+                          <a:latin typeface="Verdana" panose="020B0604030504040204" pitchFamily="34" charset="0"/>
+                          <a:ea typeface="Verdana" panose="020B0604030504040204" pitchFamily="34" charset="0"/>
+                        </a:rPr>
+                        <a:t>X</a:t>
+                      </a:r>
+                    </a:p>
+                  </a:txBody>
+                  <a:tcPr anchor="ctr"/>
+                </a:tc>
+                <a:tc>
+                  <a:txBody>
+                    <a:bodyPr/>
+                    <a:lstStyle/>
+                    <a:p>
+                      <a:pPr algn="ctr"/>
                       <a:endParaRPr lang="pt-PT" sz="1600" dirty="0">
                         <a:latin typeface="Verdana" panose="020B0604030504040204" pitchFamily="34" charset="0"/>
                         <a:ea typeface="Verdana" panose="020B0604030504040204" pitchFamily="34" charset="0"/>
                       </a:endParaRPr>
                     </a:p>
                   </a:txBody>
-                  <a:tcPr/>
-                </a:tc>
-                <a:tc>
-                  <a:txBody>
-                    <a:bodyPr/>
-                    <a:lstStyle/>
-                    <a:p>
-                      <a:endParaRPr lang="pt-PT" sz="1600" dirty="0">
-                        <a:latin typeface="Verdana" panose="020B0604030504040204" pitchFamily="34" charset="0"/>
-                        <a:ea typeface="Verdana" panose="020B0604030504040204" pitchFamily="34" charset="0"/>
-                      </a:endParaRPr>
-                    </a:p>
-                  </a:txBody>
-                  <a:tcPr/>
+                  <a:tcPr anchor="ctr"/>
                 </a:tc>
                 <a:extLst>
                   <a:ext uri="{0D108BD9-81ED-4DB2-BD59-A6C34878D82A}">
@@ -28932,7 +32087,7 @@
           <p:nvPr>
             <p:extLst>
               <p:ext uri="{D42A27DB-BD31-4B8C-83A1-F6EECF244321}">
-                <p14:modId xmlns:p14="http://schemas.microsoft.com/office/powerpoint/2010/main" val="3021262666"/>
+                <p14:modId xmlns:p14="http://schemas.microsoft.com/office/powerpoint/2010/main" val="1214214099"/>
               </p:ext>
             </p:extLst>
           </p:nvPr>
@@ -29097,10 +32252,13 @@
                     <a:lstStyle/>
                     <a:p>
                       <a:pPr algn="ctr"/>
-                      <a:endParaRPr lang="pt-PT" sz="1400" dirty="0">
-                        <a:latin typeface="Verdana" panose="020B0604030504040204" pitchFamily="34" charset="0"/>
-                        <a:ea typeface="Verdana" panose="020B0604030504040204" pitchFamily="34" charset="0"/>
-                      </a:endParaRPr>
+                      <a:r>
+                        <a:rPr lang="pt-PT" sz="1400" dirty="0">
+                          <a:latin typeface="Verdana" panose="020B0604030504040204" pitchFamily="34" charset="0"/>
+                          <a:ea typeface="Verdana" panose="020B0604030504040204" pitchFamily="34" charset="0"/>
+                        </a:rPr>
+                        <a:t>4</a:t>
+                      </a:r>
                     </a:p>
                   </a:txBody>
                   <a:tcPr anchor="ctr"/>
@@ -29111,10 +32269,13 @@
                     <a:lstStyle/>
                     <a:p>
                       <a:pPr algn="ctr"/>
-                      <a:endParaRPr lang="pt-PT" sz="1400" dirty="0">
-                        <a:latin typeface="Verdana" panose="020B0604030504040204" pitchFamily="34" charset="0"/>
-                        <a:ea typeface="Verdana" panose="020B0604030504040204" pitchFamily="34" charset="0"/>
-                      </a:endParaRPr>
+                      <a:r>
+                        <a:rPr lang="pt-PT" sz="1400" dirty="0">
+                          <a:latin typeface="Verdana" panose="020B0604030504040204" pitchFamily="34" charset="0"/>
+                          <a:ea typeface="Verdana" panose="020B0604030504040204" pitchFamily="34" charset="0"/>
+                        </a:rPr>
+                        <a:t>3</a:t>
+                      </a:r>
                     </a:p>
                   </a:txBody>
                   <a:tcPr anchor="ctr"/>
@@ -29125,10 +32286,13 @@
                     <a:lstStyle/>
                     <a:p>
                       <a:pPr algn="ctr"/>
-                      <a:endParaRPr lang="pt-PT" sz="1400" dirty="0">
-                        <a:latin typeface="Verdana" panose="020B0604030504040204" pitchFamily="34" charset="0"/>
-                        <a:ea typeface="Verdana" panose="020B0604030504040204" pitchFamily="34" charset="0"/>
-                      </a:endParaRPr>
+                      <a:r>
+                        <a:rPr lang="pt-PT" sz="1400" dirty="0">
+                          <a:latin typeface="Verdana" panose="020B0604030504040204" pitchFamily="34" charset="0"/>
+                          <a:ea typeface="Verdana" panose="020B0604030504040204" pitchFamily="34" charset="0"/>
+                        </a:rPr>
+                        <a:t>4</a:t>
+                      </a:r>
                     </a:p>
                   </a:txBody>
                   <a:tcPr anchor="ctr"/>
@@ -29139,10 +32303,13 @@
                     <a:lstStyle/>
                     <a:p>
                       <a:pPr algn="ctr"/>
-                      <a:endParaRPr lang="pt-PT" sz="1400" dirty="0">
-                        <a:latin typeface="Verdana" panose="020B0604030504040204" pitchFamily="34" charset="0"/>
-                        <a:ea typeface="Verdana" panose="020B0604030504040204" pitchFamily="34" charset="0"/>
-                      </a:endParaRPr>
+                      <a:r>
+                        <a:rPr lang="pt-PT" sz="1400" dirty="0">
+                          <a:latin typeface="Verdana" panose="020B0604030504040204" pitchFamily="34" charset="0"/>
+                          <a:ea typeface="Verdana" panose="020B0604030504040204" pitchFamily="34" charset="0"/>
+                        </a:rPr>
+                        <a:t>3</a:t>
+                      </a:r>
                     </a:p>
                   </a:txBody>
                   <a:tcPr anchor="ctr"/>
@@ -29180,10 +32347,13 @@
                     <a:lstStyle/>
                     <a:p>
                       <a:pPr algn="ctr"/>
-                      <a:endParaRPr lang="pt-PT" sz="1400" dirty="0">
-                        <a:latin typeface="Verdana" panose="020B0604030504040204" pitchFamily="34" charset="0"/>
-                        <a:ea typeface="Verdana" panose="020B0604030504040204" pitchFamily="34" charset="0"/>
-                      </a:endParaRPr>
+                      <a:r>
+                        <a:rPr lang="pt-PT" sz="1400" dirty="0">
+                          <a:latin typeface="Verdana" panose="020B0604030504040204" pitchFamily="34" charset="0"/>
+                          <a:ea typeface="Verdana" panose="020B0604030504040204" pitchFamily="34" charset="0"/>
+                        </a:rPr>
+                        <a:t>4</a:t>
+                      </a:r>
                     </a:p>
                   </a:txBody>
                   <a:tcPr anchor="ctr"/>
@@ -29194,10 +32364,13 @@
                     <a:lstStyle/>
                     <a:p>
                       <a:pPr algn="ctr"/>
-                      <a:endParaRPr lang="pt-PT" sz="1400">
-                        <a:latin typeface="Verdana" panose="020B0604030504040204" pitchFamily="34" charset="0"/>
-                        <a:ea typeface="Verdana" panose="020B0604030504040204" pitchFamily="34" charset="0"/>
-                      </a:endParaRPr>
+                      <a:r>
+                        <a:rPr lang="pt-PT" sz="1400" dirty="0">
+                          <a:latin typeface="Verdana" panose="020B0604030504040204" pitchFamily="34" charset="0"/>
+                          <a:ea typeface="Verdana" panose="020B0604030504040204" pitchFamily="34" charset="0"/>
+                        </a:rPr>
+                        <a:t>3</a:t>
+                      </a:r>
                     </a:p>
                   </a:txBody>
                   <a:tcPr anchor="ctr"/>
@@ -29208,10 +32381,13 @@
                     <a:lstStyle/>
                     <a:p>
                       <a:pPr algn="ctr"/>
-                      <a:endParaRPr lang="pt-PT" sz="1400" dirty="0">
-                        <a:latin typeface="Verdana" panose="020B0604030504040204" pitchFamily="34" charset="0"/>
-                        <a:ea typeface="Verdana" panose="020B0604030504040204" pitchFamily="34" charset="0"/>
-                      </a:endParaRPr>
+                      <a:r>
+                        <a:rPr lang="pt-PT" sz="1400" dirty="0">
+                          <a:latin typeface="Verdana" panose="020B0604030504040204" pitchFamily="34" charset="0"/>
+                          <a:ea typeface="Verdana" panose="020B0604030504040204" pitchFamily="34" charset="0"/>
+                        </a:rPr>
+                        <a:t>4</a:t>
+                      </a:r>
                     </a:p>
                   </a:txBody>
                   <a:tcPr anchor="ctr"/>
@@ -29222,10 +32398,13 @@
                     <a:lstStyle/>
                     <a:p>
                       <a:pPr algn="ctr"/>
-                      <a:endParaRPr lang="pt-PT" sz="1400" dirty="0">
-                        <a:latin typeface="Verdana" panose="020B0604030504040204" pitchFamily="34" charset="0"/>
-                        <a:ea typeface="Verdana" panose="020B0604030504040204" pitchFamily="34" charset="0"/>
-                      </a:endParaRPr>
+                      <a:r>
+                        <a:rPr lang="pt-PT" sz="1400" dirty="0">
+                          <a:latin typeface="Verdana" panose="020B0604030504040204" pitchFamily="34" charset="0"/>
+                          <a:ea typeface="Verdana" panose="020B0604030504040204" pitchFamily="34" charset="0"/>
+                        </a:rPr>
+                        <a:t>4</a:t>
+                      </a:r>
                     </a:p>
                   </a:txBody>
                   <a:tcPr anchor="ctr"/>
@@ -29263,10 +32442,13 @@
                     <a:lstStyle/>
                     <a:p>
                       <a:pPr algn="ctr"/>
-                      <a:endParaRPr lang="pt-PT" sz="1400" dirty="0">
-                        <a:latin typeface="Verdana" panose="020B0604030504040204" pitchFamily="34" charset="0"/>
-                        <a:ea typeface="Verdana" panose="020B0604030504040204" pitchFamily="34" charset="0"/>
-                      </a:endParaRPr>
+                      <a:r>
+                        <a:rPr lang="pt-PT" sz="1400" dirty="0">
+                          <a:latin typeface="Verdana" panose="020B0604030504040204" pitchFamily="34" charset="0"/>
+                          <a:ea typeface="Verdana" panose="020B0604030504040204" pitchFamily="34" charset="0"/>
+                        </a:rPr>
+                        <a:t>4</a:t>
+                      </a:r>
                     </a:p>
                   </a:txBody>
                   <a:tcPr anchor="ctr"/>
@@ -29277,10 +32459,13 @@
                     <a:lstStyle/>
                     <a:p>
                       <a:pPr algn="ctr"/>
-                      <a:endParaRPr lang="pt-PT" sz="1400">
-                        <a:latin typeface="Verdana" panose="020B0604030504040204" pitchFamily="34" charset="0"/>
-                        <a:ea typeface="Verdana" panose="020B0604030504040204" pitchFamily="34" charset="0"/>
-                      </a:endParaRPr>
+                      <a:r>
+                        <a:rPr lang="pt-PT" sz="1400" dirty="0">
+                          <a:latin typeface="Verdana" panose="020B0604030504040204" pitchFamily="34" charset="0"/>
+                          <a:ea typeface="Verdana" panose="020B0604030504040204" pitchFamily="34" charset="0"/>
+                        </a:rPr>
+                        <a:t>3</a:t>
+                      </a:r>
                     </a:p>
                   </a:txBody>
                   <a:tcPr anchor="ctr"/>
@@ -29291,10 +32476,13 @@
                     <a:lstStyle/>
                     <a:p>
                       <a:pPr algn="ctr"/>
-                      <a:endParaRPr lang="pt-PT" sz="1400">
-                        <a:latin typeface="Verdana" panose="020B0604030504040204" pitchFamily="34" charset="0"/>
-                        <a:ea typeface="Verdana" panose="020B0604030504040204" pitchFamily="34" charset="0"/>
-                      </a:endParaRPr>
+                      <a:r>
+                        <a:rPr lang="pt-PT" sz="1400" dirty="0">
+                          <a:latin typeface="Verdana" panose="020B0604030504040204" pitchFamily="34" charset="0"/>
+                          <a:ea typeface="Verdana" panose="020B0604030504040204" pitchFamily="34" charset="0"/>
+                        </a:rPr>
+                        <a:t>4</a:t>
+                      </a:r>
                     </a:p>
                   </a:txBody>
                   <a:tcPr anchor="ctr"/>
@@ -29305,10 +32493,13 @@
                     <a:lstStyle/>
                     <a:p>
                       <a:pPr algn="ctr"/>
-                      <a:endParaRPr lang="pt-PT" sz="1400" dirty="0">
-                        <a:latin typeface="Verdana" panose="020B0604030504040204" pitchFamily="34" charset="0"/>
-                        <a:ea typeface="Verdana" panose="020B0604030504040204" pitchFamily="34" charset="0"/>
-                      </a:endParaRPr>
+                      <a:r>
+                        <a:rPr lang="pt-PT" sz="1400" dirty="0">
+                          <a:latin typeface="Verdana" panose="020B0604030504040204" pitchFamily="34" charset="0"/>
+                          <a:ea typeface="Verdana" panose="020B0604030504040204" pitchFamily="34" charset="0"/>
+                        </a:rPr>
+                        <a:t>4</a:t>
+                      </a:r>
                     </a:p>
                   </a:txBody>
                   <a:tcPr anchor="ctr"/>
@@ -29346,10 +32537,13 @@
                     <a:lstStyle/>
                     <a:p>
                       <a:pPr algn="ctr"/>
-                      <a:endParaRPr lang="pt-PT" sz="1400" dirty="0">
-                        <a:latin typeface="Verdana" panose="020B0604030504040204" pitchFamily="34" charset="0"/>
-                        <a:ea typeface="Verdana" panose="020B0604030504040204" pitchFamily="34" charset="0"/>
-                      </a:endParaRPr>
+                      <a:r>
+                        <a:rPr lang="pt-PT" sz="1400" dirty="0">
+                          <a:latin typeface="Verdana" panose="020B0604030504040204" pitchFamily="34" charset="0"/>
+                          <a:ea typeface="Verdana" panose="020B0604030504040204" pitchFamily="34" charset="0"/>
+                        </a:rPr>
+                        <a:t>4</a:t>
+                      </a:r>
                     </a:p>
                   </a:txBody>
                   <a:tcPr anchor="ctr"/>
@@ -29360,10 +32554,13 @@
                     <a:lstStyle/>
                     <a:p>
                       <a:pPr algn="ctr"/>
-                      <a:endParaRPr lang="pt-PT" sz="1400" dirty="0">
-                        <a:latin typeface="Verdana" panose="020B0604030504040204" pitchFamily="34" charset="0"/>
-                        <a:ea typeface="Verdana" panose="020B0604030504040204" pitchFamily="34" charset="0"/>
-                      </a:endParaRPr>
+                      <a:r>
+                        <a:rPr lang="pt-PT" sz="1400" dirty="0">
+                          <a:latin typeface="Verdana" panose="020B0604030504040204" pitchFamily="34" charset="0"/>
+                          <a:ea typeface="Verdana" panose="020B0604030504040204" pitchFamily="34" charset="0"/>
+                        </a:rPr>
+                        <a:t>4</a:t>
+                      </a:r>
                     </a:p>
                   </a:txBody>
                   <a:tcPr anchor="ctr"/>
@@ -29374,10 +32571,13 @@
                     <a:lstStyle/>
                     <a:p>
                       <a:pPr algn="ctr"/>
-                      <a:endParaRPr lang="pt-PT" sz="1400" dirty="0">
-                        <a:latin typeface="Verdana" panose="020B0604030504040204" pitchFamily="34" charset="0"/>
-                        <a:ea typeface="Verdana" panose="020B0604030504040204" pitchFamily="34" charset="0"/>
-                      </a:endParaRPr>
+                      <a:r>
+                        <a:rPr lang="pt-PT" sz="1400" dirty="0">
+                          <a:latin typeface="Verdana" panose="020B0604030504040204" pitchFamily="34" charset="0"/>
+                          <a:ea typeface="Verdana" panose="020B0604030504040204" pitchFamily="34" charset="0"/>
+                        </a:rPr>
+                        <a:t>4</a:t>
+                      </a:r>
                     </a:p>
                   </a:txBody>
                   <a:tcPr anchor="ctr"/>
@@ -29388,10 +32588,13 @@
                     <a:lstStyle/>
                     <a:p>
                       <a:pPr algn="ctr"/>
-                      <a:endParaRPr lang="pt-PT" sz="1400" dirty="0">
-                        <a:latin typeface="Verdana" panose="020B0604030504040204" pitchFamily="34" charset="0"/>
-                        <a:ea typeface="Verdana" panose="020B0604030504040204" pitchFamily="34" charset="0"/>
-                      </a:endParaRPr>
+                      <a:r>
+                        <a:rPr lang="pt-PT" sz="1400" dirty="0">
+                          <a:latin typeface="Verdana" panose="020B0604030504040204" pitchFamily="34" charset="0"/>
+                          <a:ea typeface="Verdana" panose="020B0604030504040204" pitchFamily="34" charset="0"/>
+                        </a:rPr>
+                        <a:t>4</a:t>
+                      </a:r>
                     </a:p>
                   </a:txBody>
                   <a:tcPr anchor="ctr"/>
@@ -29533,7 +32736,7 @@
           <p:nvPr>
             <p:extLst>
               <p:ext uri="{D42A27DB-BD31-4B8C-83A1-F6EECF244321}">
-                <p14:modId xmlns:p14="http://schemas.microsoft.com/office/powerpoint/2010/main" val="1293515627"/>
+                <p14:modId xmlns:p14="http://schemas.microsoft.com/office/powerpoint/2010/main" val="610096817"/>
               </p:ext>
             </p:extLst>
           </p:nvPr>
@@ -29698,10 +32901,13 @@
                     <a:lstStyle/>
                     <a:p>
                       <a:pPr algn="ctr"/>
-                      <a:endParaRPr lang="pt-PT" sz="1400" dirty="0">
-                        <a:latin typeface="Verdana" panose="020B0604030504040204" pitchFamily="34" charset="0"/>
-                        <a:ea typeface="Verdana" panose="020B0604030504040204" pitchFamily="34" charset="0"/>
-                      </a:endParaRPr>
+                      <a:r>
+                        <a:rPr lang="pt-PT" sz="1400" dirty="0">
+                          <a:latin typeface="Verdana" panose="020B0604030504040204" pitchFamily="34" charset="0"/>
+                          <a:ea typeface="Verdana" panose="020B0604030504040204" pitchFamily="34" charset="0"/>
+                        </a:rPr>
+                        <a:t>5</a:t>
+                      </a:r>
                     </a:p>
                   </a:txBody>
                   <a:tcPr anchor="ctr"/>
@@ -29712,10 +32918,13 @@
                     <a:lstStyle/>
                     <a:p>
                       <a:pPr algn="ctr"/>
-                      <a:endParaRPr lang="pt-PT" sz="1400" dirty="0">
-                        <a:latin typeface="Verdana" panose="020B0604030504040204" pitchFamily="34" charset="0"/>
-                        <a:ea typeface="Verdana" panose="020B0604030504040204" pitchFamily="34" charset="0"/>
-                      </a:endParaRPr>
+                      <a:r>
+                        <a:rPr lang="pt-PT" sz="1400" dirty="0">
+                          <a:latin typeface="Verdana" panose="020B0604030504040204" pitchFamily="34" charset="0"/>
+                          <a:ea typeface="Verdana" panose="020B0604030504040204" pitchFamily="34" charset="0"/>
+                        </a:rPr>
+                        <a:t>4</a:t>
+                      </a:r>
                     </a:p>
                   </a:txBody>
                   <a:tcPr anchor="ctr"/>
@@ -29726,10 +32935,13 @@
                     <a:lstStyle/>
                     <a:p>
                       <a:pPr algn="ctr"/>
-                      <a:endParaRPr lang="pt-PT" sz="1400" dirty="0">
-                        <a:latin typeface="Verdana" panose="020B0604030504040204" pitchFamily="34" charset="0"/>
-                        <a:ea typeface="Verdana" panose="020B0604030504040204" pitchFamily="34" charset="0"/>
-                      </a:endParaRPr>
+                      <a:r>
+                        <a:rPr lang="pt-PT" sz="1400" dirty="0">
+                          <a:latin typeface="Verdana" panose="020B0604030504040204" pitchFamily="34" charset="0"/>
+                          <a:ea typeface="Verdana" panose="020B0604030504040204" pitchFamily="34" charset="0"/>
+                        </a:rPr>
+                        <a:t>4</a:t>
+                      </a:r>
                     </a:p>
                   </a:txBody>
                   <a:tcPr anchor="ctr"/>
@@ -29740,10 +32952,13 @@
                     <a:lstStyle/>
                     <a:p>
                       <a:pPr algn="ctr"/>
-                      <a:endParaRPr lang="pt-PT" sz="1400" dirty="0">
-                        <a:latin typeface="Verdana" panose="020B0604030504040204" pitchFamily="34" charset="0"/>
-                        <a:ea typeface="Verdana" panose="020B0604030504040204" pitchFamily="34" charset="0"/>
-                      </a:endParaRPr>
+                      <a:r>
+                        <a:rPr lang="pt-PT" sz="1400" dirty="0">
+                          <a:latin typeface="Verdana" panose="020B0604030504040204" pitchFamily="34" charset="0"/>
+                          <a:ea typeface="Verdana" panose="020B0604030504040204" pitchFamily="34" charset="0"/>
+                        </a:rPr>
+                        <a:t>4</a:t>
+                      </a:r>
                     </a:p>
                   </a:txBody>
                   <a:tcPr anchor="ctr"/>
@@ -29781,10 +32996,13 @@
                     <a:lstStyle/>
                     <a:p>
                       <a:pPr algn="ctr"/>
-                      <a:endParaRPr lang="pt-PT" sz="1400" dirty="0">
-                        <a:latin typeface="Verdana" panose="020B0604030504040204" pitchFamily="34" charset="0"/>
-                        <a:ea typeface="Verdana" panose="020B0604030504040204" pitchFamily="34" charset="0"/>
-                      </a:endParaRPr>
+                      <a:r>
+                        <a:rPr lang="pt-PT" sz="1400" dirty="0">
+                          <a:latin typeface="Verdana" panose="020B0604030504040204" pitchFamily="34" charset="0"/>
+                          <a:ea typeface="Verdana" panose="020B0604030504040204" pitchFamily="34" charset="0"/>
+                        </a:rPr>
+                        <a:t>4</a:t>
+                      </a:r>
                     </a:p>
                   </a:txBody>
                   <a:tcPr anchor="ctr"/>
@@ -29795,10 +33013,13 @@
                     <a:lstStyle/>
                     <a:p>
                       <a:pPr algn="ctr"/>
-                      <a:endParaRPr lang="pt-PT" sz="1400">
-                        <a:latin typeface="Verdana" panose="020B0604030504040204" pitchFamily="34" charset="0"/>
-                        <a:ea typeface="Verdana" panose="020B0604030504040204" pitchFamily="34" charset="0"/>
-                      </a:endParaRPr>
+                      <a:r>
+                        <a:rPr lang="pt-PT" sz="1400" dirty="0">
+                          <a:latin typeface="Verdana" panose="020B0604030504040204" pitchFamily="34" charset="0"/>
+                          <a:ea typeface="Verdana" panose="020B0604030504040204" pitchFamily="34" charset="0"/>
+                        </a:rPr>
+                        <a:t>4</a:t>
+                      </a:r>
                     </a:p>
                   </a:txBody>
                   <a:tcPr anchor="ctr"/>
@@ -29809,10 +33030,13 @@
                     <a:lstStyle/>
                     <a:p>
                       <a:pPr algn="ctr"/>
-                      <a:endParaRPr lang="pt-PT" sz="1400" dirty="0">
-                        <a:latin typeface="Verdana" panose="020B0604030504040204" pitchFamily="34" charset="0"/>
-                        <a:ea typeface="Verdana" panose="020B0604030504040204" pitchFamily="34" charset="0"/>
-                      </a:endParaRPr>
+                      <a:r>
+                        <a:rPr lang="pt-PT" sz="1400" dirty="0">
+                          <a:latin typeface="Verdana" panose="020B0604030504040204" pitchFamily="34" charset="0"/>
+                          <a:ea typeface="Verdana" panose="020B0604030504040204" pitchFamily="34" charset="0"/>
+                        </a:rPr>
+                        <a:t>4</a:t>
+                      </a:r>
                     </a:p>
                   </a:txBody>
                   <a:tcPr anchor="ctr"/>
@@ -29823,10 +33047,13 @@
                     <a:lstStyle/>
                     <a:p>
                       <a:pPr algn="ctr"/>
-                      <a:endParaRPr lang="pt-PT" sz="1400" dirty="0">
-                        <a:latin typeface="Verdana" panose="020B0604030504040204" pitchFamily="34" charset="0"/>
-                        <a:ea typeface="Verdana" panose="020B0604030504040204" pitchFamily="34" charset="0"/>
-                      </a:endParaRPr>
+                      <a:r>
+                        <a:rPr lang="pt-PT" sz="1400" dirty="0">
+                          <a:latin typeface="Verdana" panose="020B0604030504040204" pitchFamily="34" charset="0"/>
+                          <a:ea typeface="Verdana" panose="020B0604030504040204" pitchFamily="34" charset="0"/>
+                        </a:rPr>
+                        <a:t>4</a:t>
+                      </a:r>
                     </a:p>
                   </a:txBody>
                   <a:tcPr anchor="ctr"/>
@@ -29864,10 +33091,13 @@
                     <a:lstStyle/>
                     <a:p>
                       <a:pPr algn="ctr"/>
-                      <a:endParaRPr lang="pt-PT" sz="1400" dirty="0">
-                        <a:latin typeface="Verdana" panose="020B0604030504040204" pitchFamily="34" charset="0"/>
-                        <a:ea typeface="Verdana" panose="020B0604030504040204" pitchFamily="34" charset="0"/>
-                      </a:endParaRPr>
+                      <a:r>
+                        <a:rPr lang="pt-PT" sz="1400" dirty="0">
+                          <a:latin typeface="Verdana" panose="020B0604030504040204" pitchFamily="34" charset="0"/>
+                          <a:ea typeface="Verdana" panose="020B0604030504040204" pitchFamily="34" charset="0"/>
+                        </a:rPr>
+                        <a:t>5</a:t>
+                      </a:r>
                     </a:p>
                   </a:txBody>
                   <a:tcPr anchor="ctr"/>
@@ -29878,10 +33108,13 @@
                     <a:lstStyle/>
                     <a:p>
                       <a:pPr algn="ctr"/>
-                      <a:endParaRPr lang="pt-PT" sz="1400">
-                        <a:latin typeface="Verdana" panose="020B0604030504040204" pitchFamily="34" charset="0"/>
-                        <a:ea typeface="Verdana" panose="020B0604030504040204" pitchFamily="34" charset="0"/>
-                      </a:endParaRPr>
+                      <a:r>
+                        <a:rPr lang="pt-PT" sz="1400" dirty="0">
+                          <a:latin typeface="Verdana" panose="020B0604030504040204" pitchFamily="34" charset="0"/>
+                          <a:ea typeface="Verdana" panose="020B0604030504040204" pitchFamily="34" charset="0"/>
+                        </a:rPr>
+                        <a:t>4</a:t>
+                      </a:r>
                     </a:p>
                   </a:txBody>
                   <a:tcPr anchor="ctr"/>
@@ -29892,10 +33125,13 @@
                     <a:lstStyle/>
                     <a:p>
                       <a:pPr algn="ctr"/>
-                      <a:endParaRPr lang="pt-PT" sz="1400">
-                        <a:latin typeface="Verdana" panose="020B0604030504040204" pitchFamily="34" charset="0"/>
-                        <a:ea typeface="Verdana" panose="020B0604030504040204" pitchFamily="34" charset="0"/>
-                      </a:endParaRPr>
+                      <a:r>
+                        <a:rPr lang="pt-PT" sz="1400" dirty="0">
+                          <a:latin typeface="Verdana" panose="020B0604030504040204" pitchFamily="34" charset="0"/>
+                          <a:ea typeface="Verdana" panose="020B0604030504040204" pitchFamily="34" charset="0"/>
+                        </a:rPr>
+                        <a:t>4</a:t>
+                      </a:r>
                     </a:p>
                   </a:txBody>
                   <a:tcPr anchor="ctr"/>
@@ -29906,10 +33142,13 @@
                     <a:lstStyle/>
                     <a:p>
                       <a:pPr algn="ctr"/>
-                      <a:endParaRPr lang="pt-PT" sz="1400" dirty="0">
-                        <a:latin typeface="Verdana" panose="020B0604030504040204" pitchFamily="34" charset="0"/>
-                        <a:ea typeface="Verdana" panose="020B0604030504040204" pitchFamily="34" charset="0"/>
-                      </a:endParaRPr>
+                      <a:r>
+                        <a:rPr lang="pt-PT" sz="1400" dirty="0">
+                          <a:latin typeface="Verdana" panose="020B0604030504040204" pitchFamily="34" charset="0"/>
+                          <a:ea typeface="Verdana" panose="020B0604030504040204" pitchFamily="34" charset="0"/>
+                        </a:rPr>
+                        <a:t>4</a:t>
+                      </a:r>
                     </a:p>
                   </a:txBody>
                   <a:tcPr anchor="ctr"/>
@@ -29947,10 +33186,13 @@
                     <a:lstStyle/>
                     <a:p>
                       <a:pPr algn="ctr"/>
-                      <a:endParaRPr lang="pt-PT" sz="1400" dirty="0">
-                        <a:latin typeface="Verdana" panose="020B0604030504040204" pitchFamily="34" charset="0"/>
-                        <a:ea typeface="Verdana" panose="020B0604030504040204" pitchFamily="34" charset="0"/>
-                      </a:endParaRPr>
+                      <a:r>
+                        <a:rPr lang="pt-PT" sz="1400" dirty="0">
+                          <a:latin typeface="Verdana" panose="020B0604030504040204" pitchFamily="34" charset="0"/>
+                          <a:ea typeface="Verdana" panose="020B0604030504040204" pitchFamily="34" charset="0"/>
+                        </a:rPr>
+                        <a:t>4</a:t>
+                      </a:r>
                     </a:p>
                   </a:txBody>
                   <a:tcPr anchor="ctr"/>
@@ -29961,10 +33203,13 @@
                     <a:lstStyle/>
                     <a:p>
                       <a:pPr algn="ctr"/>
-                      <a:endParaRPr lang="pt-PT" sz="1400" dirty="0">
-                        <a:latin typeface="Verdana" panose="020B0604030504040204" pitchFamily="34" charset="0"/>
-                        <a:ea typeface="Verdana" panose="020B0604030504040204" pitchFamily="34" charset="0"/>
-                      </a:endParaRPr>
+                      <a:r>
+                        <a:rPr lang="pt-PT" sz="1400" dirty="0">
+                          <a:latin typeface="Verdana" panose="020B0604030504040204" pitchFamily="34" charset="0"/>
+                          <a:ea typeface="Verdana" panose="020B0604030504040204" pitchFamily="34" charset="0"/>
+                        </a:rPr>
+                        <a:t>4</a:t>
+                      </a:r>
                     </a:p>
                   </a:txBody>
                   <a:tcPr anchor="ctr"/>
@@ -29975,10 +33220,13 @@
                     <a:lstStyle/>
                     <a:p>
                       <a:pPr algn="ctr"/>
-                      <a:endParaRPr lang="pt-PT" sz="1400" dirty="0">
-                        <a:latin typeface="Verdana" panose="020B0604030504040204" pitchFamily="34" charset="0"/>
-                        <a:ea typeface="Verdana" panose="020B0604030504040204" pitchFamily="34" charset="0"/>
-                      </a:endParaRPr>
+                      <a:r>
+                        <a:rPr lang="pt-PT" sz="1400" dirty="0">
+                          <a:latin typeface="Verdana" panose="020B0604030504040204" pitchFamily="34" charset="0"/>
+                          <a:ea typeface="Verdana" panose="020B0604030504040204" pitchFamily="34" charset="0"/>
+                        </a:rPr>
+                        <a:t>4</a:t>
+                      </a:r>
                     </a:p>
                   </a:txBody>
                   <a:tcPr anchor="ctr"/>
@@ -29989,10 +33237,13 @@
                     <a:lstStyle/>
                     <a:p>
                       <a:pPr algn="ctr"/>
-                      <a:endParaRPr lang="pt-PT" sz="1400" dirty="0">
-                        <a:latin typeface="Verdana" panose="020B0604030504040204" pitchFamily="34" charset="0"/>
-                        <a:ea typeface="Verdana" panose="020B0604030504040204" pitchFamily="34" charset="0"/>
-                      </a:endParaRPr>
+                      <a:r>
+                        <a:rPr lang="pt-PT" sz="1400" dirty="0">
+                          <a:latin typeface="Verdana" panose="020B0604030504040204" pitchFamily="34" charset="0"/>
+                          <a:ea typeface="Verdana" panose="020B0604030504040204" pitchFamily="34" charset="0"/>
+                        </a:rPr>
+                        <a:t>4</a:t>
+                      </a:r>
                     </a:p>
                   </a:txBody>
                   <a:tcPr anchor="ctr"/>
@@ -30099,16 +33350,12 @@
                     <a:p>
                       <a:pPr algn="ctr"/>
                       <a:r>
-                        <a:rPr lang="pt-PT" sz="1400">
+                        <a:rPr lang="pt-PT" sz="1400" dirty="0">
                           <a:latin typeface="Verdana" panose="020B0604030504040204" pitchFamily="34" charset="0"/>
                           <a:ea typeface="Verdana" panose="020B0604030504040204" pitchFamily="34" charset="0"/>
                         </a:rPr>
                         <a:t>5</a:t>
                       </a:r>
-                      <a:endParaRPr lang="pt-PT" sz="1400" dirty="0">
-                        <a:latin typeface="Verdana" panose="020B0604030504040204" pitchFamily="34" charset="0"/>
-                        <a:ea typeface="Verdana" panose="020B0604030504040204" pitchFamily="34" charset="0"/>
-                      </a:endParaRPr>
                     </a:p>
                   </a:txBody>
                   <a:tcPr anchor="ctr"/>
@@ -30214,6 +33461,102 @@
     <p:extLst>
       <p:ext uri="{BB962C8B-B14F-4D97-AF65-F5344CB8AC3E}">
         <p14:creationId xmlns:p14="http://schemas.microsoft.com/office/powerpoint/2010/main" val="2114783133"/>
+      </p:ext>
+    </p:extLst>
+  </p:cSld>
+  <p:clrMapOvr>
+    <a:masterClrMapping/>
+  </p:clrMapOvr>
+</p:sld>
+</file>
+
+<file path=ppt/slides/slide12.xml><?xml version="1.0" encoding="utf-8"?>
+<p:sld xmlns:a="http://schemas.openxmlformats.org/drawingml/2006/main" xmlns:r="http://schemas.openxmlformats.org/officeDocument/2006/relationships" xmlns:p="http://schemas.openxmlformats.org/presentationml/2006/main">
+  <p:cSld>
+    <p:spTree>
+      <p:nvGrpSpPr>
+        <p:cNvPr id="1" name=""/>
+        <p:cNvGrpSpPr/>
+        <p:nvPr/>
+      </p:nvGrpSpPr>
+      <p:grpSpPr>
+        <a:xfrm>
+          <a:off x="0" y="0"/>
+          <a:ext cx="0" cy="0"/>
+          <a:chOff x="0" y="0"/>
+          <a:chExt cx="0" cy="0"/>
+        </a:xfrm>
+      </p:grpSpPr>
+      <p:sp>
+        <p:nvSpPr>
+          <p:cNvPr id="2" name="Título 1">
+            <a:extLst>
+              <a:ext uri="{FF2B5EF4-FFF2-40B4-BE49-F238E27FC236}">
+                <a16:creationId xmlns:a16="http://schemas.microsoft.com/office/drawing/2014/main" id="{86A0AD4E-9D09-4E47-8E1D-63787D32169A}"/>
+              </a:ext>
+            </a:extLst>
+          </p:cNvPr>
+          <p:cNvSpPr>
+            <a:spLocks noGrp="1"/>
+          </p:cNvSpPr>
+          <p:nvPr>
+            <p:ph type="title"/>
+          </p:nvPr>
+        </p:nvSpPr>
+        <p:spPr/>
+        <p:txBody>
+          <a:bodyPr/>
+          <a:lstStyle/>
+          <a:p>
+            <a:r>
+              <a:rPr lang="pt-PT" sz="3600" dirty="0">
+                <a:latin typeface="Verdana" panose="020B0604030504040204" pitchFamily="34" charset="0"/>
+                <a:ea typeface="Verdana" panose="020B0604030504040204" pitchFamily="34" charset="0"/>
+              </a:rPr>
+              <a:t>Conclusões</a:t>
+            </a:r>
+            <a:endParaRPr lang="pt-PT" dirty="0">
+              <a:latin typeface="Verdana" panose="020B0604030504040204" pitchFamily="34" charset="0"/>
+              <a:ea typeface="Verdana" panose="020B0604030504040204" pitchFamily="34" charset="0"/>
+            </a:endParaRPr>
+          </a:p>
+        </p:txBody>
+      </p:sp>
+      <p:graphicFrame>
+        <p:nvGraphicFramePr>
+          <p:cNvPr id="5" name="Marcador de Posição de Conteúdo 2">
+            <a:extLst>
+              <a:ext uri="{FF2B5EF4-FFF2-40B4-BE49-F238E27FC236}">
+                <a16:creationId xmlns:a16="http://schemas.microsoft.com/office/drawing/2014/main" id="{220876C6-873B-4E90-8B6E-2143C0598325}"/>
+              </a:ext>
+            </a:extLst>
+          </p:cNvPr>
+          <p:cNvGraphicFramePr>
+            <a:graphicFrameLocks noGrp="1"/>
+          </p:cNvGraphicFramePr>
+          <p:nvPr>
+            <p:ph idx="1"/>
+            <p:extLst>
+              <p:ext uri="{D42A27DB-BD31-4B8C-83A1-F6EECF244321}">
+                <p14:modId xmlns:p14="http://schemas.microsoft.com/office/powerpoint/2010/main" val="760655918"/>
+              </p:ext>
+            </p:extLst>
+          </p:nvPr>
+        </p:nvGraphicFramePr>
+        <p:xfrm>
+          <a:off x="1115568" y="2478024"/>
+          <a:ext cx="10168128" cy="3694176"/>
+        </p:xfrm>
+        <a:graphic>
+          <a:graphicData uri="http://schemas.openxmlformats.org/drawingml/2006/diagram">
+            <dgm:relIds xmlns:dgm="http://schemas.openxmlformats.org/drawingml/2006/diagram" xmlns:r="http://schemas.openxmlformats.org/officeDocument/2006/relationships" r:dm="rId2" r:lo="rId3" r:qs="rId4" r:cs="rId5"/>
+          </a:graphicData>
+        </a:graphic>
+      </p:graphicFrame>
+    </p:spTree>
+    <p:extLst>
+      <p:ext uri="{BB962C8B-B14F-4D97-AF65-F5344CB8AC3E}">
+        <p14:creationId xmlns:p14="http://schemas.microsoft.com/office/powerpoint/2010/main" val="783550461"/>
       </p:ext>
     </p:extLst>
   </p:cSld>
@@ -30796,7 +34139,7 @@
             <p:ph idx="1"/>
             <p:extLst>
               <p:ext uri="{D42A27DB-BD31-4B8C-83A1-F6EECF244321}">
-                <p14:modId xmlns:p14="http://schemas.microsoft.com/office/powerpoint/2010/main" val="3735449366"/>
+                <p14:modId xmlns:p14="http://schemas.microsoft.com/office/powerpoint/2010/main" val="1204477879"/>
               </p:ext>
             </p:extLst>
           </p:nvPr>
@@ -31827,7 +35170,7 @@
         <p:spPr>
           <a:xfrm>
             <a:off x="7833787" y="405575"/>
-            <a:ext cx="3967443" cy="1431161"/>
+            <a:ext cx="3967443" cy="1492716"/>
           </a:xfrm>
           <a:prstGeom prst="rect">
             <a:avLst/>
@@ -31846,7 +35189,7 @@
               </a:spcAft>
             </a:pPr>
             <a:r>
-              <a:rPr lang="pt-PT" dirty="0">
+              <a:rPr lang="pt-PT" sz="2000" dirty="0">
                 <a:latin typeface="Verdana" panose="020B0604030504040204" pitchFamily="34" charset="0"/>
                 <a:ea typeface="Verdana" panose="020B0604030504040204" pitchFamily="34" charset="0"/>
               </a:rPr>
@@ -32146,14 +35489,14 @@
               <a:t>	</a:t>
             </a:r>
             <a:r>
-              <a:rPr lang="pt-PT" sz="1600" b="0" u="sng" dirty="0">
+              <a:rPr lang="pt-PT" sz="1800" b="0" u="sng" dirty="0">
                 <a:latin typeface="Verdana" panose="020B0604030504040204" pitchFamily="34" charset="0"/>
                 <a:ea typeface="Verdana" panose="020B0604030504040204" pitchFamily="34" charset="0"/>
               </a:rPr>
               <a:t>Metodologia </a:t>
             </a:r>
             <a:r>
-              <a:rPr lang="pt-PT" sz="1600" b="0" u="sng" dirty="0" err="1">
+              <a:rPr lang="pt-PT" sz="1800" b="0" u="sng" dirty="0" err="1">
                 <a:latin typeface="Verdana" panose="020B0604030504040204" pitchFamily="34" charset="0"/>
                 <a:ea typeface="Verdana" panose="020B0604030504040204" pitchFamily="34" charset="0"/>
               </a:rPr>
@@ -32182,7 +35525,7 @@
             <p:ph idx="1"/>
             <p:extLst>
               <p:ext uri="{D42A27DB-BD31-4B8C-83A1-F6EECF244321}">
-                <p14:modId xmlns:p14="http://schemas.microsoft.com/office/powerpoint/2010/main" val="3303404142"/>
+                <p14:modId xmlns:p14="http://schemas.microsoft.com/office/powerpoint/2010/main" val="2998192719"/>
               </p:ext>
             </p:extLst>
           </p:nvPr>
@@ -32582,7 +35925,7 @@
             <p:ph idx="1"/>
             <p:extLst>
               <p:ext uri="{D42A27DB-BD31-4B8C-83A1-F6EECF244321}">
-                <p14:modId xmlns:p14="http://schemas.microsoft.com/office/powerpoint/2010/main" val="2726114"/>
+                <p14:modId xmlns:p14="http://schemas.microsoft.com/office/powerpoint/2010/main" val="2987368962"/>
               </p:ext>
             </p:extLst>
           </p:nvPr>
@@ -32724,7 +36067,10 @@
           <a:lstStyle/>
           <a:p>
             <a:r>
-              <a:rPr lang="pt-PT" sz="3600" dirty="0"/>
+              <a:rPr lang="pt-PT" sz="3600" dirty="0">
+                <a:latin typeface="Verdana" panose="020B0604030504040204" pitchFamily="34" charset="0"/>
+                <a:ea typeface="Verdana" panose="020B0604030504040204" pitchFamily="34" charset="0"/>
+              </a:rPr>
               <a:t>Desenvolvimento do Projeto</a:t>
             </a:r>
           </a:p>
@@ -33025,6 +36371,14 @@
 <file path=ppt/slides/slide8.xml><?xml version="1.0" encoding="utf-8"?>
 <p:sld xmlns:a="http://schemas.openxmlformats.org/drawingml/2006/main" xmlns:r="http://schemas.openxmlformats.org/officeDocument/2006/relationships" xmlns:p="http://schemas.openxmlformats.org/presentationml/2006/main">
   <p:cSld>
+    <p:bg>
+      <p:bgPr>
+        <a:solidFill>
+          <a:schemeClr val="bg1"/>
+        </a:solidFill>
+        <a:effectLst/>
+      </p:bgPr>
+    </p:bg>
     <p:spTree>
       <p:nvGrpSpPr>
         <p:cNvPr id="1" name=""/>
@@ -33039,6 +36393,66 @@
           <a:chExt cx="0" cy="0"/>
         </a:xfrm>
       </p:grpSpPr>
+      <p:sp useBgFill="1">
+        <p:nvSpPr>
+          <p:cNvPr id="10" name="Rectangle 9">
+            <a:extLst>
+              <a:ext uri="{FF2B5EF4-FFF2-40B4-BE49-F238E27FC236}">
+                <a16:creationId xmlns:a16="http://schemas.microsoft.com/office/drawing/2014/main" id="{81D377EB-C9D2-4ED0-86A6-740A297E3EAC}"/>
+              </a:ext>
+              <a:ext uri="{C183D7F6-B498-43B3-948B-1728B52AA6E4}">
+                <adec:decorative xmlns:adec="http://schemas.microsoft.com/office/drawing/2017/decorative" val="1"/>
+              </a:ext>
+            </a:extLst>
+          </p:cNvPr>
+          <p:cNvSpPr>
+            <a:spLocks noGrp="1" noRot="1" noChangeAspect="1" noMove="1" noResize="1" noEditPoints="1" noAdjustHandles="1" noChangeArrowheads="1" noChangeShapeType="1" noTextEdit="1"/>
+          </p:cNvSpPr>
+          <p:nvPr>
+            <p:extLst>
+              <p:ext uri="{386F3935-93C4-4BCD-93E2-E3B085C9AB24}">
+                <p16:designElem xmlns:p16="http://schemas.microsoft.com/office/powerpoint/2015/main" val="1"/>
+              </p:ext>
+            </p:extLst>
+          </p:nvPr>
+        </p:nvSpPr>
+        <p:spPr>
+          <a:xfrm>
+            <a:off x="0" y="0"/>
+            <a:ext cx="12192000" cy="6858000"/>
+          </a:xfrm>
+          <a:prstGeom prst="rect">
+            <a:avLst/>
+          </a:prstGeom>
+          <a:ln>
+            <a:noFill/>
+          </a:ln>
+        </p:spPr>
+        <p:style>
+          <a:lnRef idx="2">
+            <a:schemeClr val="accent1">
+              <a:shade val="50000"/>
+            </a:schemeClr>
+          </a:lnRef>
+          <a:fillRef idx="1">
+            <a:schemeClr val="accent1"/>
+          </a:fillRef>
+          <a:effectRef idx="0">
+            <a:schemeClr val="accent1"/>
+          </a:effectRef>
+          <a:fontRef idx="minor">
+            <a:schemeClr val="lt1"/>
+          </a:fontRef>
+        </p:style>
+        <p:txBody>
+          <a:bodyPr rtlCol="0" anchor="ctr"/>
+          <a:lstStyle/>
+          <a:p>
+            <a:pPr algn="ctr"/>
+            <a:endParaRPr lang="en-US"/>
+          </a:p>
+        </p:txBody>
+      </p:sp>
       <p:sp>
         <p:nvSpPr>
           <p:cNvPr id="2" name="Título 1">
@@ -33055,15 +36469,213 @@
             <p:ph type="title"/>
           </p:nvPr>
         </p:nvSpPr>
-        <p:spPr/>
+        <p:spPr>
+          <a:xfrm>
+            <a:off x="841248" y="685800"/>
+            <a:ext cx="10506456" cy="1157005"/>
+          </a:xfrm>
+        </p:spPr>
         <p:txBody>
-          <a:bodyPr/>
+          <a:bodyPr anchor="b">
+            <a:normAutofit/>
+          </a:bodyPr>
           <a:lstStyle/>
           <a:p>
             <a:r>
-              <a:rPr lang="pt-PT" dirty="0"/>
+              <a:rPr lang="pt-PT" sz="3600" dirty="0">
+                <a:latin typeface="Verdana" panose="020B0604030504040204" pitchFamily="34" charset="0"/>
+                <a:ea typeface="Verdana" panose="020B0604030504040204" pitchFamily="34" charset="0"/>
+              </a:rPr>
               <a:t>Resultados Esperados</a:t>
             </a:r>
+          </a:p>
+        </p:txBody>
+      </p:sp>
+      <p:sp>
+        <p:nvSpPr>
+          <p:cNvPr id="12" name="Rectangle 11">
+            <a:extLst>
+              <a:ext uri="{FF2B5EF4-FFF2-40B4-BE49-F238E27FC236}">
+                <a16:creationId xmlns:a16="http://schemas.microsoft.com/office/drawing/2014/main" id="{066346BE-FDB4-4772-A696-0719490ABD64}"/>
+              </a:ext>
+              <a:ext uri="{C183D7F6-B498-43B3-948B-1728B52AA6E4}">
+                <adec:decorative xmlns:adec="http://schemas.microsoft.com/office/drawing/2017/decorative" val="1"/>
+              </a:ext>
+            </a:extLst>
+          </p:cNvPr>
+          <p:cNvSpPr>
+            <a:spLocks noGrp="1" noRot="1" noChangeAspect="1" noMove="1" noResize="1" noEditPoints="1" noAdjustHandles="1" noChangeArrowheads="1" noChangeShapeType="1" noTextEdit="1"/>
+          </p:cNvSpPr>
+          <p:nvPr>
+            <p:extLst>
+              <p:ext uri="{386F3935-93C4-4BCD-93E2-E3B085C9AB24}">
+                <p16:designElem xmlns:p16="http://schemas.microsoft.com/office/powerpoint/2015/main" val="1"/>
+              </p:ext>
+            </p:extLst>
+          </p:nvPr>
+        </p:nvSpPr>
+        <p:spPr>
+          <a:xfrm rot="5400000">
+            <a:off x="1120140" y="34093"/>
+            <a:ext cx="146304" cy="704088"/>
+          </a:xfrm>
+          <a:prstGeom prst="rect">
+            <a:avLst/>
+          </a:prstGeom>
+          <a:solidFill>
+            <a:schemeClr val="accent1"/>
+          </a:solidFill>
+          <a:ln>
+            <a:noFill/>
+          </a:ln>
+        </p:spPr>
+        <p:style>
+          <a:lnRef idx="2">
+            <a:schemeClr val="accent1">
+              <a:shade val="50000"/>
+            </a:schemeClr>
+          </a:lnRef>
+          <a:fillRef idx="1">
+            <a:schemeClr val="accent1"/>
+          </a:fillRef>
+          <a:effectRef idx="0">
+            <a:schemeClr val="accent1"/>
+          </a:effectRef>
+          <a:fontRef idx="minor">
+            <a:schemeClr val="lt1"/>
+          </a:fontRef>
+        </p:style>
+        <p:txBody>
+          <a:bodyPr rtlCol="0" anchor="ctr"/>
+          <a:lstStyle/>
+          <a:p>
+            <a:pPr marL="0" marR="0" lvl="0" indent="0" algn="ctr" defTabSz="914400" rtl="0" eaLnBrk="1" fontAlgn="auto" latinLnBrk="0" hangingPunct="1">
+              <a:lnSpc>
+                <a:spcPct val="100000"/>
+              </a:lnSpc>
+              <a:spcBef>
+                <a:spcPts val="0"/>
+              </a:spcBef>
+              <a:spcAft>
+                <a:spcPts val="0"/>
+              </a:spcAft>
+              <a:buClrTx/>
+              <a:buSzTx/>
+              <a:buFontTx/>
+              <a:buNone/>
+              <a:tabLst/>
+              <a:defRPr/>
+            </a:pPr>
+            <a:endParaRPr kumimoji="0" lang="en-US" sz="1800" b="0" i="0" u="none" strike="noStrike" kern="1200" cap="none" spc="0" normalizeH="0" baseline="0" noProof="0">
+              <a:ln>
+                <a:noFill/>
+              </a:ln>
+              <a:solidFill>
+                <a:prstClr val="white"/>
+              </a:solidFill>
+              <a:effectLst/>
+              <a:uLnTx/>
+              <a:uFillTx/>
+              <a:latin typeface="Calibri" panose="020F0502020204030204"/>
+              <a:ea typeface="+mn-ea"/>
+              <a:cs typeface="+mn-cs"/>
+            </a:endParaRPr>
+          </a:p>
+        </p:txBody>
+      </p:sp>
+      <p:sp>
+        <p:nvSpPr>
+          <p:cNvPr id="14" name="Rectangle 13">
+            <a:extLst>
+              <a:ext uri="{FF2B5EF4-FFF2-40B4-BE49-F238E27FC236}">
+                <a16:creationId xmlns:a16="http://schemas.microsoft.com/office/drawing/2014/main" id="{FB92FFCE-0C90-454E-AA25-D4EE9A6C39C5}"/>
+              </a:ext>
+              <a:ext uri="{C183D7F6-B498-43B3-948B-1728B52AA6E4}">
+                <adec:decorative xmlns:adec="http://schemas.microsoft.com/office/drawing/2017/decorative" val="1"/>
+              </a:ext>
+            </a:extLst>
+          </p:cNvPr>
+          <p:cNvSpPr>
+            <a:spLocks noGrp="1" noRot="1" noChangeAspect="1" noMove="1" noResize="1" noEditPoints="1" noAdjustHandles="1" noChangeArrowheads="1" noChangeShapeType="1" noTextEdit="1"/>
+          </p:cNvSpPr>
+          <p:nvPr>
+            <p:extLst>
+              <p:ext uri="{386F3935-93C4-4BCD-93E2-E3B085C9AB24}">
+                <p16:designElem xmlns:p16="http://schemas.microsoft.com/office/powerpoint/2015/main" val="1"/>
+              </p:ext>
+            </p:extLst>
+          </p:nvPr>
+        </p:nvSpPr>
+        <p:spPr>
+          <a:xfrm>
+            <a:off x="841248" y="1958056"/>
+            <a:ext cx="10506456" cy="18288"/>
+          </a:xfrm>
+          <a:prstGeom prst="rect">
+            <a:avLst/>
+          </a:prstGeom>
+          <a:solidFill>
+            <a:schemeClr val="tx2">
+              <a:lumMod val="25000"/>
+              <a:lumOff val="75000"/>
+            </a:schemeClr>
+          </a:solidFill>
+          <a:ln w="3175">
+            <a:noFill/>
+          </a:ln>
+          <a:effectLst/>
+        </p:spPr>
+        <p:style>
+          <a:lnRef idx="2">
+            <a:schemeClr val="accent1">
+              <a:shade val="50000"/>
+            </a:schemeClr>
+          </a:lnRef>
+          <a:fillRef idx="1">
+            <a:schemeClr val="accent1"/>
+          </a:fillRef>
+          <a:effectRef idx="0">
+            <a:schemeClr val="accent1"/>
+          </a:effectRef>
+          <a:fontRef idx="minor">
+            <a:schemeClr val="lt1"/>
+          </a:fontRef>
+        </p:style>
+        <p:txBody>
+          <a:bodyPr rtlCol="0" anchor="ctr"/>
+          <a:lstStyle/>
+          <a:p>
+            <a:pPr marL="0" marR="0" lvl="0" indent="0" algn="ctr" defTabSz="914400" rtl="0" eaLnBrk="1" fontAlgn="auto" latinLnBrk="0" hangingPunct="1">
+              <a:lnSpc>
+                <a:spcPct val="100000"/>
+              </a:lnSpc>
+              <a:spcBef>
+                <a:spcPts val="0"/>
+              </a:spcBef>
+              <a:spcAft>
+                <a:spcPts val="0"/>
+              </a:spcAft>
+              <a:buClrTx/>
+              <a:buSzTx/>
+              <a:buFontTx/>
+              <a:buNone/>
+              <a:tabLst/>
+              <a:defRPr/>
+            </a:pPr>
+            <a:endParaRPr kumimoji="0" lang="en-US" sz="1800" b="0" i="0" u="none" strike="noStrike" kern="1200" cap="none" spc="0" normalizeH="0" baseline="0" noProof="0">
+              <a:ln>
+                <a:noFill/>
+              </a:ln>
+              <a:solidFill>
+                <a:prstClr val="white"/>
+              </a:solidFill>
+              <a:effectLst/>
+              <a:uLnTx/>
+              <a:uFillTx/>
+              <a:latin typeface="Calibri" panose="020F0502020204030204"/>
+              <a:ea typeface="+mn-ea"/>
+              <a:cs typeface="+mn-cs"/>
+            </a:endParaRPr>
           </a:p>
         </p:txBody>
       </p:sp>
@@ -33083,14 +36695,14 @@
             <p:ph idx="1"/>
             <p:extLst>
               <p:ext uri="{D42A27DB-BD31-4B8C-83A1-F6EECF244321}">
-                <p14:modId xmlns:p14="http://schemas.microsoft.com/office/powerpoint/2010/main" val="4224534659"/>
+                <p14:modId xmlns:p14="http://schemas.microsoft.com/office/powerpoint/2010/main" val="1256204470"/>
               </p:ext>
             </p:extLst>
           </p:nvPr>
         </p:nvGraphicFramePr>
         <p:xfrm>
-          <a:off x="1116013" y="2478088"/>
-          <a:ext cx="10167937" cy="3694112"/>
+          <a:off x="838200" y="2295252"/>
+          <a:ext cx="10506456" cy="3876948"/>
         </p:xfrm>
         <a:graphic>
           <a:graphicData uri="http://schemas.openxmlformats.org/drawingml/2006/diagram">
@@ -33327,7 +36939,10 @@
           <a:lstStyle/>
           <a:p>
             <a:r>
-              <a:rPr lang="pt-PT" sz="3200"/>
+              <a:rPr lang="pt-PT" sz="3600" dirty="0">
+                <a:latin typeface="Verdana" panose="020B0604030504040204" pitchFamily="34" charset="0"/>
+                <a:ea typeface="Verdana" panose="020B0604030504040204" pitchFamily="34" charset="0"/>
+              </a:rPr>
               <a:t>Qualidade do produto</a:t>
             </a:r>
           </a:p>
@@ -33576,13 +37191,13 @@
             <p:ph idx="1"/>
             <p:extLst>
               <p:ext uri="{D42A27DB-BD31-4B8C-83A1-F6EECF244321}">
-                <p14:modId xmlns:p14="http://schemas.microsoft.com/office/powerpoint/2010/main" val="2806664391"/>
+                <p14:modId xmlns:p14="http://schemas.microsoft.com/office/powerpoint/2010/main" val="3582937681"/>
               </p:ext>
             </p:extLst>
           </p:nvPr>
         </p:nvGraphicFramePr>
         <p:xfrm>
-          <a:off x="841248" y="2252870"/>
+          <a:off x="841246" y="2318129"/>
           <a:ext cx="5993892" cy="3560251"/>
         </p:xfrm>
         <a:graphic>
